--- a/document/보고서_폼.pptx
+++ b/document/보고서_폼.pptx
@@ -5,10 +5,10 @@
     <p:sldMasterId id="2147483648" r:id="rId1"/>
   </p:sldMasterIdLst>
   <p:notesMasterIdLst>
-    <p:notesMasterId r:id="rId14"/>
+    <p:notesMasterId r:id="rId13"/>
   </p:notesMasterIdLst>
   <p:handoutMasterIdLst>
-    <p:handoutMasterId r:id="rId15"/>
+    <p:handoutMasterId r:id="rId14"/>
   </p:handoutMasterIdLst>
   <p:sldIdLst>
     <p:sldId id="256" r:id="rId2"/>
@@ -17,12 +17,11 @@
     <p:sldId id="271" r:id="rId5"/>
     <p:sldId id="272" r:id="rId6"/>
     <p:sldId id="273" r:id="rId7"/>
-    <p:sldId id="274" r:id="rId8"/>
-    <p:sldId id="275" r:id="rId9"/>
-    <p:sldId id="277" r:id="rId10"/>
-    <p:sldId id="278" r:id="rId11"/>
-    <p:sldId id="279" r:id="rId12"/>
-    <p:sldId id="280" r:id="rId13"/>
+    <p:sldId id="275" r:id="rId8"/>
+    <p:sldId id="277" r:id="rId9"/>
+    <p:sldId id="278" r:id="rId10"/>
+    <p:sldId id="279" r:id="rId11"/>
+    <p:sldId id="280" r:id="rId12"/>
   </p:sldIdLst>
   <p:sldSz cx="12192000" cy="6858000"/>
   <p:notesSz cx="6858000" cy="9144000"/>
@@ -123,10 +122,10 @@
   </p:defaultTextStyle>
   <p:extLst>
     <p:ext uri="{EFAFB233-063F-42B5-8137-9DF3F51BA10A}">
-      <p15:sldGuideLst xmlns:p15="http://schemas.microsoft.com/office/powerpoint/2012/main"/>
+      <p15:sldGuideLst xmlns:p15="http://schemas.microsoft.com/office/powerpoint/2012/main" xmlns=""/>
     </p:ext>
     <p:ext uri="{2D200454-40CA-4A62-9FC3-DE9A4176ACB9}">
-      <p15:notesGuideLst xmlns:p15="http://schemas.microsoft.com/office/powerpoint/2012/main">
+      <p15:notesGuideLst xmlns:p15="http://schemas.microsoft.com/office/powerpoint/2012/main" xmlns="">
         <p15:guide id="1" orient="horz" pos="2880" userDrawn="1">
           <p15:clr>
             <a:srgbClr val="A4A3A4"/>
@@ -692,7 +691,7 @@
           <a:lstStyle/>
           <a:p>
             <a:fld id="{21D05B64-2457-9646-A168-F3841DE84E16}" type="datetimeFigureOut">
-              <a:t>5/12/15</a:t>
+              <a:t>2015-05-12</a:t>
             </a:fld>
             <a:endParaRPr lang="en-US"/>
           </a:p>
@@ -895,7 +894,7 @@
           <a:lstStyle/>
           <a:p>
             <a:fld id="{21D05B64-2457-9646-A168-F3841DE84E16}" type="datetimeFigureOut">
-              <a:t>5/12/15</a:t>
+              <a:t>2015-05-12</a:t>
             </a:fld>
             <a:endParaRPr lang="en-US"/>
           </a:p>
@@ -1014,18 +1013,18 @@
           <a:lstStyle>
             <a:lvl1pPr>
               <a:defRPr sz="4000">
-                <a:latin typeface="SeoulNamsan" charset="0"/>
-                <a:ea typeface="SeoulNamsan" charset="0"/>
-                <a:cs typeface="SeoulNamsan" charset="0"/>
+                <a:latin typeface="서울남산체 M" panose="02020603020101020101" pitchFamily="18" charset="-127"/>
+                <a:ea typeface="서울남산체 M" panose="02020603020101020101" pitchFamily="18" charset="-127"/>
+                <a:cs typeface="서울남산체 M" panose="02020603020101020101" pitchFamily="18" charset="-127"/>
               </a:defRPr>
             </a:lvl1pPr>
           </a:lstStyle>
           <a:p>
             <a:r>
-              <a:rPr lang="ko-KR" altLang="en-US"/>
+              <a:rPr lang="ko-KR" altLang="en-US" dirty="0"/>
               <a:t>제목을 넣으세요</a:t>
             </a:r>
-            <a:endParaRPr lang="en-US"/>
+            <a:endParaRPr lang="en-US" dirty="0"/>
           </a:p>
         </p:txBody>
       </p:sp>
@@ -1050,72 +1049,72 @@
           <a:lstStyle>
             <a:lvl1pPr>
               <a:defRPr>
-                <a:latin typeface="SeoulNamsan" charset="0"/>
-                <a:ea typeface="SeoulNamsan" charset="0"/>
-                <a:cs typeface="SeoulNamsan" charset="0"/>
+                <a:latin typeface="서울남산체 M" panose="02020603020101020101" pitchFamily="18" charset="-127"/>
+                <a:ea typeface="서울남산체 M" panose="02020603020101020101" pitchFamily="18" charset="-127"/>
+                <a:cs typeface="서울남산체 M" panose="02020603020101020101" pitchFamily="18" charset="-127"/>
               </a:defRPr>
             </a:lvl1pPr>
             <a:lvl2pPr>
               <a:defRPr>
-                <a:latin typeface="SeoulNamsan" charset="0"/>
-                <a:ea typeface="SeoulNamsan" charset="0"/>
-                <a:cs typeface="SeoulNamsan" charset="0"/>
+                <a:latin typeface="서울남산체 M" panose="02020603020101020101" pitchFamily="18" charset="-127"/>
+                <a:ea typeface="서울남산체 M" panose="02020603020101020101" pitchFamily="18" charset="-127"/>
+                <a:cs typeface="서울남산체 M" panose="02020603020101020101" pitchFamily="18" charset="-127"/>
               </a:defRPr>
             </a:lvl2pPr>
             <a:lvl3pPr>
               <a:defRPr>
-                <a:latin typeface="SeoulNamsan" charset="0"/>
-                <a:ea typeface="SeoulNamsan" charset="0"/>
-                <a:cs typeface="SeoulNamsan" charset="0"/>
+                <a:latin typeface="서울남산체 M" panose="02020603020101020101" pitchFamily="18" charset="-127"/>
+                <a:ea typeface="서울남산체 M" panose="02020603020101020101" pitchFamily="18" charset="-127"/>
+                <a:cs typeface="서울남산체 M" panose="02020603020101020101" pitchFamily="18" charset="-127"/>
               </a:defRPr>
             </a:lvl3pPr>
             <a:lvl4pPr>
               <a:defRPr>
-                <a:latin typeface="SeoulNamsan" charset="0"/>
-                <a:ea typeface="SeoulNamsan" charset="0"/>
-                <a:cs typeface="SeoulNamsan" charset="0"/>
+                <a:latin typeface="서울남산체 M" panose="02020603020101020101" pitchFamily="18" charset="-127"/>
+                <a:ea typeface="서울남산체 M" panose="02020603020101020101" pitchFamily="18" charset="-127"/>
+                <a:cs typeface="서울남산체 M" panose="02020603020101020101" pitchFamily="18" charset="-127"/>
               </a:defRPr>
             </a:lvl4pPr>
             <a:lvl5pPr>
               <a:defRPr>
-                <a:latin typeface="SeoulNamsan" charset="0"/>
-                <a:ea typeface="SeoulNamsan" charset="0"/>
-                <a:cs typeface="SeoulNamsan" charset="0"/>
+                <a:latin typeface="서울남산체 M" panose="02020603020101020101" pitchFamily="18" charset="-127"/>
+                <a:ea typeface="서울남산체 M" panose="02020603020101020101" pitchFamily="18" charset="-127"/>
+                <a:cs typeface="서울남산체 M" panose="02020603020101020101" pitchFamily="18" charset="-127"/>
               </a:defRPr>
             </a:lvl5pPr>
           </a:lstStyle>
           <a:p>
             <a:pPr lvl="0"/>
             <a:r>
-              <a:rPr lang="en-US"/>
+              <a:rPr lang="en-US" dirty="0"/>
               <a:t>Click to edit Master text styles</a:t>
             </a:r>
           </a:p>
           <a:p>
             <a:pPr lvl="1"/>
             <a:r>
-              <a:rPr lang="en-US"/>
+              <a:rPr lang="en-US" dirty="0"/>
               <a:t>Second level</a:t>
             </a:r>
           </a:p>
           <a:p>
             <a:pPr lvl="2"/>
             <a:r>
-              <a:rPr lang="en-US"/>
+              <a:rPr lang="en-US" dirty="0"/>
               <a:t>Third level</a:t>
             </a:r>
           </a:p>
           <a:p>
             <a:pPr lvl="3"/>
             <a:r>
-              <a:rPr lang="en-US"/>
+              <a:rPr lang="en-US" dirty="0"/>
               <a:t>Fourth level</a:t>
             </a:r>
           </a:p>
           <a:p>
             <a:pPr lvl="4"/>
             <a:r>
-              <a:rPr lang="en-US"/>
+              <a:rPr lang="en-US" dirty="0"/>
               <a:t>Fifth level</a:t>
             </a:r>
           </a:p>
@@ -1147,9 +1146,9 @@
                     <a:lumMod val="50000"/>
                   </a:schemeClr>
                 </a:solidFill>
-                <a:latin typeface="SeoulNamsan" charset="0"/>
-                <a:ea typeface="SeoulNamsan" charset="0"/>
-                <a:cs typeface="SeoulNamsan" charset="0"/>
+                <a:latin typeface="서울남산체 M" panose="02020603020101020101" pitchFamily="18" charset="-127"/>
+                <a:ea typeface="서울남산체 M" panose="02020603020101020101" pitchFamily="18" charset="-127"/>
+                <a:cs typeface="서울남산체 M" panose="02020603020101020101" pitchFamily="18" charset="-127"/>
               </a:defRPr>
             </a:lvl1pPr>
           </a:lstStyle>
@@ -1158,7 +1157,7 @@
               <a:buNone/>
             </a:pPr>
             <a:r>
-              <a:rPr lang="ko-KR" altLang="en-US" spc="0">
+              <a:rPr lang="ko-KR" altLang="en-US" spc="0" dirty="0" smtClean="0">
                 <a:solidFill>
                   <a:schemeClr val="tx1">
                     <a:lumMod val="65000"/>
@@ -1168,7 +1167,7 @@
               </a:rPr>
               <a:t>소제목을 넣으세요</a:t>
             </a:r>
-            <a:endParaRPr lang="en-US"/>
+            <a:endParaRPr lang="en-US" dirty="0"/>
           </a:p>
         </p:txBody>
       </p:sp>
@@ -1416,7 +1415,7 @@
           <a:lstStyle/>
           <a:p>
             <a:fld id="{21D05B64-2457-9646-A168-F3841DE84E16}" type="datetimeFigureOut">
-              <a:t>5/12/15</a:t>
+              <a:t>2015-05-12</a:t>
             </a:fld>
             <a:endParaRPr lang="en-US"/>
           </a:p>
@@ -1682,7 +1681,7 @@
           <a:lstStyle/>
           <a:p>
             <a:fld id="{21D05B64-2457-9646-A168-F3841DE84E16}" type="datetimeFigureOut">
-              <a:t>5/12/15</a:t>
+              <a:t>2015-05-12</a:t>
             </a:fld>
             <a:endParaRPr lang="en-US"/>
           </a:p>
@@ -2071,7 +2070,7 @@
           <a:lstStyle/>
           <a:p>
             <a:fld id="{21D05B64-2457-9646-A168-F3841DE84E16}" type="datetimeFigureOut">
-              <a:t>5/12/15</a:t>
+              <a:t>2015-05-12</a:t>
             </a:fld>
             <a:endParaRPr lang="en-US"/>
           </a:p>
@@ -2218,7 +2217,7 @@
           <a:lstStyle/>
           <a:p>
             <a:fld id="{21D05B64-2457-9646-A168-F3841DE84E16}" type="datetimeFigureOut">
-              <a:t>5/12/15</a:t>
+              <a:t>2015-05-12</a:t>
             </a:fld>
             <a:endParaRPr lang="en-US"/>
           </a:p>
@@ -2335,7 +2334,7 @@
           <a:lstStyle/>
           <a:p>
             <a:fld id="{21D05B64-2457-9646-A168-F3841DE84E16}" type="datetimeFigureOut">
-              <a:t>5/12/15</a:t>
+              <a:t>2015-05-12</a:t>
             </a:fld>
             <a:endParaRPr lang="en-US"/>
           </a:p>
@@ -2635,7 +2634,7 @@
           <a:lstStyle/>
           <a:p>
             <a:fld id="{21D05B64-2457-9646-A168-F3841DE84E16}" type="datetimeFigureOut">
-              <a:t>5/12/15</a:t>
+              <a:t>2015-05-12</a:t>
             </a:fld>
             <a:endParaRPr lang="en-US"/>
           </a:p>
@@ -2912,7 +2911,7 @@
           <a:lstStyle/>
           <a:p>
             <a:fld id="{21D05B64-2457-9646-A168-F3841DE84E16}" type="datetimeFigureOut">
-              <a:t>5/12/15</a:t>
+              <a:t>2015-05-12</a:t>
             </a:fld>
             <a:endParaRPr lang="en-US"/>
           </a:p>
@@ -3455,16 +3454,12 @@
               <a:buNone/>
             </a:pPr>
             <a:r>
-              <a:rPr lang="ko-KR" altLang="en-US">
-                <a:latin typeface="SeoulNamsan" charset="0"/>
-                <a:ea typeface="SeoulNamsan" charset="0"/>
+              <a:rPr lang="ko-KR" altLang="en-US" dirty="0">
                 <a:cs typeface="SeoulNamsan" charset="0"/>
               </a:rPr>
               <a:t>목차</a:t>
             </a:r>
-            <a:endParaRPr lang="en-US">
-              <a:latin typeface="SeoulNamsan" charset="0"/>
-              <a:ea typeface="SeoulNamsan" charset="0"/>
+            <a:endParaRPr lang="en-US" dirty="0">
               <a:cs typeface="SeoulNamsan" charset="0"/>
             </a:endParaRPr>
           </a:p>
@@ -3488,35 +3483,24 @@
           <a:lstStyle/>
           <a:p>
             <a:r>
-              <a:rPr lang="ko-KR" altLang="en-US">
-                <a:latin typeface="SeoulNamsan" charset="0"/>
-                <a:ea typeface="SeoulNamsan" charset="0"/>
+              <a:rPr lang="ko-KR" altLang="en-US" dirty="0">
                 <a:cs typeface="SeoulNamsan" charset="0"/>
               </a:rPr>
               <a:t>프로젝트 개요</a:t>
             </a:r>
-            <a:endParaRPr lang="ko-KR" altLang="en-US">
-              <a:latin typeface="SeoulNamsan" charset="0"/>
-              <a:ea typeface="SeoulNamsan" charset="0"/>
-              <a:cs typeface="SeoulNamsan" charset="0"/>
-            </a:endParaRPr>
           </a:p>
           <a:p>
             <a:pPr marL="400041" lvl="1" indent="0">
               <a:buNone/>
             </a:pPr>
             <a:r>
-              <a:rPr lang="en-US" altLang="ko-KR">
-                <a:latin typeface="SeoulNamsan" charset="0"/>
-                <a:ea typeface="SeoulNamsan" charset="0"/>
+              <a:rPr lang="en-US" altLang="ko-KR" dirty="0">
                 <a:cs typeface="SeoulNamsan" charset="0"/>
               </a:rPr>
               <a:t>1-1.</a:t>
             </a:r>
             <a:r>
-              <a:rPr lang="ko-KR" altLang="en-US">
-                <a:latin typeface="SeoulNamsan" charset="0"/>
-                <a:ea typeface="SeoulNamsan" charset="0"/>
+              <a:rPr lang="ko-KR" altLang="en-US" dirty="0">
                 <a:cs typeface="SeoulNamsan" charset="0"/>
               </a:rPr>
               <a:t> 개발배경 및 목적</a:t>
@@ -3527,17 +3511,13 @@
               <a:buNone/>
             </a:pPr>
             <a:r>
-              <a:rPr lang="en-US" altLang="ko-KR">
-                <a:latin typeface="SeoulNamsan" charset="0"/>
-                <a:ea typeface="SeoulNamsan" charset="0"/>
+              <a:rPr lang="en-US" altLang="ko-KR" dirty="0">
                 <a:cs typeface="SeoulNamsan" charset="0"/>
               </a:rPr>
               <a:t>1-2.</a:t>
             </a:r>
             <a:r>
-              <a:rPr lang="ko-KR" altLang="en-US">
-                <a:latin typeface="SeoulNamsan" charset="0"/>
-                <a:ea typeface="SeoulNamsan" charset="0"/>
+              <a:rPr lang="ko-KR" altLang="en-US" dirty="0">
                 <a:cs typeface="SeoulNamsan" charset="0"/>
               </a:rPr>
               <a:t> 개발범위 및 주요기능</a:t>
@@ -3548,17 +3528,13 @@
               <a:buNone/>
             </a:pPr>
             <a:r>
-              <a:rPr lang="en-US" altLang="ko-KR">
-                <a:latin typeface="SeoulNamsan" charset="0"/>
-                <a:ea typeface="SeoulNamsan" charset="0"/>
+              <a:rPr lang="en-US" altLang="ko-KR" dirty="0">
                 <a:cs typeface="SeoulNamsan" charset="0"/>
               </a:rPr>
               <a:t>1-3.</a:t>
             </a:r>
             <a:r>
-              <a:rPr lang="ko-KR" altLang="en-US">
-                <a:latin typeface="SeoulNamsan" charset="0"/>
-                <a:ea typeface="SeoulNamsan" charset="0"/>
+              <a:rPr lang="ko-KR" altLang="en-US" dirty="0">
                 <a:cs typeface="SeoulNamsan" charset="0"/>
               </a:rPr>
               <a:t> 개발환경 및 구현기능</a:t>
@@ -3569,17 +3545,13 @@
               <a:buNone/>
             </a:pPr>
             <a:r>
-              <a:rPr lang="en-US" altLang="ko-KR">
-                <a:latin typeface="SeoulNamsan" charset="0"/>
-                <a:ea typeface="SeoulNamsan" charset="0"/>
+              <a:rPr lang="en-US" altLang="ko-KR" dirty="0">
                 <a:cs typeface="SeoulNamsan" charset="0"/>
               </a:rPr>
               <a:t>1-4.</a:t>
             </a:r>
             <a:r>
-              <a:rPr lang="ko-KR" altLang="en-US">
-                <a:latin typeface="SeoulNamsan" charset="0"/>
-                <a:ea typeface="SeoulNamsan" charset="0"/>
+              <a:rPr lang="ko-KR" altLang="en-US" dirty="0">
                 <a:cs typeface="SeoulNamsan" charset="0"/>
               </a:rPr>
               <a:t> 시스템 구성도</a:t>
@@ -3590,17 +3562,13 @@
               <a:buNone/>
             </a:pPr>
             <a:r>
-              <a:rPr lang="en-US" altLang="ko-KR">
-                <a:latin typeface="SeoulNamsan" charset="0"/>
-                <a:ea typeface="SeoulNamsan" charset="0"/>
+              <a:rPr lang="en-US" altLang="ko-KR" dirty="0">
                 <a:cs typeface="SeoulNamsan" charset="0"/>
               </a:rPr>
               <a:t>1-5.</a:t>
             </a:r>
             <a:r>
-              <a:rPr lang="ko-KR" altLang="en-US">
-                <a:latin typeface="SeoulNamsan" charset="0"/>
-                <a:ea typeface="SeoulNamsan" charset="0"/>
+              <a:rPr lang="ko-KR" altLang="en-US" dirty="0">
                 <a:cs typeface="SeoulNamsan" charset="0"/>
               </a:rPr>
               <a:t> 팀원구성 및 역할</a:t>
@@ -3611,17 +3579,13 @@
               <a:buNone/>
             </a:pPr>
             <a:r>
-              <a:rPr lang="en-US" altLang="ko-KR">
-                <a:latin typeface="SeoulNamsan" charset="0"/>
-                <a:ea typeface="SeoulNamsan" charset="0"/>
+              <a:rPr lang="en-US" altLang="ko-KR" dirty="0">
                 <a:cs typeface="SeoulNamsan" charset="0"/>
               </a:rPr>
               <a:t>1-6.</a:t>
             </a:r>
             <a:r>
-              <a:rPr lang="ko-KR" altLang="en-US">
-                <a:latin typeface="SeoulNamsan" charset="0"/>
-                <a:ea typeface="SeoulNamsan" charset="0"/>
+              <a:rPr lang="ko-KR" altLang="en-US" dirty="0">
                 <a:cs typeface="SeoulNamsan" charset="0"/>
               </a:rPr>
               <a:t> 개발일정</a:t>
@@ -3631,9 +3595,7 @@
             <a:pPr marL="400041" lvl="1" indent="0">
               <a:buNone/>
             </a:pPr>
-            <a:endParaRPr lang="ko-KR" altLang="en-US">
-              <a:latin typeface="SeoulNamsan" charset="0"/>
-              <a:ea typeface="SeoulNamsan" charset="0"/>
+            <a:endParaRPr lang="ko-KR" altLang="en-US" dirty="0">
               <a:cs typeface="SeoulNamsan" charset="0"/>
             </a:endParaRPr>
           </a:p>
@@ -3642,17 +3604,13 @@
               <a:buNone/>
             </a:pPr>
             <a:r>
-              <a:rPr lang="en-US" altLang="ko-KR">
-                <a:latin typeface="SeoulNamsan" charset="0"/>
-                <a:ea typeface="SeoulNamsan" charset="0"/>
+              <a:rPr lang="en-US" altLang="ko-KR" dirty="0">
                 <a:cs typeface="SeoulNamsan" charset="0"/>
               </a:rPr>
               <a:t>2.</a:t>
             </a:r>
             <a:r>
-              <a:rPr lang="ko-KR" altLang="en-US">
-                <a:latin typeface="SeoulNamsan" charset="0"/>
-                <a:ea typeface="SeoulNamsan" charset="0"/>
+              <a:rPr lang="ko-KR" altLang="en-US" dirty="0">
                 <a:cs typeface="SeoulNamsan" charset="0"/>
               </a:rPr>
               <a:t> 요구분석 및 설계</a:t>
@@ -3663,17 +3621,13 @@
               <a:buNone/>
             </a:pPr>
             <a:r>
-              <a:rPr lang="en-US" altLang="ko-KR">
-                <a:latin typeface="SeoulNamsan" charset="0"/>
-                <a:ea typeface="SeoulNamsan" charset="0"/>
+              <a:rPr lang="en-US" altLang="ko-KR" dirty="0">
                 <a:cs typeface="SeoulNamsan" charset="0"/>
               </a:rPr>
               <a:t>2-1.</a:t>
             </a:r>
             <a:r>
-              <a:rPr lang="ko-KR" altLang="en-US">
-                <a:latin typeface="SeoulNamsan" charset="0"/>
-                <a:ea typeface="SeoulNamsan" charset="0"/>
+              <a:rPr lang="ko-KR" altLang="en-US" dirty="0">
                 <a:cs typeface="SeoulNamsan" charset="0"/>
               </a:rPr>
               <a:t> 요구사항 정의서</a:t>
@@ -3684,17 +3638,13 @@
               <a:buNone/>
             </a:pPr>
             <a:r>
-              <a:rPr lang="en-US" altLang="ko-KR">
-                <a:latin typeface="SeoulNamsan" charset="0"/>
-                <a:ea typeface="SeoulNamsan" charset="0"/>
+              <a:rPr lang="en-US" altLang="ko-KR" dirty="0">
                 <a:cs typeface="SeoulNamsan" charset="0"/>
               </a:rPr>
               <a:t>2-2.</a:t>
             </a:r>
             <a:r>
-              <a:rPr lang="ko-KR" altLang="en-US">
-                <a:latin typeface="SeoulNamsan" charset="0"/>
-                <a:ea typeface="SeoulNamsan" charset="0"/>
+              <a:rPr lang="ko-KR" altLang="en-US" dirty="0">
                 <a:cs typeface="SeoulNamsan" charset="0"/>
               </a:rPr>
               <a:t> 요구사항 명세서</a:t>
@@ -3706,40 +3656,42 @@
               <a:buChar char="-"/>
             </a:pPr>
             <a:r>
-              <a:rPr lang="ko-KR" altLang="en-US">
-                <a:latin typeface="SeoulNamsan" charset="0"/>
-                <a:ea typeface="SeoulNamsan" charset="0"/>
+              <a:rPr lang="ko-KR" altLang="en-US" dirty="0" err="1">
                 <a:cs typeface="SeoulNamsan" charset="0"/>
               </a:rPr>
-              <a:t>유스케이스모델 </a:t>
-            </a:r>
-            <a:r>
-              <a:rPr lang="en-US" altLang="ko-KR">
-                <a:latin typeface="SeoulNamsan" charset="0"/>
-                <a:ea typeface="SeoulNamsan" charset="0"/>
+              <a:t>유스케이스모델</a:t>
+            </a:r>
+            <a:r>
+              <a:rPr lang="ko-KR" altLang="en-US" dirty="0">
+                <a:cs typeface="SeoulNamsan" charset="0"/>
+              </a:rPr>
+              <a:t> </a:t>
+            </a:r>
+            <a:r>
+              <a:rPr lang="en-US" altLang="ko-KR" dirty="0">
                 <a:cs typeface="SeoulNamsan" charset="0"/>
               </a:rPr>
               <a:t>(</a:t>
             </a:r>
             <a:r>
-              <a:rPr lang="ko-KR" altLang="en-US">
-                <a:latin typeface="SeoulNamsan" charset="0"/>
-                <a:ea typeface="SeoulNamsan" charset="0"/>
+              <a:rPr lang="ko-KR" altLang="en-US" dirty="0" err="1">
                 <a:cs typeface="SeoulNamsan" charset="0"/>
               </a:rPr>
-              <a:t>유스케이스 다이어그램</a:t>
-            </a:r>
-            <a:r>
-              <a:rPr lang="en-US" altLang="ko-KR">
-                <a:latin typeface="SeoulNamsan" charset="0"/>
-                <a:ea typeface="SeoulNamsan" charset="0"/>
+              <a:t>유스케이스</a:t>
+            </a:r>
+            <a:r>
+              <a:rPr lang="ko-KR" altLang="en-US" dirty="0">
+                <a:cs typeface="SeoulNamsan" charset="0"/>
+              </a:rPr>
+              <a:t> 다이어그램</a:t>
+            </a:r>
+            <a:r>
+              <a:rPr lang="en-US" altLang="ko-KR" dirty="0">
                 <a:cs typeface="SeoulNamsan" charset="0"/>
               </a:rPr>
               <a:t>)</a:t>
             </a:r>
-            <a:endParaRPr lang="ko-KR" altLang="en-US">
-              <a:latin typeface="SeoulNamsan" charset="0"/>
-              <a:ea typeface="SeoulNamsan" charset="0"/>
+            <a:endParaRPr lang="ko-KR" altLang="en-US" dirty="0">
               <a:cs typeface="SeoulNamsan" charset="0"/>
             </a:endParaRPr>
           </a:p>
@@ -3749,40 +3701,36 @@
               <a:buChar char="-"/>
             </a:pPr>
             <a:r>
-              <a:rPr lang="ko-KR" altLang="en-US">
-                <a:latin typeface="SeoulNamsan" charset="0"/>
-                <a:ea typeface="SeoulNamsan" charset="0"/>
+              <a:rPr lang="ko-KR" altLang="en-US" dirty="0" err="1">
                 <a:cs typeface="SeoulNamsan" charset="0"/>
               </a:rPr>
-              <a:t>유스케이스 기술서</a:t>
-            </a:r>
-            <a:r>
-              <a:rPr lang="en-US" altLang="ko-KR">
-                <a:latin typeface="SeoulNamsan" charset="0"/>
-                <a:ea typeface="SeoulNamsan" charset="0"/>
+              <a:t>유스케이스</a:t>
+            </a:r>
+            <a:r>
+              <a:rPr lang="ko-KR" altLang="en-US" dirty="0">
+                <a:cs typeface="SeoulNamsan" charset="0"/>
+              </a:rPr>
+              <a:t> 기술서</a:t>
+            </a:r>
+            <a:r>
+              <a:rPr lang="en-US" altLang="ko-KR" dirty="0">
                 <a:cs typeface="SeoulNamsan" charset="0"/>
               </a:rPr>
               <a:t>(</a:t>
             </a:r>
             <a:r>
-              <a:rPr lang="ko-KR" altLang="en-US">
-                <a:latin typeface="SeoulNamsan" charset="0"/>
-                <a:ea typeface="SeoulNamsan" charset="0"/>
+              <a:rPr lang="ko-KR" altLang="en-US" dirty="0">
                 <a:cs typeface="SeoulNamsan" charset="0"/>
               </a:rPr>
               <a:t>문서</a:t>
             </a:r>
             <a:r>
-              <a:rPr lang="en-US" altLang="ko-KR">
-                <a:latin typeface="SeoulNamsan" charset="0"/>
-                <a:ea typeface="SeoulNamsan" charset="0"/>
+              <a:rPr lang="en-US" altLang="ko-KR" dirty="0">
                 <a:cs typeface="SeoulNamsan" charset="0"/>
               </a:rPr>
               <a:t>)</a:t>
             </a:r>
-            <a:endParaRPr lang="ko-KR" altLang="en-US">
-              <a:latin typeface="SeoulNamsan" charset="0"/>
-              <a:ea typeface="SeoulNamsan" charset="0"/>
+            <a:endParaRPr lang="ko-KR" altLang="en-US" dirty="0">
               <a:cs typeface="SeoulNamsan" charset="0"/>
             </a:endParaRPr>
           </a:p>
@@ -3791,64 +3739,48 @@
               <a:buNone/>
             </a:pPr>
             <a:r>
-              <a:rPr lang="en-US" altLang="ko-KR">
-                <a:latin typeface="SeoulNamsan" charset="0"/>
-                <a:ea typeface="SeoulNamsan" charset="0"/>
+              <a:rPr lang="en-US" altLang="ko-KR" dirty="0">
                 <a:cs typeface="SeoulNamsan" charset="0"/>
               </a:rPr>
               <a:t>2-3.</a:t>
             </a:r>
             <a:r>
-              <a:rPr lang="ko-KR" altLang="en-US">
-                <a:latin typeface="SeoulNamsan" charset="0"/>
-                <a:ea typeface="SeoulNamsan" charset="0"/>
+              <a:rPr lang="ko-KR" altLang="en-US" dirty="0">
                 <a:cs typeface="SeoulNamsan" charset="0"/>
               </a:rPr>
               <a:t> 화면</a:t>
             </a:r>
             <a:r>
-              <a:rPr lang="en-US" altLang="ko-KR">
-                <a:latin typeface="SeoulNamsan" charset="0"/>
-                <a:ea typeface="SeoulNamsan" charset="0"/>
+              <a:rPr lang="en-US" altLang="ko-KR" dirty="0">
                 <a:cs typeface="SeoulNamsan" charset="0"/>
               </a:rPr>
               <a:t>(UI)</a:t>
             </a:r>
             <a:r>
-              <a:rPr lang="ko-KR" altLang="en-US">
-                <a:latin typeface="SeoulNamsan" charset="0"/>
-                <a:ea typeface="SeoulNamsan" charset="0"/>
+              <a:rPr lang="ko-KR" altLang="en-US" dirty="0">
                 <a:cs typeface="SeoulNamsan" charset="0"/>
               </a:rPr>
               <a:t> 명세서</a:t>
             </a:r>
             <a:r>
-              <a:rPr lang="en-US" altLang="ko-KR">
-                <a:latin typeface="SeoulNamsan" charset="0"/>
-                <a:ea typeface="SeoulNamsan" charset="0"/>
+              <a:rPr lang="en-US" altLang="ko-KR" dirty="0">
                 <a:cs typeface="SeoulNamsan" charset="0"/>
               </a:rPr>
               <a:t>(</a:t>
             </a:r>
             <a:r>
-              <a:rPr lang="ko-KR" altLang="en-US">
-                <a:latin typeface="SeoulNamsan" charset="0"/>
-                <a:ea typeface="SeoulNamsan" charset="0"/>
+              <a:rPr lang="ko-KR" altLang="en-US" dirty="0">
                 <a:cs typeface="SeoulNamsan" charset="0"/>
               </a:rPr>
               <a:t> 스토리보드</a:t>
             </a:r>
             <a:r>
-              <a:rPr lang="en-US" altLang="ko-KR">
-                <a:latin typeface="SeoulNamsan" charset="0"/>
-                <a:ea typeface="SeoulNamsan" charset="0"/>
+              <a:rPr lang="en-US" altLang="ko-KR" dirty="0">
                 <a:cs typeface="SeoulNamsan" charset="0"/>
               </a:rPr>
               <a:t>)</a:t>
             </a:r>
-            <a:endParaRPr lang="ko-KR" altLang="en-US">
-              <a:latin typeface="SeoulNamsan" charset="0"/>
-              <a:ea typeface="SeoulNamsan" charset="0"/>
+            <a:endParaRPr lang="ko-KR" altLang="en-US" dirty="0">
               <a:cs typeface="SeoulNamsan" charset="0"/>
             </a:endParaRPr>
           </a:p>
@@ -3857,33 +3789,25 @@
               <a:buNone/>
             </a:pPr>
             <a:r>
-              <a:rPr lang="en-US" altLang="ko-KR">
-                <a:latin typeface="SeoulNamsan" charset="0"/>
-                <a:ea typeface="SeoulNamsan" charset="0"/>
+              <a:rPr lang="en-US" altLang="ko-KR" dirty="0">
                 <a:cs typeface="SeoulNamsan" charset="0"/>
               </a:rPr>
               <a:t>2-4.</a:t>
             </a:r>
             <a:r>
-              <a:rPr lang="ko-KR" altLang="en-US">
-                <a:latin typeface="SeoulNamsan" charset="0"/>
-                <a:ea typeface="SeoulNamsan" charset="0"/>
+              <a:rPr lang="ko-KR" altLang="en-US" dirty="0">
                 <a:cs typeface="SeoulNamsan" charset="0"/>
               </a:rPr>
               <a:t> 객체</a:t>
             </a:r>
             <a:r>
-              <a:rPr lang="en-US" altLang="ko-KR">
-                <a:latin typeface="SeoulNamsan" charset="0"/>
-                <a:ea typeface="SeoulNamsan" charset="0"/>
+              <a:rPr lang="en-US" altLang="ko-KR" dirty="0">
                 <a:cs typeface="SeoulNamsan" charset="0"/>
               </a:rPr>
               <a:t>(Object) </a:t>
             </a:r>
             <a:r>
-              <a:rPr lang="ko-KR" altLang="en-US">
-                <a:latin typeface="SeoulNamsan" charset="0"/>
-                <a:ea typeface="SeoulNamsan" charset="0"/>
+              <a:rPr lang="ko-KR" altLang="en-US" dirty="0">
                 <a:cs typeface="SeoulNamsan" charset="0"/>
               </a:rPr>
               <a:t>모델</a:t>
@@ -3894,33 +3818,25 @@
               <a:buNone/>
             </a:pPr>
             <a:r>
-              <a:rPr lang="en-US" altLang="ko-KR">
-                <a:latin typeface="SeoulNamsan" charset="0"/>
-                <a:ea typeface="SeoulNamsan" charset="0"/>
+              <a:rPr lang="en-US" altLang="ko-KR" dirty="0">
                 <a:cs typeface="SeoulNamsan" charset="0"/>
               </a:rPr>
               <a:t>2-5.</a:t>
             </a:r>
             <a:r>
-              <a:rPr lang="ko-KR" altLang="en-US">
-                <a:latin typeface="SeoulNamsan" charset="0"/>
-                <a:ea typeface="SeoulNamsan" charset="0"/>
+              <a:rPr lang="ko-KR" altLang="en-US" dirty="0">
                 <a:cs typeface="SeoulNamsan" charset="0"/>
               </a:rPr>
               <a:t> 동적</a:t>
             </a:r>
             <a:r>
-              <a:rPr lang="en-US" altLang="ko-KR">
-                <a:latin typeface="SeoulNamsan" charset="0"/>
-                <a:ea typeface="SeoulNamsan" charset="0"/>
+              <a:rPr lang="en-US" altLang="ko-KR" dirty="0">
                 <a:cs typeface="SeoulNamsan" charset="0"/>
               </a:rPr>
               <a:t>(Interaction)</a:t>
             </a:r>
             <a:r>
-              <a:rPr lang="ko-KR" altLang="en-US">
-                <a:latin typeface="SeoulNamsan" charset="0"/>
-                <a:ea typeface="SeoulNamsan" charset="0"/>
+              <a:rPr lang="ko-KR" altLang="en-US" dirty="0">
                 <a:cs typeface="SeoulNamsan" charset="0"/>
               </a:rPr>
               <a:t> 모델</a:t>
@@ -3931,33 +3847,25 @@
               <a:buNone/>
             </a:pPr>
             <a:r>
-              <a:rPr lang="en-US" altLang="ko-KR">
-                <a:latin typeface="SeoulNamsan" charset="0"/>
-                <a:ea typeface="SeoulNamsan" charset="0"/>
+              <a:rPr lang="en-US" altLang="ko-KR" dirty="0">
                 <a:cs typeface="SeoulNamsan" charset="0"/>
               </a:rPr>
               <a:t>2-6.</a:t>
             </a:r>
             <a:r>
-              <a:rPr lang="ko-KR" altLang="en-US">
-                <a:latin typeface="SeoulNamsan" charset="0"/>
-                <a:ea typeface="SeoulNamsan" charset="0"/>
+              <a:rPr lang="ko-KR" altLang="en-US" dirty="0">
                 <a:cs typeface="SeoulNamsan" charset="0"/>
               </a:rPr>
               <a:t> 데이터</a:t>
             </a:r>
             <a:r>
-              <a:rPr lang="en-US" altLang="ko-KR">
-                <a:latin typeface="SeoulNamsan" charset="0"/>
-                <a:ea typeface="SeoulNamsan" charset="0"/>
+              <a:rPr lang="en-US" altLang="ko-KR" dirty="0">
                 <a:cs typeface="SeoulNamsan" charset="0"/>
               </a:rPr>
               <a:t>(Data)</a:t>
             </a:r>
             <a:r>
-              <a:rPr lang="ko-KR" altLang="en-US">
-                <a:latin typeface="SeoulNamsan" charset="0"/>
-                <a:ea typeface="SeoulNamsan" charset="0"/>
+              <a:rPr lang="ko-KR" altLang="en-US" dirty="0">
                 <a:cs typeface="SeoulNamsan" charset="0"/>
               </a:rPr>
               <a:t> 명세서</a:t>
@@ -3968,33 +3876,25 @@
               <a:buNone/>
             </a:pPr>
             <a:r>
-              <a:rPr lang="en-US" altLang="ko-KR">
-                <a:latin typeface="SeoulNamsan" charset="0"/>
-                <a:ea typeface="SeoulNamsan" charset="0"/>
+              <a:rPr lang="en-US" altLang="ko-KR" dirty="0">
                 <a:cs typeface="SeoulNamsan" charset="0"/>
               </a:rPr>
               <a:t>2-7.</a:t>
             </a:r>
             <a:r>
-              <a:rPr lang="ko-KR" altLang="en-US">
-                <a:latin typeface="SeoulNamsan" charset="0"/>
-                <a:ea typeface="SeoulNamsan" charset="0"/>
+              <a:rPr lang="ko-KR" altLang="en-US" dirty="0">
                 <a:cs typeface="SeoulNamsan" charset="0"/>
               </a:rPr>
               <a:t> 테이블</a:t>
             </a:r>
             <a:r>
-              <a:rPr lang="en-US" altLang="ko-KR">
-                <a:latin typeface="SeoulNamsan" charset="0"/>
-                <a:ea typeface="SeoulNamsan" charset="0"/>
+              <a:rPr lang="en-US" altLang="ko-KR" dirty="0">
                 <a:cs typeface="SeoulNamsan" charset="0"/>
               </a:rPr>
               <a:t>(Table) </a:t>
             </a:r>
             <a:r>
-              <a:rPr lang="ko-KR" altLang="en-US">
-                <a:latin typeface="SeoulNamsan" charset="0"/>
-                <a:ea typeface="SeoulNamsan" charset="0"/>
+              <a:rPr lang="ko-KR" altLang="en-US" dirty="0">
                 <a:cs typeface="SeoulNamsan" charset="0"/>
               </a:rPr>
               <a:t>정의서</a:t>
@@ -4004,9 +3904,7 @@
             <a:pPr marL="400041" lvl="1" indent="0">
               <a:buNone/>
             </a:pPr>
-            <a:endParaRPr lang="ko-KR" altLang="en-US">
-              <a:latin typeface="SeoulNamsan" charset="0"/>
-              <a:ea typeface="SeoulNamsan" charset="0"/>
+            <a:endParaRPr lang="ko-KR" altLang="en-US" dirty="0">
               <a:cs typeface="SeoulNamsan" charset="0"/>
             </a:endParaRPr>
           </a:p>
@@ -4015,17 +3913,13 @@
               <a:buNone/>
             </a:pPr>
             <a:r>
-              <a:rPr lang="en-US" altLang="ko-KR">
-                <a:latin typeface="SeoulNamsan" charset="0"/>
-                <a:ea typeface="SeoulNamsan" charset="0"/>
+              <a:rPr lang="en-US" altLang="ko-KR" dirty="0">
                 <a:cs typeface="SeoulNamsan" charset="0"/>
               </a:rPr>
               <a:t>3.</a:t>
             </a:r>
             <a:r>
-              <a:rPr lang="ko-KR" altLang="en-US">
-                <a:latin typeface="SeoulNamsan" charset="0"/>
-                <a:ea typeface="SeoulNamsan" charset="0"/>
+              <a:rPr lang="ko-KR" altLang="en-US" dirty="0">
                 <a:cs typeface="SeoulNamsan" charset="0"/>
               </a:rPr>
               <a:t> 구현 결과 및 시연</a:t>
@@ -4035,9 +3929,7 @@
             <a:pPr marL="0" indent="0">
               <a:buNone/>
             </a:pPr>
-            <a:endParaRPr lang="ko-KR" altLang="en-US">
-              <a:latin typeface="SeoulNamsan" charset="0"/>
-              <a:ea typeface="SeoulNamsan" charset="0"/>
+            <a:endParaRPr lang="ko-KR" altLang="en-US" dirty="0">
               <a:cs typeface="SeoulNamsan" charset="0"/>
             </a:endParaRPr>
           </a:p>
@@ -4046,17 +3938,13 @@
               <a:buNone/>
             </a:pPr>
             <a:r>
-              <a:rPr lang="en-US" altLang="ko-KR">
-                <a:latin typeface="SeoulNamsan" charset="0"/>
-                <a:ea typeface="SeoulNamsan" charset="0"/>
+              <a:rPr lang="en-US" altLang="ko-KR" dirty="0">
                 <a:cs typeface="SeoulNamsan" charset="0"/>
               </a:rPr>
               <a:t>4.</a:t>
             </a:r>
             <a:r>
-              <a:rPr lang="ko-KR" altLang="en-US">
-                <a:latin typeface="SeoulNamsan" charset="0"/>
-                <a:ea typeface="SeoulNamsan" charset="0"/>
+              <a:rPr lang="ko-KR" altLang="en-US" dirty="0">
                 <a:cs typeface="SeoulNamsan" charset="0"/>
               </a:rPr>
               <a:t> 프로젝트 평가 및 후기</a:t>
@@ -4066,9 +3954,7 @@
             <a:pPr marL="0" indent="0">
               <a:buNone/>
             </a:pPr>
-            <a:endParaRPr lang="ko-KR" altLang="en-US">
-              <a:latin typeface="SeoulNamsan" charset="0"/>
-              <a:ea typeface="SeoulNamsan" charset="0"/>
+            <a:endParaRPr lang="ko-KR" altLang="en-US" dirty="0">
               <a:cs typeface="SeoulNamsan" charset="0"/>
             </a:endParaRPr>
           </a:p>
@@ -4077,48 +3963,36 @@
               <a:buNone/>
             </a:pPr>
             <a:r>
-              <a:rPr lang="en-US" altLang="ko-KR">
-                <a:latin typeface="SeoulNamsan" charset="0"/>
-                <a:ea typeface="SeoulNamsan" charset="0"/>
+              <a:rPr lang="en-US" altLang="ko-KR" dirty="0">
                 <a:cs typeface="SeoulNamsan" charset="0"/>
               </a:rPr>
               <a:t>5.</a:t>
             </a:r>
             <a:r>
-              <a:rPr lang="ko-KR" altLang="en-US">
-                <a:latin typeface="SeoulNamsan" charset="0"/>
-                <a:ea typeface="SeoulNamsan" charset="0"/>
+              <a:rPr lang="ko-KR" altLang="en-US" dirty="0">
                 <a:cs typeface="SeoulNamsan" charset="0"/>
               </a:rPr>
               <a:t> 참고문헌 및 사이트</a:t>
             </a:r>
             <a:r>
-              <a:rPr lang="en-US" altLang="ko-KR">
-                <a:latin typeface="SeoulNamsan" charset="0"/>
-                <a:ea typeface="SeoulNamsan" charset="0"/>
+              <a:rPr lang="en-US" altLang="ko-KR" dirty="0">
                 <a:cs typeface="SeoulNamsan" charset="0"/>
               </a:rPr>
               <a:t>(</a:t>
             </a:r>
             <a:r>
-              <a:rPr lang="ko-KR" altLang="en-US">
-                <a:latin typeface="SeoulNamsan" charset="0"/>
-                <a:ea typeface="SeoulNamsan" charset="0"/>
+              <a:rPr lang="ko-KR" altLang="en-US" dirty="0">
                 <a:cs typeface="SeoulNamsan" charset="0"/>
               </a:rPr>
               <a:t>선택사항</a:t>
             </a:r>
             <a:r>
-              <a:rPr lang="en-US" altLang="ko-KR">
-                <a:latin typeface="SeoulNamsan" charset="0"/>
-                <a:ea typeface="SeoulNamsan" charset="0"/>
+              <a:rPr lang="en-US" altLang="ko-KR" dirty="0">
                 <a:cs typeface="SeoulNamsan" charset="0"/>
               </a:rPr>
               <a:t>)</a:t>
             </a:r>
-            <a:endParaRPr lang="ko-KR" altLang="en-US">
-              <a:latin typeface="SeoulNamsan" charset="0"/>
-              <a:ea typeface="SeoulNamsan" charset="0"/>
+            <a:endParaRPr lang="ko-KR" altLang="en-US" dirty="0">
               <a:cs typeface="SeoulNamsan" charset="0"/>
             </a:endParaRPr>
           </a:p>
@@ -4126,9 +4000,7 @@
             <a:pPr marL="0" indent="0">
               <a:buNone/>
             </a:pPr>
-            <a:endParaRPr lang="ko-KR" altLang="en-US">
-              <a:latin typeface="SeoulNamsan" charset="0"/>
-              <a:ea typeface="SeoulNamsan" charset="0"/>
+            <a:endParaRPr lang="ko-KR" altLang="en-US" dirty="0">
               <a:cs typeface="SeoulNamsan" charset="0"/>
             </a:endParaRPr>
           </a:p>
@@ -4213,13 +4085,13 @@
         </p:nvSpPr>
         <p:spPr>
           <a:xfrm>
-            <a:off x="5675586" y="488732"/>
-            <a:ext cx="5707118" cy="362604"/>
+            <a:off x="5990897" y="457200"/>
+            <a:ext cx="5391807" cy="394135"/>
           </a:xfrm>
         </p:spPr>
         <p:txBody>
           <a:bodyPr>
-            <a:normAutofit fontScale="85000" lnSpcReduction="10000"/>
+            <a:normAutofit/>
           </a:bodyPr>
           <a:lstStyle/>
           <a:p>
@@ -4257,238 +4129,7 @@
                   </a:schemeClr>
                 </a:solidFill>
               </a:rPr>
-              <a:t> 유스케이스 모델</a:t>
-            </a:r>
-            <a:r>
-              <a:rPr lang="en-US" altLang="ko-KR" spc="0">
-                <a:solidFill>
-                  <a:schemeClr val="tx1">
-                    <a:lumMod val="65000"/>
-                    <a:lumOff val="35000"/>
-                  </a:schemeClr>
-                </a:solidFill>
-              </a:rPr>
-              <a:t>(</a:t>
-            </a:r>
-            <a:r>
-              <a:rPr lang="ko-KR" altLang="en-US" spc="0">
-                <a:solidFill>
-                  <a:schemeClr val="tx1">
-                    <a:lumMod val="65000"/>
-                    <a:lumOff val="35000"/>
-                  </a:schemeClr>
-                </a:solidFill>
-              </a:rPr>
-              <a:t>유스케이스다이어그램</a:t>
-            </a:r>
-            <a:r>
-              <a:rPr lang="en-US" altLang="ko-KR" spc="0">
-                <a:solidFill>
-                  <a:schemeClr val="tx1">
-                    <a:lumMod val="65000"/>
-                    <a:lumOff val="35000"/>
-                  </a:schemeClr>
-                </a:solidFill>
-              </a:rPr>
-              <a:t>)</a:t>
-            </a:r>
-            <a:endParaRPr lang="ko-KR" altLang="en-US" spc="0">
-              <a:solidFill>
-                <a:schemeClr val="tx1">
-                  <a:lumMod val="65000"/>
-                  <a:lumOff val="35000"/>
-                </a:schemeClr>
-              </a:solidFill>
-            </a:endParaRPr>
-          </a:p>
-          <a:p>
-            <a:pPr marL="0" indent="0">
-              <a:buNone/>
-            </a:pPr>
-            <a:endParaRPr lang="ko-KR" altLang="en-US" spc="0">
-              <a:solidFill>
-                <a:schemeClr val="tx1">
-                  <a:lumMod val="65000"/>
-                  <a:lumOff val="35000"/>
-                </a:schemeClr>
-              </a:solidFill>
-            </a:endParaRPr>
-          </a:p>
-          <a:p>
-            <a:pPr marL="0" indent="0">
-              <a:buNone/>
-            </a:pPr>
-            <a:endParaRPr lang="en-US"/>
-          </a:p>
-        </p:txBody>
-      </p:sp>
-      <p:pic>
-        <p:nvPicPr>
-          <p:cNvPr id="6" name="Picture 2"/>
-          <p:cNvPicPr>
-            <a:picLocks noChangeAspect="1" noChangeArrowheads="1"/>
-          </p:cNvPicPr>
-          <p:nvPr/>
-        </p:nvPicPr>
-        <p:blipFill>
-          <a:blip r:embed="rId2" cstate="print"/>
-          <a:srcRect/>
-          <a:stretch>
-            <a:fillRect/>
-          </a:stretch>
-        </p:blipFill>
-        <p:spPr bwMode="auto">
-          <a:xfrm>
-            <a:off x="1751659" y="1131984"/>
-            <a:ext cx="8625408" cy="4968552"/>
-          </a:xfrm>
-          <a:prstGeom prst="rect">
-            <a:avLst/>
-          </a:prstGeom>
-          <a:noFill/>
-          <a:ln w="9525">
-            <a:noFill/>
-            <a:miter lim="800000"/>
-            <a:headEnd/>
-            <a:tailEnd/>
-          </a:ln>
-        </p:spPr>
-      </p:pic>
-    </p:spTree>
-    <p:extLst>
-      <p:ext uri="{BB962C8B-B14F-4D97-AF65-F5344CB8AC3E}">
-        <p14:creationId xmlns:p14="http://schemas.microsoft.com/office/powerpoint/2010/main" val="1199420528"/>
-      </p:ext>
-    </p:extLst>
-  </p:cSld>
-  <p:clrMapOvr>
-    <a:masterClrMapping/>
-  </p:clrMapOvr>
-  <p:timing>
-    <p:tnLst>
-      <p:par>
-        <p:cTn id="1" dur="indefinite" restart="never" nodeType="tmRoot"/>
-      </p:par>
-    </p:tnLst>
-  </p:timing>
-</p:sld>
-</file>
-
-<file path=ppt/slides/slide11.xml><?xml version="1.0" encoding="utf-8"?>
-<p:sld xmlns:a="http://schemas.openxmlformats.org/drawingml/2006/main" xmlns:r="http://schemas.openxmlformats.org/officeDocument/2006/relationships" xmlns:p="http://schemas.openxmlformats.org/presentationml/2006/main">
-  <p:cSld>
-    <p:spTree>
-      <p:nvGrpSpPr>
-        <p:cNvPr id="1" name=""/>
-        <p:cNvGrpSpPr/>
-        <p:nvPr/>
-      </p:nvGrpSpPr>
-      <p:grpSpPr>
-        <a:xfrm>
-          <a:off x="0" y="0"/>
-          <a:ext cx="0" cy="0"/>
-          <a:chOff x="0" y="0"/>
-          <a:chExt cx="0" cy="0"/>
-        </a:xfrm>
-      </p:grpSpPr>
-      <p:sp>
-        <p:nvSpPr>
-          <p:cNvPr id="2" name="Title 1"/>
-          <p:cNvSpPr>
-            <a:spLocks noGrp="1"/>
-          </p:cNvSpPr>
-          <p:nvPr>
-            <p:ph type="title"/>
-          </p:nvPr>
-        </p:nvSpPr>
-        <p:spPr/>
-        <p:txBody>
-          <a:bodyPr/>
-          <a:lstStyle/>
-          <a:p>
-            <a:pPr marL="0" indent="0">
-              <a:buNone/>
-            </a:pPr>
-            <a:r>
-              <a:rPr lang="en-US" altLang="ko-KR"/>
-              <a:t>2.</a:t>
-            </a:r>
-            <a:r>
-              <a:rPr lang="ko-KR" altLang="en-US"/>
-              <a:t> 요구분석 및 설계</a:t>
-            </a:r>
-            <a:endParaRPr lang="en-US"/>
-          </a:p>
-        </p:txBody>
-      </p:sp>
-      <p:sp>
-        <p:nvSpPr>
-          <p:cNvPr id="4" name="Content Placeholder 3"/>
-          <p:cNvSpPr>
-            <a:spLocks noGrp="1"/>
-          </p:cNvSpPr>
-          <p:nvPr>
-            <p:ph idx="10"/>
-          </p:nvPr>
-        </p:nvSpPr>
-        <p:spPr>
-          <a:xfrm>
-            <a:off x="5990897" y="457200"/>
-            <a:ext cx="5391807" cy="394135"/>
-          </a:xfrm>
-        </p:spPr>
-        <p:txBody>
-          <a:bodyPr>
-            <a:normAutofit/>
-          </a:bodyPr>
-          <a:lstStyle/>
-          <a:p>
-            <a:pPr marL="0" indent="0">
-              <a:buNone/>
-            </a:pPr>
-            <a:r>
-              <a:rPr lang="ko-KR" altLang="en-US" spc="0">
-                <a:solidFill>
-                  <a:schemeClr val="tx1">
-                    <a:lumMod val="65000"/>
-                    <a:lumOff val="35000"/>
-                  </a:schemeClr>
-                </a:solidFill>
-              </a:rPr>
-              <a:t>요구사항 명세서 </a:t>
-            </a:r>
-            <a:r>
-              <a:rPr lang="en-US" altLang="ko-KR" spc="0">
-                <a:solidFill>
-                  <a:schemeClr val="tx1">
-                    <a:lumMod val="65000"/>
-                    <a:lumOff val="35000"/>
-                  </a:schemeClr>
-                </a:solidFill>
-              </a:rPr>
-              <a:t>-</a:t>
-            </a:r>
-            <a:r>
-              <a:rPr lang="ko-KR" altLang="en-US" spc="0">
-                <a:solidFill>
-                  <a:schemeClr val="tx1">
-                    <a:lumMod val="65000"/>
-                    <a:lumOff val="35000"/>
-                  </a:schemeClr>
-                </a:solidFill>
-              </a:rPr>
-              <a:t> 유스케이스 </a:t>
-            </a:r>
-            <a:r>
-              <a:rPr lang="ko-KR" altLang="en-US" spc="0">
-                <a:solidFill>
-                  <a:schemeClr val="tx1">
-                    <a:lumMod val="65000"/>
-                    <a:lumOff val="35000"/>
-                  </a:schemeClr>
-                </a:solidFill>
-              </a:rPr>
-              <a:t>기술서</a:t>
+              <a:t> 유스케이스 기술서</a:t>
             </a:r>
             <a:r>
               <a:rPr lang="en-US" altLang="ko-KR" spc="0">
@@ -4536,7 +4177,7 @@
           <p:nvPr>
             <p:extLst>
               <p:ext uri="{D42A27DB-BD31-4B8C-83A1-F6EECF244321}">
-                <p14:modId xmlns:p14="http://schemas.microsoft.com/office/powerpoint/2010/main" val="574682290"/>
+                <p14:modId xmlns:p14="http://schemas.microsoft.com/office/powerpoint/2010/main" val="3584472792"/>
               </p:ext>
             </p:extLst>
           </p:nvPr>
@@ -4566,24 +4207,24 @@
                       <a:pPr lvl="0" algn="ctr" latinLnBrk="1"/>
                       <a:r>
                         <a:rPr lang="ko-KR" altLang="en-US" sz="1400" b="1" dirty="0" err="1" smtClean="0">
-                          <a:latin typeface="SeoulNamsan" charset="0"/>
-                          <a:ea typeface="SeoulNamsan" charset="0"/>
+                          <a:latin typeface="서울남산체 M" panose="02020603020101020101" pitchFamily="18" charset="-127"/>
+                          <a:ea typeface="서울남산체 M" panose="02020603020101020101" pitchFamily="18" charset="-127"/>
                           <a:cs typeface="SeoulNamsan" charset="0"/>
                         </a:rPr>
                         <a:t>유즈케이스</a:t>
                       </a:r>
                       <a:r>
                         <a:rPr lang="ko-KR" altLang="en-US" sz="1400" b="1" dirty="0" smtClean="0">
-                          <a:latin typeface="SeoulNamsan" charset="0"/>
-                          <a:ea typeface="SeoulNamsan" charset="0"/>
+                          <a:latin typeface="서울남산체 M" panose="02020603020101020101" pitchFamily="18" charset="-127"/>
+                          <a:ea typeface="서울남산체 M" panose="02020603020101020101" pitchFamily="18" charset="-127"/>
                           <a:cs typeface="SeoulNamsan" charset="0"/>
                         </a:rPr>
                         <a:t> </a:t>
                       </a:r>
                       <a:r>
                         <a:rPr lang="en-US" altLang="ko-KR" sz="1400" b="1" dirty="0" smtClean="0">
-                          <a:latin typeface="SeoulNamsan" charset="0"/>
-                          <a:ea typeface="SeoulNamsan" charset="0"/>
+                          <a:latin typeface="서울남산체 M" panose="02020603020101020101" pitchFamily="18" charset="-127"/>
+                          <a:ea typeface="서울남산체 M" panose="02020603020101020101" pitchFamily="18" charset="-127"/>
                           <a:cs typeface="SeoulNamsan" charset="0"/>
                         </a:rPr>
                         <a:t>ID</a:t>
@@ -4592,8 +4233,8 @@
                         <a:solidFill>
                           <a:schemeClr val="tx1"/>
                         </a:solidFill>
-                        <a:latin typeface="SeoulNamsan" charset="0"/>
-                        <a:ea typeface="SeoulNamsan" charset="0"/>
+                        <a:latin typeface="서울남산체 M" panose="02020603020101020101" pitchFamily="18" charset="-127"/>
+                        <a:ea typeface="서울남산체 M" panose="02020603020101020101" pitchFamily="18" charset="-127"/>
                         <a:cs typeface="SeoulNamsan" charset="0"/>
                       </a:endParaRPr>
                     </a:p>
@@ -4608,16 +4249,16 @@
                       <a:pPr lvl="0" algn="ctr" latinLnBrk="1"/>
                       <a:r>
                         <a:rPr lang="ko-KR" altLang="en-US" sz="1400" dirty="0" smtClean="0">
-                          <a:latin typeface="SeoulNamsan" charset="0"/>
-                          <a:ea typeface="SeoulNamsan" charset="0"/>
+                          <a:latin typeface="서울남산체 M" panose="02020603020101020101" pitchFamily="18" charset="-127"/>
+                          <a:ea typeface="서울남산체 M" panose="02020603020101020101" pitchFamily="18" charset="-127"/>
                           <a:cs typeface="SeoulNamsan" charset="0"/>
                         </a:rPr>
                         <a:t>시스템</a:t>
                       </a:r>
                       <a:r>
                         <a:rPr lang="en-US" altLang="ko-KR" sz="1400" dirty="0" smtClean="0">
-                          <a:latin typeface="SeoulNamsan" charset="0"/>
-                          <a:ea typeface="SeoulNamsan" charset="0"/>
+                          <a:latin typeface="서울남산체 M" panose="02020603020101020101" pitchFamily="18" charset="-127"/>
+                          <a:ea typeface="서울남산체 M" panose="02020603020101020101" pitchFamily="18" charset="-127"/>
                           <a:cs typeface="SeoulNamsan" charset="0"/>
                         </a:rPr>
                         <a:t>ID_UC_001</a:t>
@@ -4626,8 +4267,8 @@
                         <a:solidFill>
                           <a:schemeClr val="tx1"/>
                         </a:solidFill>
-                        <a:latin typeface="SeoulNamsan" charset="0"/>
-                        <a:ea typeface="SeoulNamsan" charset="0"/>
+                        <a:latin typeface="서울남산체 M" panose="02020603020101020101" pitchFamily="18" charset="-127"/>
+                        <a:ea typeface="서울남산체 M" panose="02020603020101020101" pitchFamily="18" charset="-127"/>
                         <a:cs typeface="SeoulNamsan" charset="0"/>
                       </a:endParaRPr>
                     </a:p>
@@ -4642,8 +4283,8 @@
                       <a:pPr lvl="0" algn="ctr" latinLnBrk="1"/>
                       <a:r>
                         <a:rPr lang="ko-KR" altLang="en-US" sz="1400" b="1" dirty="0" err="1" smtClean="0">
-                          <a:latin typeface="SeoulNamsan" charset="0"/>
-                          <a:ea typeface="SeoulNamsan" charset="0"/>
+                          <a:latin typeface="서울남산체 M" panose="02020603020101020101" pitchFamily="18" charset="-127"/>
+                          <a:ea typeface="서울남산체 M" panose="02020603020101020101" pitchFamily="18" charset="-127"/>
                           <a:cs typeface="SeoulNamsan" charset="0"/>
                         </a:rPr>
                         <a:t>유즈케이스명</a:t>
@@ -4652,8 +4293,8 @@
                         <a:solidFill>
                           <a:schemeClr val="tx1"/>
                         </a:solidFill>
-                        <a:latin typeface="SeoulNamsan" charset="0"/>
-                        <a:ea typeface="SeoulNamsan" charset="0"/>
+                        <a:latin typeface="서울남산체 M" panose="02020603020101020101" pitchFamily="18" charset="-127"/>
+                        <a:ea typeface="서울남산체 M" panose="02020603020101020101" pitchFamily="18" charset="-127"/>
                         <a:cs typeface="SeoulNamsan" charset="0"/>
                       </a:endParaRPr>
                     </a:p>
@@ -4668,8 +4309,8 @@
                       <a:pPr lvl="0" algn="l" latinLnBrk="1"/>
                       <a:r>
                         <a:rPr lang="ko-KR" altLang="en-US" sz="1400" dirty="0" smtClean="0">
-                          <a:latin typeface="SeoulNamsan" charset="0"/>
-                          <a:ea typeface="SeoulNamsan" charset="0"/>
+                          <a:latin typeface="서울남산체 M" panose="02020603020101020101" pitchFamily="18" charset="-127"/>
+                          <a:ea typeface="서울남산체 M" panose="02020603020101020101" pitchFamily="18" charset="-127"/>
                           <a:cs typeface="SeoulNamsan" charset="0"/>
                         </a:rPr>
                         <a:t>채용대행신청조회</a:t>
@@ -4678,8 +4319,8 @@
                         <a:solidFill>
                           <a:schemeClr val="tx1"/>
                         </a:solidFill>
-                        <a:latin typeface="SeoulNamsan" charset="0"/>
-                        <a:ea typeface="SeoulNamsan" charset="0"/>
+                        <a:latin typeface="서울남산체 M" panose="02020603020101020101" pitchFamily="18" charset="-127"/>
+                        <a:ea typeface="서울남산체 M" panose="02020603020101020101" pitchFamily="18" charset="-127"/>
                         <a:cs typeface="SeoulNamsan" charset="0"/>
                       </a:endParaRPr>
                     </a:p>
@@ -4698,31 +4339,31 @@
                       </a:pPr>
                       <a:r>
                         <a:rPr lang="en-US" altLang="ko-KR" sz="1400" dirty="0" smtClean="0">
-                          <a:latin typeface="SeoulNamsan" charset="0"/>
-                          <a:ea typeface="SeoulNamsan" charset="0"/>
+                          <a:latin typeface="서울남산체 M" panose="02020603020101020101" pitchFamily="18" charset="-127"/>
+                          <a:ea typeface="서울남산체 M" panose="02020603020101020101" pitchFamily="18" charset="-127"/>
                           <a:cs typeface="SeoulNamsan" charset="0"/>
                         </a:rPr>
                         <a:t>1. </a:t>
                       </a:r>
                       <a:r>
                         <a:rPr lang="ko-KR" altLang="en-US" sz="1400" dirty="0" smtClean="0">
-                          <a:latin typeface="SeoulNamsan" charset="0"/>
-                          <a:ea typeface="SeoulNamsan" charset="0"/>
+                          <a:latin typeface="서울남산체 M" panose="02020603020101020101" pitchFamily="18" charset="-127"/>
+                          <a:ea typeface="서울남산체 M" panose="02020603020101020101" pitchFamily="18" charset="-127"/>
                           <a:cs typeface="SeoulNamsan" charset="0"/>
                         </a:rPr>
                         <a:t>관련 </a:t>
                       </a:r>
                       <a:r>
                         <a:rPr lang="ko-KR" altLang="en-US" sz="1400" dirty="0" err="1" smtClean="0">
-                          <a:latin typeface="SeoulNamsan" charset="0"/>
-                          <a:ea typeface="SeoulNamsan" charset="0"/>
+                          <a:latin typeface="서울남산체 M" panose="02020603020101020101" pitchFamily="18" charset="-127"/>
+                          <a:ea typeface="서울남산체 M" panose="02020603020101020101" pitchFamily="18" charset="-127"/>
                           <a:cs typeface="SeoulNamsan" charset="0"/>
                         </a:rPr>
                         <a:t>액터</a:t>
                       </a:r>
                       <a:endParaRPr lang="ko-KR" altLang="en-US" sz="1400" dirty="0" smtClean="0">
-                        <a:latin typeface="SeoulNamsan" charset="0"/>
-                        <a:ea typeface="SeoulNamsan" charset="0"/>
+                        <a:latin typeface="서울남산체 M" panose="02020603020101020101" pitchFamily="18" charset="-127"/>
+                        <a:ea typeface="서울남산체 M" panose="02020603020101020101" pitchFamily="18" charset="-127"/>
                         <a:cs typeface="SeoulNamsan" charset="0"/>
                       </a:endParaRPr>
                     </a:p>
@@ -4732,31 +4373,31 @@
                       </a:pPr>
                       <a:r>
                         <a:rPr lang="ko-KR" altLang="en-US" sz="1400" dirty="0" smtClean="0">
-                          <a:latin typeface="SeoulNamsan" charset="0"/>
-                          <a:ea typeface="SeoulNamsan" charset="0"/>
+                          <a:latin typeface="서울남산체 M" panose="02020603020101020101" pitchFamily="18" charset="-127"/>
+                          <a:ea typeface="서울남산체 M" panose="02020603020101020101" pitchFamily="18" charset="-127"/>
                           <a:cs typeface="SeoulNamsan" charset="0"/>
                         </a:rPr>
                         <a:t>   </a:t>
                       </a:r>
                       <a:r>
                         <a:rPr lang="en-US" altLang="ko-KR" sz="1400" dirty="0" smtClean="0">
-                          <a:latin typeface="SeoulNamsan" charset="0"/>
-                          <a:ea typeface="SeoulNamsan" charset="0"/>
+                          <a:latin typeface="서울남산체 M" panose="02020603020101020101" pitchFamily="18" charset="-127"/>
+                          <a:ea typeface="서울남산체 M" panose="02020603020101020101" pitchFamily="18" charset="-127"/>
                           <a:cs typeface="SeoulNamsan" charset="0"/>
                         </a:rPr>
                         <a:t>- </a:t>
                       </a:r>
                       <a:r>
                         <a:rPr lang="ko-KR" altLang="en-US" sz="1400" dirty="0" smtClean="0">
-                          <a:latin typeface="SeoulNamsan" charset="0"/>
-                          <a:ea typeface="SeoulNamsan" charset="0"/>
+                          <a:latin typeface="서울남산체 M" panose="02020603020101020101" pitchFamily="18" charset="-127"/>
+                          <a:ea typeface="서울남산체 M" panose="02020603020101020101" pitchFamily="18" charset="-127"/>
                           <a:cs typeface="SeoulNamsan" charset="0"/>
                         </a:rPr>
                         <a:t>채용기업 담당자</a:t>
                       </a:r>
                       <a:endParaRPr lang="en-US" altLang="ko-KR" sz="1400" dirty="0" smtClean="0">
-                        <a:latin typeface="SeoulNamsan" charset="0"/>
-                        <a:ea typeface="SeoulNamsan" charset="0"/>
+                        <a:latin typeface="서울남산체 M" panose="02020603020101020101" pitchFamily="18" charset="-127"/>
+                        <a:ea typeface="서울남산체 M" panose="02020603020101020101" pitchFamily="18" charset="-127"/>
                         <a:cs typeface="SeoulNamsan" charset="0"/>
                       </a:endParaRPr>
                     </a:p>
@@ -4765,8 +4406,8 @@
                         <a:buNone/>
                       </a:pPr>
                       <a:endParaRPr lang="ko-KR" altLang="en-US" sz="1400" dirty="0" smtClean="0">
-                        <a:latin typeface="SeoulNamsan" charset="0"/>
-                        <a:ea typeface="SeoulNamsan" charset="0"/>
+                        <a:latin typeface="서울남산체 M" panose="02020603020101020101" pitchFamily="18" charset="-127"/>
+                        <a:ea typeface="서울남산체 M" panose="02020603020101020101" pitchFamily="18" charset="-127"/>
                         <a:cs typeface="SeoulNamsan" charset="0"/>
                       </a:endParaRPr>
                     </a:p>
@@ -4776,16 +4417,16 @@
                       </a:pPr>
                       <a:r>
                         <a:rPr lang="en-US" altLang="ko-KR" sz="1400" dirty="0" smtClean="0">
-                          <a:latin typeface="SeoulNamsan" charset="0"/>
-                          <a:ea typeface="SeoulNamsan" charset="0"/>
+                          <a:latin typeface="서울남산체 M" panose="02020603020101020101" pitchFamily="18" charset="-127"/>
+                          <a:ea typeface="서울남산체 M" panose="02020603020101020101" pitchFamily="18" charset="-127"/>
                           <a:cs typeface="SeoulNamsan" charset="0"/>
                         </a:rPr>
                         <a:t>2. </a:t>
                       </a:r>
                       <a:r>
                         <a:rPr lang="ko-KR" altLang="en-US" sz="1400" dirty="0" smtClean="0">
-                          <a:latin typeface="SeoulNamsan" charset="0"/>
-                          <a:ea typeface="SeoulNamsan" charset="0"/>
+                          <a:latin typeface="서울남산체 M" panose="02020603020101020101" pitchFamily="18" charset="-127"/>
+                          <a:ea typeface="서울남산체 M" panose="02020603020101020101" pitchFamily="18" charset="-127"/>
                           <a:cs typeface="SeoulNamsan" charset="0"/>
                         </a:rPr>
                         <a:t>개요</a:t>
@@ -4797,64 +4438,64 @@
                       </a:pPr>
                       <a:r>
                         <a:rPr lang="ko-KR" altLang="en-US" sz="1400" dirty="0" smtClean="0">
-                          <a:latin typeface="SeoulNamsan" charset="0"/>
-                          <a:ea typeface="SeoulNamsan" charset="0"/>
+                          <a:latin typeface="서울남산체 M" panose="02020603020101020101" pitchFamily="18" charset="-127"/>
+                          <a:ea typeface="서울남산체 M" panose="02020603020101020101" pitchFamily="18" charset="-127"/>
                           <a:cs typeface="SeoulNamsan" charset="0"/>
                         </a:rPr>
                         <a:t>   </a:t>
                       </a:r>
                       <a:r>
                         <a:rPr lang="en-US" altLang="ko-KR" sz="1400" dirty="0" smtClean="0">
-                          <a:latin typeface="SeoulNamsan" charset="0"/>
-                          <a:ea typeface="SeoulNamsan" charset="0"/>
+                          <a:latin typeface="서울남산체 M" panose="02020603020101020101" pitchFamily="18" charset="-127"/>
+                          <a:ea typeface="서울남산체 M" panose="02020603020101020101" pitchFamily="18" charset="-127"/>
                           <a:cs typeface="SeoulNamsan" charset="0"/>
                         </a:rPr>
                         <a:t>- </a:t>
                       </a:r>
                       <a:r>
                         <a:rPr lang="ko-KR" altLang="en-US" sz="1400" dirty="0" smtClean="0">
-                          <a:latin typeface="SeoulNamsan" charset="0"/>
-                          <a:ea typeface="SeoulNamsan" charset="0"/>
+                          <a:latin typeface="서울남산체 M" panose="02020603020101020101" pitchFamily="18" charset="-127"/>
+                          <a:ea typeface="서울남산체 M" panose="02020603020101020101" pitchFamily="18" charset="-127"/>
                           <a:cs typeface="SeoulNamsan" charset="0"/>
                         </a:rPr>
                         <a:t>실시간으로 온라인으로 신청한 채용대행 신청의 접수</a:t>
                       </a:r>
                       <a:r>
                         <a:rPr lang="en-US" altLang="ko-KR" sz="1400" dirty="0" smtClean="0">
-                          <a:latin typeface="SeoulNamsan" charset="0"/>
-                          <a:ea typeface="SeoulNamsan" charset="0"/>
+                          <a:latin typeface="서울남산체 M" panose="02020603020101020101" pitchFamily="18" charset="-127"/>
+                          <a:ea typeface="서울남산체 M" panose="02020603020101020101" pitchFamily="18" charset="-127"/>
                           <a:cs typeface="SeoulNamsan" charset="0"/>
                         </a:rPr>
                         <a:t>, </a:t>
                       </a:r>
                       <a:r>
                         <a:rPr lang="ko-KR" altLang="en-US" sz="1400" dirty="0" smtClean="0">
-                          <a:latin typeface="SeoulNamsan" charset="0"/>
-                          <a:ea typeface="SeoulNamsan" charset="0"/>
+                          <a:latin typeface="서울남산체 M" panose="02020603020101020101" pitchFamily="18" charset="-127"/>
+                          <a:ea typeface="서울남산체 M" panose="02020603020101020101" pitchFamily="18" charset="-127"/>
                           <a:cs typeface="SeoulNamsan" charset="0"/>
                         </a:rPr>
                         <a:t>반려</a:t>
                       </a:r>
                       <a:r>
                         <a:rPr lang="en-US" altLang="ko-KR" sz="1400" dirty="0" smtClean="0">
-                          <a:latin typeface="SeoulNamsan" charset="0"/>
-                          <a:ea typeface="SeoulNamsan" charset="0"/>
+                          <a:latin typeface="서울남산체 M" panose="02020603020101020101" pitchFamily="18" charset="-127"/>
+                          <a:ea typeface="서울남산체 M" panose="02020603020101020101" pitchFamily="18" charset="-127"/>
                           <a:cs typeface="SeoulNamsan" charset="0"/>
                         </a:rPr>
                         <a:t>, </a:t>
                       </a:r>
                       <a:r>
                         <a:rPr lang="ko-KR" altLang="en-US" sz="1400" dirty="0" smtClean="0">
-                          <a:latin typeface="SeoulNamsan" charset="0"/>
-                          <a:ea typeface="SeoulNamsan" charset="0"/>
+                          <a:latin typeface="서울남산체 M" panose="02020603020101020101" pitchFamily="18" charset="-127"/>
+                          <a:ea typeface="서울남산체 M" panose="02020603020101020101" pitchFamily="18" charset="-127"/>
                           <a:cs typeface="SeoulNamsan" charset="0"/>
                         </a:rPr>
                         <a:t>승인 등의 상태 확인을 원한다</a:t>
                       </a:r>
                       <a:r>
                         <a:rPr lang="en-US" altLang="ko-KR" sz="1400" dirty="0" smtClean="0">
-                          <a:latin typeface="SeoulNamsan" charset="0"/>
-                          <a:ea typeface="SeoulNamsan" charset="0"/>
+                          <a:latin typeface="서울남산체 M" panose="02020603020101020101" pitchFamily="18" charset="-127"/>
+                          <a:ea typeface="서울남산체 M" panose="02020603020101020101" pitchFamily="18" charset="-127"/>
                           <a:cs typeface="SeoulNamsan" charset="0"/>
                         </a:rPr>
                         <a:t>.</a:t>
@@ -4866,71 +4507,71 @@
                       </a:pPr>
                       <a:r>
                         <a:rPr lang="en-US" altLang="ko-KR" sz="1400" dirty="0" smtClean="0">
-                          <a:latin typeface="SeoulNamsan" charset="0"/>
-                          <a:ea typeface="SeoulNamsan" charset="0"/>
+                          <a:latin typeface="서울남산체 M" panose="02020603020101020101" pitchFamily="18" charset="-127"/>
+                          <a:ea typeface="서울남산체 M" panose="02020603020101020101" pitchFamily="18" charset="-127"/>
                           <a:cs typeface="SeoulNamsan" charset="0"/>
                         </a:rPr>
                         <a:t>   - </a:t>
                       </a:r>
                       <a:r>
                         <a:rPr lang="ko-KR" altLang="en-US" sz="1400" dirty="0" smtClean="0">
-                          <a:latin typeface="SeoulNamsan" charset="0"/>
-                          <a:ea typeface="SeoulNamsan" charset="0"/>
+                          <a:latin typeface="서울남산체 M" panose="02020603020101020101" pitchFamily="18" charset="-127"/>
+                          <a:ea typeface="서울남산체 M" panose="02020603020101020101" pitchFamily="18" charset="-127"/>
                           <a:cs typeface="SeoulNamsan" charset="0"/>
                         </a:rPr>
                         <a:t>채용대행신청 조회화면에서 채용대행 </a:t>
                       </a:r>
                       <a:r>
                         <a:rPr lang="ko-KR" altLang="en-US" sz="1400" dirty="0" err="1" smtClean="0">
-                          <a:latin typeface="SeoulNamsan" charset="0"/>
-                          <a:ea typeface="SeoulNamsan" charset="0"/>
+                          <a:latin typeface="서울남산체 M" panose="02020603020101020101" pitchFamily="18" charset="-127"/>
+                          <a:ea typeface="서울남산체 M" panose="02020603020101020101" pitchFamily="18" charset="-127"/>
                           <a:cs typeface="SeoulNamsan" charset="0"/>
                         </a:rPr>
                         <a:t>신청시</a:t>
                       </a:r>
                       <a:r>
                         <a:rPr lang="ko-KR" altLang="en-US" sz="1400" dirty="0" smtClean="0">
-                          <a:latin typeface="SeoulNamsan" charset="0"/>
-                          <a:ea typeface="SeoulNamsan" charset="0"/>
+                          <a:latin typeface="서울남산체 M" panose="02020603020101020101" pitchFamily="18" charset="-127"/>
+                          <a:ea typeface="서울남산체 M" panose="02020603020101020101" pitchFamily="18" charset="-127"/>
                           <a:cs typeface="SeoulNamsan" charset="0"/>
                         </a:rPr>
                         <a:t> 신청문구에 대한 다양한 예시</a:t>
                       </a:r>
                       <a:r>
                         <a:rPr lang="en-US" altLang="ko-KR" sz="1400" dirty="0" smtClean="0">
-                          <a:latin typeface="SeoulNamsan" charset="0"/>
-                          <a:ea typeface="SeoulNamsan" charset="0"/>
+                          <a:latin typeface="서울남산체 M" panose="02020603020101020101" pitchFamily="18" charset="-127"/>
+                          <a:ea typeface="서울남산체 M" panose="02020603020101020101" pitchFamily="18" charset="-127"/>
                           <a:cs typeface="SeoulNamsan" charset="0"/>
                         </a:rPr>
                         <a:t>,</a:t>
                       </a:r>
                       <a:r>
                         <a:rPr lang="en-US" altLang="ko-KR" sz="1400" baseline="0" dirty="0" smtClean="0">
-                          <a:latin typeface="SeoulNamsan" charset="0"/>
-                          <a:ea typeface="SeoulNamsan" charset="0"/>
+                          <a:latin typeface="서울남산체 M" panose="02020603020101020101" pitchFamily="18" charset="-127"/>
+                          <a:ea typeface="서울남산체 M" panose="02020603020101020101" pitchFamily="18" charset="-127"/>
                           <a:cs typeface="SeoulNamsan" charset="0"/>
                         </a:rPr>
                         <a:t> </a:t>
                       </a:r>
                       <a:r>
                         <a:rPr lang="ko-KR" altLang="en-US" sz="1400" baseline="0" dirty="0" smtClean="0">
-                          <a:latin typeface="SeoulNamsan" charset="0"/>
-                          <a:ea typeface="SeoulNamsan" charset="0"/>
+                          <a:latin typeface="서울남산체 M" panose="02020603020101020101" pitchFamily="18" charset="-127"/>
+                          <a:ea typeface="서울남산체 M" panose="02020603020101020101" pitchFamily="18" charset="-127"/>
                           <a:cs typeface="SeoulNamsan" charset="0"/>
                         </a:rPr>
                         <a:t>샘플을 제시해줘야 한다</a:t>
                       </a:r>
                       <a:r>
                         <a:rPr lang="en-US" altLang="ko-KR" sz="1400" baseline="0" dirty="0" smtClean="0">
-                          <a:latin typeface="SeoulNamsan" charset="0"/>
-                          <a:ea typeface="SeoulNamsan" charset="0"/>
+                          <a:latin typeface="서울남산체 M" panose="02020603020101020101" pitchFamily="18" charset="-127"/>
+                          <a:ea typeface="서울남산체 M" panose="02020603020101020101" pitchFamily="18" charset="-127"/>
                           <a:cs typeface="SeoulNamsan" charset="0"/>
                         </a:rPr>
                         <a:t>.</a:t>
                       </a:r>
                       <a:endParaRPr lang="en-US" altLang="ko-KR" sz="1400" dirty="0" smtClean="0">
-                        <a:latin typeface="SeoulNamsan" charset="0"/>
-                        <a:ea typeface="SeoulNamsan" charset="0"/>
+                        <a:latin typeface="서울남산체 M" panose="02020603020101020101" pitchFamily="18" charset="-127"/>
+                        <a:ea typeface="서울남산체 M" panose="02020603020101020101" pitchFamily="18" charset="-127"/>
                         <a:cs typeface="SeoulNamsan" charset="0"/>
                       </a:endParaRPr>
                     </a:p>
@@ -4940,32 +4581,32 @@
                       </a:pPr>
                       <a:r>
                         <a:rPr lang="ko-KR" altLang="en-US" sz="1400" dirty="0" smtClean="0">
-                          <a:latin typeface="SeoulNamsan" charset="0"/>
-                          <a:ea typeface="SeoulNamsan" charset="0"/>
+                          <a:latin typeface="서울남산체 M" panose="02020603020101020101" pitchFamily="18" charset="-127"/>
+                          <a:ea typeface="서울남산체 M" panose="02020603020101020101" pitchFamily="18" charset="-127"/>
                           <a:cs typeface="SeoulNamsan" charset="0"/>
                         </a:rPr>
                         <a:t>   </a:t>
                       </a:r>
                       <a:r>
                         <a:rPr lang="en-US" altLang="ko-KR" sz="1400" dirty="0" smtClean="0">
-                          <a:latin typeface="SeoulNamsan" charset="0"/>
-                          <a:ea typeface="SeoulNamsan" charset="0"/>
+                          <a:latin typeface="서울남산체 M" panose="02020603020101020101" pitchFamily="18" charset="-127"/>
+                          <a:ea typeface="서울남산체 M" panose="02020603020101020101" pitchFamily="18" charset="-127"/>
                           <a:cs typeface="SeoulNamsan" charset="0"/>
                         </a:rPr>
                         <a:t>- </a:t>
                       </a:r>
                       <a:r>
                         <a:rPr lang="ko-KR" altLang="en-US" sz="1400" dirty="0" smtClean="0">
-                          <a:latin typeface="SeoulNamsan" charset="0"/>
-                          <a:ea typeface="SeoulNamsan" charset="0"/>
+                          <a:latin typeface="서울남산체 M" panose="02020603020101020101" pitchFamily="18" charset="-127"/>
+                          <a:ea typeface="서울남산체 M" panose="02020603020101020101" pitchFamily="18" charset="-127"/>
                           <a:cs typeface="SeoulNamsan" charset="0"/>
                         </a:rPr>
                         <a:t>채용대행신청 첨부 파일 양식 등을 채용대행 조회 한 화면에서 다운로드 할 수 있어야 한다</a:t>
                       </a:r>
                       <a:r>
                         <a:rPr lang="en-US" altLang="ko-KR" sz="1400" dirty="0" smtClean="0">
-                          <a:latin typeface="SeoulNamsan" charset="0"/>
-                          <a:ea typeface="SeoulNamsan" charset="0"/>
+                          <a:latin typeface="서울남산체 M" panose="02020603020101020101" pitchFamily="18" charset="-127"/>
+                          <a:ea typeface="서울남산체 M" panose="02020603020101020101" pitchFamily="18" charset="-127"/>
                           <a:cs typeface="SeoulNamsan" charset="0"/>
                         </a:rPr>
                         <a:t>. </a:t>
@@ -4976,8 +4617,8 @@
                         <a:buNone/>
                       </a:pPr>
                       <a:endParaRPr lang="en-US" altLang="ko-KR" sz="1400" dirty="0" smtClean="0">
-                        <a:latin typeface="SeoulNamsan" charset="0"/>
-                        <a:ea typeface="SeoulNamsan" charset="0"/>
+                        <a:latin typeface="서울남산체 M" panose="02020603020101020101" pitchFamily="18" charset="-127"/>
+                        <a:ea typeface="서울남산체 M" panose="02020603020101020101" pitchFamily="18" charset="-127"/>
                         <a:cs typeface="SeoulNamsan" charset="0"/>
                       </a:endParaRPr>
                     </a:p>
@@ -4987,16 +4628,16 @@
                       </a:pPr>
                       <a:r>
                         <a:rPr lang="en-US" altLang="ko-KR" sz="1400" dirty="0" smtClean="0">
-                          <a:latin typeface="SeoulNamsan" charset="0"/>
-                          <a:ea typeface="SeoulNamsan" charset="0"/>
+                          <a:latin typeface="서울남산체 M" panose="02020603020101020101" pitchFamily="18" charset="-127"/>
+                          <a:ea typeface="서울남산체 M" panose="02020603020101020101" pitchFamily="18" charset="-127"/>
                           <a:cs typeface="SeoulNamsan" charset="0"/>
                         </a:rPr>
                         <a:t>3. </a:t>
                       </a:r>
                       <a:r>
                         <a:rPr lang="ko-KR" altLang="en-US" sz="1400" dirty="0" smtClean="0">
-                          <a:latin typeface="SeoulNamsan" charset="0"/>
-                          <a:ea typeface="SeoulNamsan" charset="0"/>
+                          <a:latin typeface="서울남산체 M" panose="02020603020101020101" pitchFamily="18" charset="-127"/>
+                          <a:ea typeface="서울남산체 M" panose="02020603020101020101" pitchFamily="18" charset="-127"/>
                           <a:cs typeface="SeoulNamsan" charset="0"/>
                         </a:rPr>
                         <a:t>선행조건</a:t>
@@ -5008,72 +4649,72 @@
                       </a:pPr>
                       <a:r>
                         <a:rPr lang="ko-KR" altLang="en-US" sz="1400" dirty="0" smtClean="0">
-                          <a:latin typeface="SeoulNamsan" charset="0"/>
-                          <a:ea typeface="SeoulNamsan" charset="0"/>
+                          <a:latin typeface="서울남산체 M" panose="02020603020101020101" pitchFamily="18" charset="-127"/>
+                          <a:ea typeface="서울남산체 M" panose="02020603020101020101" pitchFamily="18" charset="-127"/>
                           <a:cs typeface="SeoulNamsan" charset="0"/>
                         </a:rPr>
                         <a:t>   </a:t>
                       </a:r>
                       <a:r>
                         <a:rPr lang="en-US" altLang="ko-KR" sz="1400" dirty="0" smtClean="0">
-                          <a:latin typeface="SeoulNamsan" charset="0"/>
-                          <a:ea typeface="SeoulNamsan" charset="0"/>
+                          <a:latin typeface="서울남산체 M" panose="02020603020101020101" pitchFamily="18" charset="-127"/>
+                          <a:ea typeface="서울남산체 M" panose="02020603020101020101" pitchFamily="18" charset="-127"/>
                           <a:cs typeface="SeoulNamsan" charset="0"/>
                         </a:rPr>
                         <a:t>- </a:t>
                       </a:r>
                       <a:r>
                         <a:rPr lang="ko-KR" altLang="en-US" sz="1400" dirty="0" smtClean="0">
-                          <a:latin typeface="SeoulNamsan" charset="0"/>
-                          <a:ea typeface="SeoulNamsan" charset="0"/>
+                          <a:latin typeface="서울남산체 M" panose="02020603020101020101" pitchFamily="18" charset="-127"/>
+                          <a:ea typeface="서울남산체 M" panose="02020603020101020101" pitchFamily="18" charset="-127"/>
                           <a:cs typeface="SeoulNamsan" charset="0"/>
                         </a:rPr>
                         <a:t>채용대행 신청 조회를 위해서</a:t>
                       </a:r>
                       <a:r>
                         <a:rPr lang="en-US" altLang="ko-KR" sz="1400" dirty="0" smtClean="0">
-                          <a:latin typeface="SeoulNamsan" charset="0"/>
-                          <a:ea typeface="SeoulNamsan" charset="0"/>
+                          <a:latin typeface="서울남산체 M" panose="02020603020101020101" pitchFamily="18" charset="-127"/>
+                          <a:ea typeface="서울남산체 M" panose="02020603020101020101" pitchFamily="18" charset="-127"/>
                           <a:cs typeface="SeoulNamsan" charset="0"/>
                         </a:rPr>
                         <a:t>, </a:t>
                       </a:r>
                       <a:r>
                         <a:rPr lang="ko-KR" altLang="en-US" sz="1400" dirty="0" smtClean="0">
-                          <a:latin typeface="SeoulNamsan" charset="0"/>
-                          <a:ea typeface="SeoulNamsan" charset="0"/>
+                          <a:latin typeface="서울남산체 M" panose="02020603020101020101" pitchFamily="18" charset="-127"/>
+                          <a:ea typeface="서울남산체 M" panose="02020603020101020101" pitchFamily="18" charset="-127"/>
                           <a:cs typeface="SeoulNamsan" charset="0"/>
                         </a:rPr>
                         <a:t>담당자를 식별하기 위해 시스템에 로그인 되어 있어야 하며</a:t>
                       </a:r>
                       <a:r>
                         <a:rPr lang="en-US" altLang="ko-KR" sz="1400" dirty="0" smtClean="0">
-                          <a:latin typeface="SeoulNamsan" charset="0"/>
-                          <a:ea typeface="SeoulNamsan" charset="0"/>
+                          <a:latin typeface="서울남산체 M" panose="02020603020101020101" pitchFamily="18" charset="-127"/>
+                          <a:ea typeface="서울남산체 M" panose="02020603020101020101" pitchFamily="18" charset="-127"/>
                           <a:cs typeface="SeoulNamsan" charset="0"/>
                         </a:rPr>
                         <a:t>, </a:t>
                       </a:r>
                       <a:r>
                         <a:rPr lang="ko-KR" altLang="en-US" sz="1400" dirty="0" err="1" smtClean="0">
-                          <a:latin typeface="SeoulNamsan" charset="0"/>
-                          <a:ea typeface="SeoulNamsan" charset="0"/>
+                          <a:latin typeface="서울남산체 M" panose="02020603020101020101" pitchFamily="18" charset="-127"/>
+                          <a:ea typeface="서울남산체 M" panose="02020603020101020101" pitchFamily="18" charset="-127"/>
                           <a:cs typeface="SeoulNamsan" charset="0"/>
                         </a:rPr>
                         <a:t>비로그인시에는</a:t>
                       </a:r>
                       <a:r>
                         <a:rPr lang="ko-KR" altLang="en-US" sz="1400" dirty="0" smtClean="0">
-                          <a:latin typeface="SeoulNamsan" charset="0"/>
-                          <a:ea typeface="SeoulNamsan" charset="0"/>
+                          <a:latin typeface="서울남산체 M" panose="02020603020101020101" pitchFamily="18" charset="-127"/>
+                          <a:ea typeface="서울남산체 M" panose="02020603020101020101" pitchFamily="18" charset="-127"/>
                           <a:cs typeface="SeoulNamsan" charset="0"/>
                         </a:rPr>
                         <a:t> 로그인 화면으로 이동한다</a:t>
                       </a:r>
                       <a:r>
                         <a:rPr lang="en-US" altLang="ko-KR" sz="1400" dirty="0" smtClean="0">
-                          <a:latin typeface="SeoulNamsan" charset="0"/>
-                          <a:ea typeface="SeoulNamsan" charset="0"/>
+                          <a:latin typeface="서울남산체 M" panose="02020603020101020101" pitchFamily="18" charset="-127"/>
+                          <a:ea typeface="서울남산체 M" panose="02020603020101020101" pitchFamily="18" charset="-127"/>
                           <a:cs typeface="SeoulNamsan" charset="0"/>
                         </a:rPr>
                         <a:t>.</a:t>
@@ -5085,24 +4726,24 @@
                       </a:pPr>
                       <a:r>
                         <a:rPr lang="en-US" altLang="ko-KR" sz="1400" dirty="0" smtClean="0">
-                          <a:latin typeface="SeoulNamsan" charset="0"/>
-                          <a:ea typeface="SeoulNamsan" charset="0"/>
+                          <a:latin typeface="서울남산체 M" panose="02020603020101020101" pitchFamily="18" charset="-127"/>
+                          <a:ea typeface="서울남산체 M" panose="02020603020101020101" pitchFamily="18" charset="-127"/>
                           <a:cs typeface="SeoulNamsan" charset="0"/>
                         </a:rPr>
                         <a:t>   - </a:t>
                       </a:r>
                       <a:r>
                         <a:rPr lang="ko-KR" altLang="en-US" sz="1400" dirty="0" smtClean="0">
-                          <a:latin typeface="SeoulNamsan" charset="0"/>
-                          <a:ea typeface="SeoulNamsan" charset="0"/>
+                          <a:latin typeface="서울남산체 M" panose="02020603020101020101" pitchFamily="18" charset="-127"/>
+                          <a:ea typeface="서울남산체 M" panose="02020603020101020101" pitchFamily="18" charset="-127"/>
                           <a:cs typeface="SeoulNamsan" charset="0"/>
                         </a:rPr>
                         <a:t>채용대행 조회를 위해서는 로그인 상태이어야 하므로 비회원일 경우에는 회원가입을 필수로 선행해야 한다</a:t>
                       </a:r>
                       <a:r>
                         <a:rPr lang="en-US" altLang="ko-KR" sz="1400" dirty="0" smtClean="0">
-                          <a:latin typeface="SeoulNamsan" charset="0"/>
-                          <a:ea typeface="SeoulNamsan" charset="0"/>
+                          <a:latin typeface="서울남산체 M" panose="02020603020101020101" pitchFamily="18" charset="-127"/>
+                          <a:ea typeface="서울남산체 M" panose="02020603020101020101" pitchFamily="18" charset="-127"/>
                           <a:cs typeface="SeoulNamsan" charset="0"/>
                         </a:rPr>
                         <a:t>.</a:t>
@@ -5113,8 +4754,8 @@
                         <a:buNone/>
                       </a:pPr>
                       <a:endParaRPr lang="en-US" altLang="ko-KR" sz="1400" dirty="0" smtClean="0">
-                        <a:latin typeface="SeoulNamsan" charset="0"/>
-                        <a:ea typeface="SeoulNamsan" charset="0"/>
+                        <a:latin typeface="서울남산체 M" panose="02020603020101020101" pitchFamily="18" charset="-127"/>
+                        <a:ea typeface="서울남산체 M" panose="02020603020101020101" pitchFamily="18" charset="-127"/>
                         <a:cs typeface="SeoulNamsan" charset="0"/>
                       </a:endParaRPr>
                     </a:p>
@@ -5124,16 +4765,16 @@
                       </a:pPr>
                       <a:r>
                         <a:rPr lang="en-US" altLang="ko-KR" sz="1400" dirty="0" smtClean="0">
-                          <a:latin typeface="SeoulNamsan" charset="0"/>
-                          <a:ea typeface="SeoulNamsan" charset="0"/>
+                          <a:latin typeface="서울남산체 M" panose="02020603020101020101" pitchFamily="18" charset="-127"/>
+                          <a:ea typeface="서울남산체 M" panose="02020603020101020101" pitchFamily="18" charset="-127"/>
                           <a:cs typeface="SeoulNamsan" charset="0"/>
                         </a:rPr>
                         <a:t>4. </a:t>
                       </a:r>
                       <a:r>
                         <a:rPr lang="ko-KR" altLang="en-US" sz="1400" dirty="0" smtClean="0">
-                          <a:latin typeface="SeoulNamsan" charset="0"/>
-                          <a:ea typeface="SeoulNamsan" charset="0"/>
+                          <a:latin typeface="서울남산체 M" panose="02020603020101020101" pitchFamily="18" charset="-127"/>
+                          <a:ea typeface="서울남산체 M" panose="02020603020101020101" pitchFamily="18" charset="-127"/>
                           <a:cs typeface="SeoulNamsan" charset="0"/>
                         </a:rPr>
                         <a:t>후행조건</a:t>
@@ -5145,80 +4786,80 @@
                       </a:pPr>
                       <a:r>
                         <a:rPr lang="ko-KR" altLang="en-US" sz="1400" dirty="0" smtClean="0">
-                          <a:latin typeface="SeoulNamsan" charset="0"/>
-                          <a:ea typeface="SeoulNamsan" charset="0"/>
+                          <a:latin typeface="서울남산체 M" panose="02020603020101020101" pitchFamily="18" charset="-127"/>
+                          <a:ea typeface="서울남산체 M" panose="02020603020101020101" pitchFamily="18" charset="-127"/>
                           <a:cs typeface="SeoulNamsan" charset="0"/>
                         </a:rPr>
                         <a:t>   </a:t>
                       </a:r>
                       <a:r>
                         <a:rPr lang="en-US" altLang="ko-KR" sz="1400" dirty="0" smtClean="0">
-                          <a:latin typeface="SeoulNamsan" charset="0"/>
-                          <a:ea typeface="SeoulNamsan" charset="0"/>
+                          <a:latin typeface="서울남산체 M" panose="02020603020101020101" pitchFamily="18" charset="-127"/>
+                          <a:ea typeface="서울남산체 M" panose="02020603020101020101" pitchFamily="18" charset="-127"/>
                           <a:cs typeface="SeoulNamsan" charset="0"/>
                         </a:rPr>
                         <a:t>- </a:t>
                       </a:r>
                       <a:r>
                         <a:rPr lang="ko-KR" altLang="en-US" sz="1400" dirty="0" smtClean="0">
-                          <a:latin typeface="SeoulNamsan" charset="0"/>
-                          <a:ea typeface="SeoulNamsan" charset="0"/>
+                          <a:latin typeface="서울남산체 M" panose="02020603020101020101" pitchFamily="18" charset="-127"/>
+                          <a:ea typeface="서울남산체 M" panose="02020603020101020101" pitchFamily="18" charset="-127"/>
                           <a:cs typeface="SeoulNamsan" charset="0"/>
                         </a:rPr>
                         <a:t>입력한 검색조건</a:t>
                       </a:r>
                       <a:r>
                         <a:rPr lang="en-US" altLang="ko-KR" sz="1400" dirty="0" smtClean="0">
-                          <a:latin typeface="SeoulNamsan" charset="0"/>
-                          <a:ea typeface="SeoulNamsan" charset="0"/>
+                          <a:latin typeface="서울남산체 M" panose="02020603020101020101" pitchFamily="18" charset="-127"/>
+                          <a:ea typeface="서울남산체 M" panose="02020603020101020101" pitchFamily="18" charset="-127"/>
                           <a:cs typeface="SeoulNamsan" charset="0"/>
                         </a:rPr>
                         <a:t>(</a:t>
                       </a:r>
                       <a:r>
                         <a:rPr lang="ko-KR" altLang="en-US" sz="1400" dirty="0" smtClean="0">
-                          <a:latin typeface="SeoulNamsan" charset="0"/>
-                          <a:ea typeface="SeoulNamsan" charset="0"/>
+                          <a:latin typeface="서울남산체 M" panose="02020603020101020101" pitchFamily="18" charset="-127"/>
+                          <a:ea typeface="서울남산체 M" panose="02020603020101020101" pitchFamily="18" charset="-127"/>
                           <a:cs typeface="SeoulNamsan" charset="0"/>
                         </a:rPr>
                         <a:t>신청기간</a:t>
                       </a:r>
                       <a:r>
                         <a:rPr lang="en-US" altLang="ko-KR" sz="1400" dirty="0" smtClean="0">
-                          <a:latin typeface="SeoulNamsan" charset="0"/>
-                          <a:ea typeface="SeoulNamsan" charset="0"/>
+                          <a:latin typeface="서울남산체 M" panose="02020603020101020101" pitchFamily="18" charset="-127"/>
+                          <a:ea typeface="서울남산체 M" panose="02020603020101020101" pitchFamily="18" charset="-127"/>
                           <a:cs typeface="SeoulNamsan" charset="0"/>
                         </a:rPr>
                         <a:t>, </a:t>
                       </a:r>
                       <a:r>
                         <a:rPr lang="ko-KR" altLang="en-US" sz="1400" dirty="0" smtClean="0">
-                          <a:latin typeface="SeoulNamsan" charset="0"/>
-                          <a:ea typeface="SeoulNamsan" charset="0"/>
+                          <a:latin typeface="서울남산체 M" panose="02020603020101020101" pitchFamily="18" charset="-127"/>
+                          <a:ea typeface="서울남산체 M" panose="02020603020101020101" pitchFamily="18" charset="-127"/>
                           <a:cs typeface="SeoulNamsan" charset="0"/>
                         </a:rPr>
                         <a:t>신청 상태</a:t>
                       </a:r>
                       <a:r>
                         <a:rPr lang="en-US" altLang="ko-KR" sz="1400" dirty="0" smtClean="0">
-                          <a:latin typeface="SeoulNamsan" charset="0"/>
-                          <a:ea typeface="SeoulNamsan" charset="0"/>
+                          <a:latin typeface="서울남산체 M" panose="02020603020101020101" pitchFamily="18" charset="-127"/>
+                          <a:ea typeface="서울남산체 M" panose="02020603020101020101" pitchFamily="18" charset="-127"/>
                           <a:cs typeface="SeoulNamsan" charset="0"/>
                         </a:rPr>
                         <a:t>)</a:t>
                       </a:r>
                       <a:r>
                         <a:rPr lang="ko-KR" altLang="en-US" sz="1400" dirty="0" smtClean="0">
-                          <a:latin typeface="SeoulNamsan" charset="0"/>
-                          <a:ea typeface="SeoulNamsan" charset="0"/>
+                          <a:latin typeface="서울남산체 M" panose="02020603020101020101" pitchFamily="18" charset="-127"/>
+                          <a:ea typeface="서울남산체 M" panose="02020603020101020101" pitchFamily="18" charset="-127"/>
                           <a:cs typeface="SeoulNamsan" charset="0"/>
                         </a:rPr>
                         <a:t>에 해당하는 채용대행 신청 결과가 조회된다</a:t>
                       </a:r>
                       <a:r>
                         <a:rPr lang="en-US" altLang="ko-KR" sz="1400" dirty="0" smtClean="0">
-                          <a:latin typeface="SeoulNamsan" charset="0"/>
-                          <a:ea typeface="SeoulNamsan" charset="0"/>
+                          <a:latin typeface="서울남산체 M" panose="02020603020101020101" pitchFamily="18" charset="-127"/>
+                          <a:ea typeface="서울남산체 M" panose="02020603020101020101" pitchFamily="18" charset="-127"/>
                           <a:cs typeface="SeoulNamsan" charset="0"/>
                         </a:rPr>
                         <a:t>.</a:t>
@@ -5230,24 +4871,24 @@
                       </a:pPr>
                       <a:r>
                         <a:rPr lang="en-US" altLang="ko-KR" sz="1400" dirty="0" smtClean="0">
-                          <a:latin typeface="SeoulNamsan" charset="0"/>
-                          <a:ea typeface="SeoulNamsan" charset="0"/>
+                          <a:latin typeface="서울남산체 M" panose="02020603020101020101" pitchFamily="18" charset="-127"/>
+                          <a:ea typeface="서울남산체 M" panose="02020603020101020101" pitchFamily="18" charset="-127"/>
                           <a:cs typeface="SeoulNamsan" charset="0"/>
                         </a:rPr>
                         <a:t>   - </a:t>
                       </a:r>
                       <a:r>
                         <a:rPr lang="ko-KR" altLang="en-US" sz="1400" dirty="0" smtClean="0">
-                          <a:latin typeface="SeoulNamsan" charset="0"/>
-                          <a:ea typeface="SeoulNamsan" charset="0"/>
+                          <a:latin typeface="서울남산체 M" panose="02020603020101020101" pitchFamily="18" charset="-127"/>
+                          <a:ea typeface="서울남산체 M" panose="02020603020101020101" pitchFamily="18" charset="-127"/>
                           <a:cs typeface="SeoulNamsan" charset="0"/>
                         </a:rPr>
                         <a:t>검색결과 전체 몇 건이 조회되었는지 사용자가 확인할 수 있어야 한다</a:t>
                       </a:r>
                       <a:r>
                         <a:rPr lang="en-US" altLang="ko-KR" sz="1400" dirty="0" smtClean="0">
-                          <a:latin typeface="SeoulNamsan" charset="0"/>
-                          <a:ea typeface="SeoulNamsan" charset="0"/>
+                          <a:latin typeface="서울남산체 M" panose="02020603020101020101" pitchFamily="18" charset="-127"/>
+                          <a:ea typeface="서울남산체 M" panose="02020603020101020101" pitchFamily="18" charset="-127"/>
                           <a:cs typeface="SeoulNamsan" charset="0"/>
                         </a:rPr>
                         <a:t>.</a:t>
@@ -5259,24 +4900,24 @@
                       </a:pPr>
                       <a:r>
                         <a:rPr lang="en-US" altLang="ko-KR" sz="1400" dirty="0" smtClean="0">
-                          <a:latin typeface="SeoulNamsan" charset="0"/>
-                          <a:ea typeface="SeoulNamsan" charset="0"/>
+                          <a:latin typeface="서울남산체 M" panose="02020603020101020101" pitchFamily="18" charset="-127"/>
+                          <a:ea typeface="서울남산체 M" panose="02020603020101020101" pitchFamily="18" charset="-127"/>
                           <a:cs typeface="SeoulNamsan" charset="0"/>
                         </a:rPr>
                         <a:t>   - </a:t>
                       </a:r>
                       <a:r>
                         <a:rPr lang="ko-KR" altLang="en-US" sz="1400" dirty="0" smtClean="0">
-                          <a:latin typeface="SeoulNamsan" charset="0"/>
-                          <a:ea typeface="SeoulNamsan" charset="0"/>
+                          <a:latin typeface="서울남산체 M" panose="02020603020101020101" pitchFamily="18" charset="-127"/>
+                          <a:ea typeface="서울남산체 M" panose="02020603020101020101" pitchFamily="18" charset="-127"/>
                           <a:cs typeface="SeoulNamsan" charset="0"/>
                         </a:rPr>
                         <a:t>검색조건에 해당하는 채용대행신청 건이 없는 경우에는 확인 메시지를 보여준다</a:t>
                       </a:r>
                       <a:r>
                         <a:rPr lang="en-US" altLang="ko-KR" sz="1400" dirty="0" smtClean="0">
-                          <a:latin typeface="SeoulNamsan" charset="0"/>
-                          <a:ea typeface="SeoulNamsan" charset="0"/>
+                          <a:latin typeface="서울남산체 M" panose="02020603020101020101" pitchFamily="18" charset="-127"/>
+                          <a:ea typeface="서울남산체 M" panose="02020603020101020101" pitchFamily="18" charset="-127"/>
                           <a:cs typeface="SeoulNamsan" charset="0"/>
                         </a:rPr>
                         <a:t>.</a:t>
@@ -5285,8 +4926,8 @@
                         <a:solidFill>
                           <a:schemeClr val="tx1"/>
                         </a:solidFill>
-                        <a:latin typeface="SeoulNamsan" charset="0"/>
-                        <a:ea typeface="SeoulNamsan" charset="0"/>
+                        <a:latin typeface="서울남산체 M" panose="02020603020101020101" pitchFamily="18" charset="-127"/>
+                        <a:ea typeface="서울남산체 M" panose="02020603020101020101" pitchFamily="18" charset="-127"/>
                         <a:cs typeface="SeoulNamsan" charset="0"/>
                       </a:endParaRPr>
                     </a:p>
@@ -5515,7 +5156,7 @@
 </p:sld>
 </file>
 
-<file path=ppt/slides/slide12.xml><?xml version="1.0" encoding="utf-8"?>
+<file path=ppt/slides/slide11.xml><?xml version="1.0" encoding="utf-8"?>
 <p:sld xmlns:a="http://schemas.openxmlformats.org/drawingml/2006/main" xmlns:r="http://schemas.openxmlformats.org/officeDocument/2006/relationships" xmlns:p="http://schemas.openxmlformats.org/presentationml/2006/main">
   <p:cSld>
     <p:spTree>
@@ -5618,18 +5259,7 @@
                   </a:schemeClr>
                 </a:solidFill>
               </a:rPr>
-              <a:t> </a:t>
-            </a:r>
-            <a:r>
-              <a:rPr lang="ko-KR" altLang="en-US" spc="0">
-                <a:solidFill>
-                  <a:schemeClr val="tx1">
-                    <a:lumMod val="65000"/>
-                    <a:lumOff val="35000"/>
-                  </a:schemeClr>
-                </a:solidFill>
-              </a:rPr>
-              <a:t>화면</a:t>
+              <a:t> 화면</a:t>
             </a:r>
             <a:r>
               <a:rPr lang="en-US" altLang="ko-KR" spc="0">
@@ -5740,10 +5370,10 @@
           <a:lstStyle/>
           <a:p>
             <a:r>
-              <a:rPr lang="ko-KR" altLang="en-US"/>
+              <a:rPr lang="ko-KR" altLang="en-US" dirty="0"/>
               <a:t>프로젝트 개요</a:t>
             </a:r>
-            <a:endParaRPr lang="en-US"/>
+            <a:endParaRPr lang="en-US" dirty="0"/>
           </a:p>
         </p:txBody>
       </p:sp>
@@ -6364,7 +5994,7 @@
           <p:nvPr>
             <p:extLst>
               <p:ext uri="{D42A27DB-BD31-4B8C-83A1-F6EECF244321}">
-                <p14:modId xmlns:p14="http://schemas.microsoft.com/office/powerpoint/2010/main" val="1396342013"/>
+                <p14:modId xmlns:p14="http://schemas.microsoft.com/office/powerpoint/2010/main" val="2769900857"/>
               </p:ext>
             </p:extLst>
           </p:nvPr>
@@ -6400,8 +6030,8 @@
                           <a:solidFill>
                             <a:schemeClr val="bg1"/>
                           </a:solidFill>
-                          <a:latin typeface="SeoulNamsan" charset="0"/>
-                          <a:ea typeface="SeoulNamsan" charset="0"/>
+                          <a:latin typeface="서울남산체 M" panose="02020603020101020101" pitchFamily="18" charset="-127"/>
+                          <a:ea typeface="서울남산체 M" panose="02020603020101020101" pitchFamily="18" charset="-127"/>
                           <a:cs typeface="SeoulNamsan" charset="0"/>
                         </a:rPr>
                         <a:t>요구사항</a:t>
@@ -6411,8 +6041,8 @@
                           <a:solidFill>
                             <a:schemeClr val="bg1"/>
                           </a:solidFill>
-                          <a:latin typeface="SeoulNamsan" charset="0"/>
-                          <a:ea typeface="SeoulNamsan" charset="0"/>
+                          <a:latin typeface="서울남산체 M" panose="02020603020101020101" pitchFamily="18" charset="-127"/>
+                          <a:ea typeface="서울남산체 M" panose="02020603020101020101" pitchFamily="18" charset="-127"/>
                           <a:cs typeface="SeoulNamsan" charset="0"/>
                         </a:rPr>
                         <a:t> </a:t>
@@ -6422,8 +6052,8 @@
                           <a:solidFill>
                             <a:schemeClr val="bg1"/>
                           </a:solidFill>
-                          <a:latin typeface="SeoulNamsan" charset="0"/>
-                          <a:ea typeface="SeoulNamsan" charset="0"/>
+                          <a:latin typeface="서울남산체 M" panose="02020603020101020101" pitchFamily="18" charset="-127"/>
+                          <a:ea typeface="서울남산체 M" panose="02020603020101020101" pitchFamily="18" charset="-127"/>
                           <a:cs typeface="SeoulNamsan" charset="0"/>
                         </a:rPr>
                         <a:t>ID</a:t>
@@ -6432,8 +6062,8 @@
                         <a:solidFill>
                           <a:schemeClr val="bg1"/>
                         </a:solidFill>
-                        <a:latin typeface="SeoulNamsan" charset="0"/>
-                        <a:ea typeface="SeoulNamsan" charset="0"/>
+                        <a:latin typeface="서울남산체 M" panose="02020603020101020101" pitchFamily="18" charset="-127"/>
+                        <a:ea typeface="서울남산체 M" panose="02020603020101020101" pitchFamily="18" charset="-127"/>
                         <a:cs typeface="SeoulNamsan" charset="0"/>
                       </a:endParaRPr>
                     </a:p>
@@ -6477,8 +6107,8 @@
                           <a:solidFill>
                             <a:schemeClr val="bg1"/>
                           </a:solidFill>
-                          <a:latin typeface="SeoulNamsan" charset="0"/>
-                          <a:ea typeface="SeoulNamsan" charset="0"/>
+                          <a:latin typeface="서울남산체 M" panose="02020603020101020101" pitchFamily="18" charset="-127"/>
+                          <a:ea typeface="서울남산체 M" panose="02020603020101020101" pitchFamily="18" charset="-127"/>
                           <a:cs typeface="SeoulNamsan" charset="0"/>
                         </a:rPr>
                         <a:t>요구사항 명</a:t>
@@ -6487,8 +6117,8 @@
                         <a:solidFill>
                           <a:schemeClr val="bg1"/>
                         </a:solidFill>
-                        <a:latin typeface="SeoulNamsan" charset="0"/>
-                        <a:ea typeface="SeoulNamsan" charset="0"/>
+                        <a:latin typeface="서울남산체 M" panose="02020603020101020101" pitchFamily="18" charset="-127"/>
+                        <a:ea typeface="서울남산체 M" panose="02020603020101020101" pitchFamily="18" charset="-127"/>
                         <a:cs typeface="SeoulNamsan" charset="0"/>
                       </a:endParaRPr>
                     </a:p>
@@ -6532,8 +6162,8 @@
                           <a:solidFill>
                             <a:schemeClr val="bg1"/>
                           </a:solidFill>
-                          <a:latin typeface="SeoulNamsan" charset="0"/>
-                          <a:ea typeface="SeoulNamsan" charset="0"/>
+                          <a:latin typeface="서울남산체 M" panose="02020603020101020101" pitchFamily="18" charset="-127"/>
+                          <a:ea typeface="서울남산체 M" panose="02020603020101020101" pitchFamily="18" charset="-127"/>
                           <a:cs typeface="SeoulNamsan" charset="0"/>
                         </a:rPr>
                         <a:t>유형</a:t>
@@ -6542,8 +6172,8 @@
                         <a:solidFill>
                           <a:schemeClr val="bg1"/>
                         </a:solidFill>
-                        <a:latin typeface="SeoulNamsan" charset="0"/>
-                        <a:ea typeface="SeoulNamsan" charset="0"/>
+                        <a:latin typeface="서울남산체 M" panose="02020603020101020101" pitchFamily="18" charset="-127"/>
+                        <a:ea typeface="서울남산체 M" panose="02020603020101020101" pitchFamily="18" charset="-127"/>
                         <a:cs typeface="SeoulNamsan" charset="0"/>
                       </a:endParaRPr>
                     </a:p>
@@ -6587,8 +6217,8 @@
                           <a:solidFill>
                             <a:schemeClr val="bg1"/>
                           </a:solidFill>
-                          <a:latin typeface="SeoulNamsan" charset="0"/>
-                          <a:ea typeface="SeoulNamsan" charset="0"/>
+                          <a:latin typeface="서울남산체 M" panose="02020603020101020101" pitchFamily="18" charset="-127"/>
+                          <a:ea typeface="서울남산체 M" panose="02020603020101020101" pitchFamily="18" charset="-127"/>
                           <a:cs typeface="SeoulNamsan" charset="0"/>
                         </a:rPr>
                         <a:t>요구사항 설명</a:t>
@@ -6597,8 +6227,8 @@
                         <a:solidFill>
                           <a:schemeClr val="bg1"/>
                         </a:solidFill>
-                        <a:latin typeface="SeoulNamsan" charset="0"/>
-                        <a:ea typeface="SeoulNamsan" charset="0"/>
+                        <a:latin typeface="서울남산체 M" panose="02020603020101020101" pitchFamily="18" charset="-127"/>
+                        <a:ea typeface="서울남산체 M" panose="02020603020101020101" pitchFamily="18" charset="-127"/>
                         <a:cs typeface="SeoulNamsan" charset="0"/>
                       </a:endParaRPr>
                     </a:p>
@@ -6642,8 +6272,8 @@
                           <a:solidFill>
                             <a:schemeClr val="bg1"/>
                           </a:solidFill>
-                          <a:latin typeface="SeoulNamsan" charset="0"/>
-                          <a:ea typeface="SeoulNamsan" charset="0"/>
+                          <a:latin typeface="서울남산체 M" panose="02020603020101020101" pitchFamily="18" charset="-127"/>
+                          <a:ea typeface="서울남산체 M" panose="02020603020101020101" pitchFamily="18" charset="-127"/>
                           <a:cs typeface="SeoulNamsan" charset="0"/>
                         </a:rPr>
                         <a:t>제약사항</a:t>
@@ -6652,8 +6282,8 @@
                         <a:solidFill>
                           <a:schemeClr val="bg1"/>
                         </a:solidFill>
-                        <a:latin typeface="SeoulNamsan" charset="0"/>
-                        <a:ea typeface="SeoulNamsan" charset="0"/>
+                        <a:latin typeface="서울남산체 M" panose="02020603020101020101" pitchFamily="18" charset="-127"/>
+                        <a:ea typeface="서울남산체 M" panose="02020603020101020101" pitchFamily="18" charset="-127"/>
                         <a:cs typeface="SeoulNamsan" charset="0"/>
                       </a:endParaRPr>
                     </a:p>
@@ -6697,8 +6327,8 @@
                           <a:solidFill>
                             <a:schemeClr val="bg1"/>
                           </a:solidFill>
-                          <a:latin typeface="SeoulNamsan" charset="0"/>
-                          <a:ea typeface="SeoulNamsan" charset="0"/>
+                          <a:latin typeface="서울남산체 M" panose="02020603020101020101" pitchFamily="18" charset="-127"/>
+                          <a:ea typeface="서울남산체 M" panose="02020603020101020101" pitchFamily="18" charset="-127"/>
                           <a:cs typeface="SeoulNamsan" charset="0"/>
                         </a:rPr>
                         <a:t>해결방안</a:t>
@@ -6707,8 +6337,8 @@
                         <a:solidFill>
                           <a:schemeClr val="bg1"/>
                         </a:solidFill>
-                        <a:latin typeface="SeoulNamsan" charset="0"/>
-                        <a:ea typeface="SeoulNamsan" charset="0"/>
+                        <a:latin typeface="서울남산체 M" panose="02020603020101020101" pitchFamily="18" charset="-127"/>
+                        <a:ea typeface="서울남산체 M" panose="02020603020101020101" pitchFamily="18" charset="-127"/>
                         <a:cs typeface="SeoulNamsan" charset="0"/>
                       </a:endParaRPr>
                     </a:p>
@@ -6752,8 +6382,8 @@
                           <a:solidFill>
                             <a:schemeClr val="bg1"/>
                           </a:solidFill>
-                          <a:latin typeface="SeoulNamsan" charset="0"/>
-                          <a:ea typeface="SeoulNamsan" charset="0"/>
+                          <a:latin typeface="서울남산체 M" panose="02020603020101020101" pitchFamily="18" charset="-127"/>
+                          <a:ea typeface="서울남산체 M" panose="02020603020101020101" pitchFamily="18" charset="-127"/>
                           <a:cs typeface="SeoulNamsan" charset="0"/>
                         </a:rPr>
                         <a:t>중요도</a:t>
@@ -6762,8 +6392,8 @@
                         <a:solidFill>
                           <a:schemeClr val="bg1"/>
                         </a:solidFill>
-                        <a:latin typeface="SeoulNamsan" charset="0"/>
-                        <a:ea typeface="SeoulNamsan" charset="0"/>
+                        <a:latin typeface="서울남산체 M" panose="02020603020101020101" pitchFamily="18" charset="-127"/>
+                        <a:ea typeface="서울남산체 M" panose="02020603020101020101" pitchFamily="18" charset="-127"/>
                         <a:cs typeface="SeoulNamsan" charset="0"/>
                       </a:endParaRPr>
                     </a:p>
@@ -6810,7 +6440,7 @@
           <p:nvPr>
             <p:extLst>
               <p:ext uri="{D42A27DB-BD31-4B8C-83A1-F6EECF244321}">
-                <p14:modId xmlns:p14="http://schemas.microsoft.com/office/powerpoint/2010/main" val="933596911"/>
+                <p14:modId xmlns:p14="http://schemas.microsoft.com/office/powerpoint/2010/main" val="590430978"/>
               </p:ext>
             </p:extLst>
           </p:nvPr>
@@ -6840,8 +6470,8 @@
                       <a:pPr algn="l" latinLnBrk="1"/>
                       <a:r>
                         <a:rPr lang="ko-KR" altLang="en-US" sz="1400" b="1" dirty="0" smtClean="0">
-                          <a:latin typeface="SeoulNamsan" charset="0"/>
-                          <a:ea typeface="SeoulNamsan" charset="0"/>
+                          <a:latin typeface="서울남산체 M" panose="02020603020101020101" pitchFamily="18" charset="-127"/>
+                          <a:ea typeface="서울남산체 M" panose="02020603020101020101" pitchFamily="18" charset="-127"/>
                           <a:cs typeface="SeoulNamsan" charset="0"/>
                         </a:rPr>
                         <a:t>시스템</a:t>
@@ -6850,8 +6480,8 @@
                         <a:solidFill>
                           <a:schemeClr val="tx1"/>
                         </a:solidFill>
-                        <a:latin typeface="SeoulNamsan" charset="0"/>
-                        <a:ea typeface="SeoulNamsan" charset="0"/>
+                        <a:latin typeface="서울남산체 M" panose="02020603020101020101" pitchFamily="18" charset="-127"/>
+                        <a:ea typeface="서울남산체 M" panose="02020603020101020101" pitchFamily="18" charset="-127"/>
                         <a:cs typeface="SeoulNamsan" charset="0"/>
                       </a:endParaRPr>
                     </a:p>
@@ -6866,8 +6496,8 @@
                       <a:pPr algn="l" latinLnBrk="1"/>
                       <a:r>
                         <a:rPr lang="ko-KR" altLang="en-US" sz="1400" dirty="0" smtClean="0">
-                          <a:latin typeface="SeoulNamsan" charset="0"/>
-                          <a:ea typeface="SeoulNamsan" charset="0"/>
+                          <a:latin typeface="서울남산체 M" panose="02020603020101020101" pitchFamily="18" charset="-127"/>
+                          <a:ea typeface="서울남산체 M" panose="02020603020101020101" pitchFamily="18" charset="-127"/>
                           <a:cs typeface="SeoulNamsan" charset="0"/>
                         </a:rPr>
                         <a:t>채용대행서비스</a:t>
@@ -6876,8 +6506,8 @@
                         <a:solidFill>
                           <a:schemeClr val="tx1"/>
                         </a:solidFill>
-                        <a:latin typeface="SeoulNamsan" charset="0"/>
-                        <a:ea typeface="SeoulNamsan" charset="0"/>
+                        <a:latin typeface="서울남산체 M" panose="02020603020101020101" pitchFamily="18" charset="-127"/>
+                        <a:ea typeface="서울남산체 M" panose="02020603020101020101" pitchFamily="18" charset="-127"/>
                         <a:cs typeface="SeoulNamsan" charset="0"/>
                       </a:endParaRPr>
                     </a:p>
@@ -6892,8 +6522,8 @@
                       <a:pPr algn="l" latinLnBrk="1"/>
                       <a:r>
                         <a:rPr lang="ko-KR" altLang="en-US" sz="1400" b="1" dirty="0" smtClean="0">
-                          <a:latin typeface="SeoulNamsan" charset="0"/>
-                          <a:ea typeface="SeoulNamsan" charset="0"/>
+                          <a:latin typeface="서울남산체 M" panose="02020603020101020101" pitchFamily="18" charset="-127"/>
+                          <a:ea typeface="서울남산체 M" panose="02020603020101020101" pitchFamily="18" charset="-127"/>
                           <a:cs typeface="SeoulNamsan" charset="0"/>
                         </a:rPr>
                         <a:t>단위 업무</a:t>
@@ -6902,8 +6532,8 @@
                         <a:solidFill>
                           <a:schemeClr val="tx1"/>
                         </a:solidFill>
-                        <a:latin typeface="SeoulNamsan" charset="0"/>
-                        <a:ea typeface="SeoulNamsan" charset="0"/>
+                        <a:latin typeface="서울남산체 M" panose="02020603020101020101" pitchFamily="18" charset="-127"/>
+                        <a:ea typeface="서울남산체 M" panose="02020603020101020101" pitchFamily="18" charset="-127"/>
                         <a:cs typeface="SeoulNamsan" charset="0"/>
                       </a:endParaRPr>
                     </a:p>
@@ -6918,8 +6548,8 @@
                       <a:pPr algn="l" latinLnBrk="1"/>
                       <a:r>
                         <a:rPr lang="ko-KR" altLang="en-US" sz="1400" dirty="0" smtClean="0">
-                          <a:latin typeface="SeoulNamsan" charset="0"/>
-                          <a:ea typeface="SeoulNamsan" charset="0"/>
+                          <a:latin typeface="서울남산체 M" panose="02020603020101020101" pitchFamily="18" charset="-127"/>
+                          <a:ea typeface="서울남산체 M" panose="02020603020101020101" pitchFamily="18" charset="-127"/>
                           <a:cs typeface="SeoulNamsan" charset="0"/>
                         </a:rPr>
                         <a:t>개인회원 서비스</a:t>
@@ -6928,8 +6558,8 @@
                         <a:solidFill>
                           <a:schemeClr val="tx1"/>
                         </a:solidFill>
-                        <a:latin typeface="SeoulNamsan" charset="0"/>
-                        <a:ea typeface="SeoulNamsan" charset="0"/>
+                        <a:latin typeface="서울남산체 M" panose="02020603020101020101" pitchFamily="18" charset="-127"/>
+                        <a:ea typeface="서울남산체 M" panose="02020603020101020101" pitchFamily="18" charset="-127"/>
                         <a:cs typeface="SeoulNamsan" charset="0"/>
                       </a:endParaRPr>
                     </a:p>
@@ -6946,8 +6576,8 @@
                       <a:pPr algn="l" latinLnBrk="1"/>
                       <a:r>
                         <a:rPr lang="ko-KR" altLang="en-US" sz="1400" b="1" dirty="0" smtClean="0">
-                          <a:latin typeface="SeoulNamsan" charset="0"/>
-                          <a:ea typeface="SeoulNamsan" charset="0"/>
+                          <a:latin typeface="서울남산체 M" panose="02020603020101020101" pitchFamily="18" charset="-127"/>
+                          <a:ea typeface="서울남산체 M" panose="02020603020101020101" pitchFamily="18" charset="-127"/>
                           <a:cs typeface="SeoulNamsan" charset="0"/>
                         </a:rPr>
                         <a:t>작성일자</a:t>
@@ -6956,8 +6586,8 @@
                         <a:solidFill>
                           <a:schemeClr val="tx1"/>
                         </a:solidFill>
-                        <a:latin typeface="SeoulNamsan" charset="0"/>
-                        <a:ea typeface="SeoulNamsan" charset="0"/>
+                        <a:latin typeface="서울남산체 M" panose="02020603020101020101" pitchFamily="18" charset="-127"/>
+                        <a:ea typeface="서울남산체 M" panose="02020603020101020101" pitchFamily="18" charset="-127"/>
                         <a:cs typeface="SeoulNamsan" charset="0"/>
                       </a:endParaRPr>
                     </a:p>
@@ -6975,8 +6605,8 @@
                       </a:pPr>
                       <a:r>
                         <a:rPr lang="en-US" altLang="ko-KR" sz="1400" dirty="0" smtClean="0">
-                          <a:latin typeface="SeoulNamsan" charset="0"/>
-                          <a:ea typeface="SeoulNamsan" charset="0"/>
+                          <a:latin typeface="서울남산체 M" panose="02020603020101020101" pitchFamily="18" charset="-127"/>
+                          <a:ea typeface="서울남산체 M" panose="02020603020101020101" pitchFamily="18" charset="-127"/>
                           <a:cs typeface="SeoulNamsan" charset="0"/>
                         </a:rPr>
                         <a:t>2015.05.01</a:t>
@@ -6985,8 +6615,8 @@
                         <a:solidFill>
                           <a:schemeClr val="tx1"/>
                         </a:solidFill>
-                        <a:latin typeface="SeoulNamsan" charset="0"/>
-                        <a:ea typeface="SeoulNamsan" charset="0"/>
+                        <a:latin typeface="서울남산체 M" panose="02020603020101020101" pitchFamily="18" charset="-127"/>
+                        <a:ea typeface="서울남산체 M" panose="02020603020101020101" pitchFamily="18" charset="-127"/>
                         <a:cs typeface="SeoulNamsan" charset="0"/>
                       </a:endParaRPr>
                     </a:p>
@@ -7004,8 +6634,8 @@
                       </a:pPr>
                       <a:r>
                         <a:rPr lang="ko-KR" altLang="en-US" sz="1400" b="1" dirty="0" smtClean="0">
-                          <a:latin typeface="SeoulNamsan" charset="0"/>
-                          <a:ea typeface="SeoulNamsan" charset="0"/>
+                          <a:latin typeface="서울남산체 M" panose="02020603020101020101" pitchFamily="18" charset="-127"/>
+                          <a:ea typeface="서울남산체 M" panose="02020603020101020101" pitchFamily="18" charset="-127"/>
                           <a:cs typeface="SeoulNamsan" charset="0"/>
                         </a:rPr>
                         <a:t>버전</a:t>
@@ -7014,8 +6644,8 @@
                         <a:solidFill>
                           <a:schemeClr val="tx1"/>
                         </a:solidFill>
-                        <a:latin typeface="SeoulNamsan" charset="0"/>
-                        <a:ea typeface="SeoulNamsan" charset="0"/>
+                        <a:latin typeface="서울남산체 M" panose="02020603020101020101" pitchFamily="18" charset="-127"/>
+                        <a:ea typeface="서울남산체 M" panose="02020603020101020101" pitchFamily="18" charset="-127"/>
                         <a:cs typeface="SeoulNamsan" charset="0"/>
                       </a:endParaRPr>
                     </a:p>
@@ -7033,8 +6663,8 @@
                       </a:pPr>
                       <a:r>
                         <a:rPr lang="en-US" altLang="ko-KR" sz="1400" dirty="0" smtClean="0">
-                          <a:latin typeface="SeoulNamsan" charset="0"/>
-                          <a:ea typeface="SeoulNamsan" charset="0"/>
+                          <a:latin typeface="서울남산체 M" panose="02020603020101020101" pitchFamily="18" charset="-127"/>
+                          <a:ea typeface="서울남산체 M" panose="02020603020101020101" pitchFamily="18" charset="-127"/>
                           <a:cs typeface="SeoulNamsan" charset="0"/>
                         </a:rPr>
                         <a:t>1.0</a:t>
@@ -7043,8 +6673,8 @@
                         <a:solidFill>
                           <a:schemeClr val="tx1"/>
                         </a:solidFill>
-                        <a:latin typeface="SeoulNamsan" charset="0"/>
-                        <a:ea typeface="SeoulNamsan" charset="0"/>
+                        <a:latin typeface="서울남산체 M" panose="02020603020101020101" pitchFamily="18" charset="-127"/>
+                        <a:ea typeface="서울남산체 M" panose="02020603020101020101" pitchFamily="18" charset="-127"/>
                         <a:cs typeface="SeoulNamsan" charset="0"/>
                       </a:endParaRPr>
                     </a:p>
@@ -7065,7 +6695,7 @@
           <p:nvPr>
             <p:extLst>
               <p:ext uri="{D42A27DB-BD31-4B8C-83A1-F6EECF244321}">
-                <p14:modId xmlns:p14="http://schemas.microsoft.com/office/powerpoint/2010/main" val="1209379174"/>
+                <p14:modId xmlns:p14="http://schemas.microsoft.com/office/powerpoint/2010/main" val="1904695773"/>
               </p:ext>
             </p:extLst>
           </p:nvPr>
@@ -7098,8 +6728,8 @@
                       <a:pPr algn="ctr" latinLnBrk="1"/>
                       <a:r>
                         <a:rPr lang="en-US" altLang="ko-KR" sz="1400" dirty="0" smtClean="0">
-                          <a:latin typeface="SeoulNamsan" charset="0"/>
-                          <a:ea typeface="SeoulNamsan" charset="0"/>
+                          <a:latin typeface="서울남산체 M" panose="02020603020101020101" pitchFamily="18" charset="-127"/>
+                          <a:ea typeface="서울남산체 M" panose="02020603020101020101" pitchFamily="18" charset="-127"/>
                           <a:cs typeface="SeoulNamsan" charset="0"/>
                         </a:rPr>
                         <a:t>EAS-RF_01</a:t>
@@ -7109,24 +6739,24 @@
                       <a:pPr algn="ctr" latinLnBrk="1"/>
                       <a:r>
                         <a:rPr lang="en-US" altLang="ko-KR" sz="1400" dirty="0" smtClean="0">
-                          <a:latin typeface="SeoulNamsan" charset="0"/>
-                          <a:ea typeface="SeoulNamsan" charset="0"/>
+                          <a:latin typeface="서울남산체 M" panose="02020603020101020101" pitchFamily="18" charset="-127"/>
+                          <a:ea typeface="서울남산체 M" panose="02020603020101020101" pitchFamily="18" charset="-127"/>
                           <a:cs typeface="SeoulNamsan" charset="0"/>
                         </a:rPr>
                         <a:t>(</a:t>
                       </a:r>
                       <a:r>
                         <a:rPr lang="ko-KR" altLang="en-US" sz="1400" dirty="0" smtClean="0">
-                          <a:latin typeface="SeoulNamsan" charset="0"/>
-                          <a:ea typeface="SeoulNamsan" charset="0"/>
+                          <a:latin typeface="서울남산체 M" panose="02020603020101020101" pitchFamily="18" charset="-127"/>
+                          <a:ea typeface="서울남산체 M" panose="02020603020101020101" pitchFamily="18" charset="-127"/>
                           <a:cs typeface="SeoulNamsan" charset="0"/>
                         </a:rPr>
                         <a:t>시스템</a:t>
                       </a:r>
                       <a:r>
                         <a:rPr lang="en-US" altLang="ko-KR" sz="1400" dirty="0" smtClean="0">
-                          <a:latin typeface="SeoulNamsan" charset="0"/>
-                          <a:ea typeface="SeoulNamsan" charset="0"/>
+                          <a:latin typeface="서울남산체 M" panose="02020603020101020101" pitchFamily="18" charset="-127"/>
+                          <a:ea typeface="서울남산체 M" panose="02020603020101020101" pitchFamily="18" charset="-127"/>
                           <a:cs typeface="SeoulNamsan" charset="0"/>
                         </a:rPr>
                         <a:t>ID_RF_01)</a:t>
@@ -7135,8 +6765,8 @@
                         <a:solidFill>
                           <a:srgbClr val="FF0000"/>
                         </a:solidFill>
-                        <a:latin typeface="SeoulNamsan" charset="0"/>
-                        <a:ea typeface="SeoulNamsan" charset="0"/>
+                        <a:latin typeface="서울남산체 M" panose="02020603020101020101" pitchFamily="18" charset="-127"/>
+                        <a:ea typeface="서울남산체 M" panose="02020603020101020101" pitchFamily="18" charset="-127"/>
                         <a:cs typeface="SeoulNamsan" charset="0"/>
                       </a:endParaRPr>
                     </a:p>
@@ -7151,8 +6781,8 @@
                       <a:pPr algn="ctr" latinLnBrk="1"/>
                       <a:r>
                         <a:rPr lang="ko-KR" altLang="en-US" sz="1400" dirty="0" smtClean="0">
-                          <a:latin typeface="SeoulNamsan" charset="0"/>
-                          <a:ea typeface="SeoulNamsan" charset="0"/>
+                          <a:latin typeface="서울남산체 M" panose="02020603020101020101" pitchFamily="18" charset="-127"/>
+                          <a:ea typeface="서울남산체 M" panose="02020603020101020101" pitchFamily="18" charset="-127"/>
                           <a:cs typeface="SeoulNamsan" charset="0"/>
                         </a:rPr>
                         <a:t>지원이력 조회</a:t>
@@ -7161,8 +6791,8 @@
                         <a:solidFill>
                           <a:schemeClr val="tx1"/>
                         </a:solidFill>
-                        <a:latin typeface="SeoulNamsan" charset="0"/>
-                        <a:ea typeface="SeoulNamsan" charset="0"/>
+                        <a:latin typeface="서울남산체 M" panose="02020603020101020101" pitchFamily="18" charset="-127"/>
+                        <a:ea typeface="서울남산체 M" panose="02020603020101020101" pitchFamily="18" charset="-127"/>
                         <a:cs typeface="SeoulNamsan" charset="0"/>
                       </a:endParaRPr>
                     </a:p>
@@ -7177,8 +6807,8 @@
                       <a:pPr marL="142875" indent="-142875" algn="ctr" latinLnBrk="1"/>
                       <a:r>
                         <a:rPr lang="ko-KR" altLang="en-US" sz="1400" dirty="0" smtClean="0">
-                          <a:latin typeface="SeoulNamsan" charset="0"/>
-                          <a:ea typeface="SeoulNamsan" charset="0"/>
+                          <a:latin typeface="서울남산체 M" panose="02020603020101020101" pitchFamily="18" charset="-127"/>
+                          <a:ea typeface="서울남산체 M" panose="02020603020101020101" pitchFamily="18" charset="-127"/>
                           <a:cs typeface="SeoulNamsan" charset="0"/>
                         </a:rPr>
                         <a:t>기능</a:t>
@@ -7187,8 +6817,8 @@
                         <a:solidFill>
                           <a:schemeClr val="tx1"/>
                         </a:solidFill>
-                        <a:latin typeface="SeoulNamsan" charset="0"/>
-                        <a:ea typeface="SeoulNamsan" charset="0"/>
+                        <a:latin typeface="서울남산체 M" panose="02020603020101020101" pitchFamily="18" charset="-127"/>
+                        <a:ea typeface="서울남산체 M" panose="02020603020101020101" pitchFamily="18" charset="-127"/>
                         <a:cs typeface="SeoulNamsan" charset="0"/>
                       </a:endParaRPr>
                     </a:p>
@@ -7203,16 +6833,16 @@
                       <a:pPr marL="0" indent="0" algn="just" latinLnBrk="1"/>
                       <a:r>
                         <a:rPr lang="ko-KR" altLang="en-US" sz="1400" dirty="0" smtClean="0">
-                          <a:latin typeface="SeoulNamsan" charset="0"/>
-                          <a:ea typeface="SeoulNamsan" charset="0"/>
+                          <a:latin typeface="서울남산체 M" panose="02020603020101020101" pitchFamily="18" charset="-127"/>
+                          <a:ea typeface="서울남산체 M" panose="02020603020101020101" pitchFamily="18" charset="-127"/>
                           <a:cs typeface="SeoulNamsan" charset="0"/>
                         </a:rPr>
                         <a:t>개인이 입사 지원한 이력을 조회할 수 있다</a:t>
                       </a:r>
                       <a:r>
                         <a:rPr lang="en-US" altLang="ko-KR" sz="1400" dirty="0" smtClean="0">
-                          <a:latin typeface="SeoulNamsan" charset="0"/>
-                          <a:ea typeface="SeoulNamsan" charset="0"/>
+                          <a:latin typeface="서울남산체 M" panose="02020603020101020101" pitchFamily="18" charset="-127"/>
+                          <a:ea typeface="서울남산체 M" panose="02020603020101020101" pitchFamily="18" charset="-127"/>
                           <a:cs typeface="SeoulNamsan" charset="0"/>
                         </a:rPr>
                         <a:t>.</a:t>
@@ -7221,8 +6851,8 @@
                         <a:solidFill>
                           <a:schemeClr val="tx1"/>
                         </a:solidFill>
-                        <a:latin typeface="SeoulNamsan" charset="0"/>
-                        <a:ea typeface="SeoulNamsan" charset="0"/>
+                        <a:latin typeface="서울남산체 M" panose="02020603020101020101" pitchFamily="18" charset="-127"/>
+                        <a:ea typeface="서울남산체 M" panose="02020603020101020101" pitchFamily="18" charset="-127"/>
                         <a:cs typeface="SeoulNamsan" charset="0"/>
                       </a:endParaRPr>
                     </a:p>
@@ -7237,24 +6867,24 @@
                       <a:pPr marL="0" indent="0" algn="just" latinLnBrk="1"/>
                       <a:r>
                         <a:rPr lang="ko-KR" altLang="en-US" sz="1400" dirty="0" smtClean="0">
-                          <a:latin typeface="SeoulNamsan" charset="0"/>
-                          <a:ea typeface="SeoulNamsan" charset="0"/>
+                          <a:latin typeface="서울남산체 M" panose="02020603020101020101" pitchFamily="18" charset="-127"/>
+                          <a:ea typeface="서울남산체 M" panose="02020603020101020101" pitchFamily="18" charset="-127"/>
                           <a:cs typeface="SeoulNamsan" charset="0"/>
                         </a:rPr>
                         <a:t>이력조회를 위한 아이디 및 </a:t>
                       </a:r>
                       <a:r>
                         <a:rPr lang="ko-KR" altLang="en-US" sz="1400" dirty="0" err="1" smtClean="0">
-                          <a:latin typeface="SeoulNamsan" charset="0"/>
-                          <a:ea typeface="SeoulNamsan" charset="0"/>
+                          <a:latin typeface="서울남산체 M" panose="02020603020101020101" pitchFamily="18" charset="-127"/>
+                          <a:ea typeface="서울남산체 M" panose="02020603020101020101" pitchFamily="18" charset="-127"/>
                           <a:cs typeface="SeoulNamsan" charset="0"/>
                         </a:rPr>
                         <a:t>식별자</a:t>
                       </a:r>
                       <a:r>
                         <a:rPr lang="ko-KR" altLang="en-US" sz="1400" dirty="0" smtClean="0">
-                          <a:latin typeface="SeoulNamsan" charset="0"/>
-                          <a:ea typeface="SeoulNamsan" charset="0"/>
+                          <a:latin typeface="서울남산체 M" panose="02020603020101020101" pitchFamily="18" charset="-127"/>
+                          <a:ea typeface="서울남산체 M" panose="02020603020101020101" pitchFamily="18" charset="-127"/>
                           <a:cs typeface="SeoulNamsan" charset="0"/>
                         </a:rPr>
                         <a:t> 인증 선행</a:t>
@@ -7263,8 +6893,8 @@
                         <a:solidFill>
                           <a:schemeClr val="tx1"/>
                         </a:solidFill>
-                        <a:latin typeface="SeoulNamsan" charset="0"/>
-                        <a:ea typeface="SeoulNamsan" charset="0"/>
+                        <a:latin typeface="서울남산체 M" panose="02020603020101020101" pitchFamily="18" charset="-127"/>
+                        <a:ea typeface="서울남산체 M" panose="02020603020101020101" pitchFamily="18" charset="-127"/>
                         <a:cs typeface="SeoulNamsan" charset="0"/>
                       </a:endParaRPr>
                     </a:p>
@@ -7279,8 +6909,8 @@
                       <a:pPr marL="142875" indent="-142875" algn="just" latinLnBrk="1"/>
                       <a:r>
                         <a:rPr lang="ko-KR" altLang="en-US" sz="1400" dirty="0" smtClean="0">
-                          <a:latin typeface="SeoulNamsan" charset="0"/>
-                          <a:ea typeface="SeoulNamsan" charset="0"/>
+                          <a:latin typeface="서울남산체 M" panose="02020603020101020101" pitchFamily="18" charset="-127"/>
+                          <a:ea typeface="서울남산체 M" panose="02020603020101020101" pitchFamily="18" charset="-127"/>
                           <a:cs typeface="SeoulNamsan" charset="0"/>
                         </a:rPr>
                         <a:t>개인회원 가입</a:t>
@@ -7289,8 +6919,8 @@
                         <a:solidFill>
                           <a:schemeClr val="tx1"/>
                         </a:solidFill>
-                        <a:latin typeface="SeoulNamsan" charset="0"/>
-                        <a:ea typeface="SeoulNamsan" charset="0"/>
+                        <a:latin typeface="서울남산체 M" panose="02020603020101020101" pitchFamily="18" charset="-127"/>
+                        <a:ea typeface="서울남산체 M" panose="02020603020101020101" pitchFamily="18" charset="-127"/>
                         <a:cs typeface="SeoulNamsan" charset="0"/>
                       </a:endParaRPr>
                     </a:p>
@@ -7305,8 +6935,8 @@
                       <a:pPr marL="0" indent="0" algn="ctr" latinLnBrk="1"/>
                       <a:r>
                         <a:rPr lang="ko-KR" altLang="en-US" sz="1400" dirty="0" smtClean="0">
-                          <a:latin typeface="SeoulNamsan" charset="0"/>
-                          <a:ea typeface="SeoulNamsan" charset="0"/>
+                          <a:latin typeface="서울남산체 M" panose="02020603020101020101" pitchFamily="18" charset="-127"/>
+                          <a:ea typeface="서울남산체 M" panose="02020603020101020101" pitchFamily="18" charset="-127"/>
                           <a:cs typeface="SeoulNamsan" charset="0"/>
                         </a:rPr>
                         <a:t>상</a:t>
@@ -7315,8 +6945,8 @@
                         <a:solidFill>
                           <a:schemeClr val="tx1"/>
                         </a:solidFill>
-                        <a:latin typeface="SeoulNamsan" charset="0"/>
-                        <a:ea typeface="SeoulNamsan" charset="0"/>
+                        <a:latin typeface="서울남산체 M" panose="02020603020101020101" pitchFamily="18" charset="-127"/>
+                        <a:ea typeface="서울남산체 M" panose="02020603020101020101" pitchFamily="18" charset="-127"/>
                         <a:cs typeface="SeoulNamsan" charset="0"/>
                       </a:endParaRPr>
                     </a:p>
@@ -7337,7 +6967,7 @@
           <p:nvPr>
             <p:extLst>
               <p:ext uri="{D42A27DB-BD31-4B8C-83A1-F6EECF244321}">
-                <p14:modId xmlns:p14="http://schemas.microsoft.com/office/powerpoint/2010/main" val="1069117832"/>
+                <p14:modId xmlns:p14="http://schemas.microsoft.com/office/powerpoint/2010/main" val="3386647567"/>
               </p:ext>
             </p:extLst>
           </p:nvPr>
@@ -7370,8 +7000,8 @@
                       <a:pPr algn="ctr" latinLnBrk="1"/>
                       <a:r>
                         <a:rPr lang="en-US" altLang="ko-KR" sz="1400" dirty="0" smtClean="0">
-                          <a:latin typeface="SeoulNamsan" charset="0"/>
-                          <a:ea typeface="SeoulNamsan" charset="0"/>
+                          <a:latin typeface="서울남산체 M" panose="02020603020101020101" pitchFamily="18" charset="-127"/>
+                          <a:ea typeface="서울남산체 M" panose="02020603020101020101" pitchFamily="18" charset="-127"/>
                           <a:cs typeface="SeoulNamsan" charset="0"/>
                         </a:rPr>
                         <a:t>EAS-RF_01</a:t>
@@ -7381,24 +7011,24 @@
                       <a:pPr algn="ctr" latinLnBrk="1"/>
                       <a:r>
                         <a:rPr lang="en-US" altLang="ko-KR" sz="1400" dirty="0" smtClean="0">
-                          <a:latin typeface="SeoulNamsan" charset="0"/>
-                          <a:ea typeface="SeoulNamsan" charset="0"/>
+                          <a:latin typeface="서울남산체 M" panose="02020603020101020101" pitchFamily="18" charset="-127"/>
+                          <a:ea typeface="서울남산체 M" panose="02020603020101020101" pitchFamily="18" charset="-127"/>
                           <a:cs typeface="SeoulNamsan" charset="0"/>
                         </a:rPr>
                         <a:t>(</a:t>
                       </a:r>
                       <a:r>
                         <a:rPr lang="ko-KR" altLang="en-US" sz="1400" dirty="0" smtClean="0">
-                          <a:latin typeface="SeoulNamsan" charset="0"/>
-                          <a:ea typeface="SeoulNamsan" charset="0"/>
+                          <a:latin typeface="서울남산체 M" panose="02020603020101020101" pitchFamily="18" charset="-127"/>
+                          <a:ea typeface="서울남산체 M" panose="02020603020101020101" pitchFamily="18" charset="-127"/>
                           <a:cs typeface="SeoulNamsan" charset="0"/>
                         </a:rPr>
                         <a:t>시스템</a:t>
                       </a:r>
                       <a:r>
                         <a:rPr lang="en-US" altLang="ko-KR" sz="1400" dirty="0" smtClean="0">
-                          <a:latin typeface="SeoulNamsan" charset="0"/>
-                          <a:ea typeface="SeoulNamsan" charset="0"/>
+                          <a:latin typeface="서울남산체 M" panose="02020603020101020101" pitchFamily="18" charset="-127"/>
+                          <a:ea typeface="서울남산체 M" panose="02020603020101020101" pitchFamily="18" charset="-127"/>
                           <a:cs typeface="SeoulNamsan" charset="0"/>
                         </a:rPr>
                         <a:t>ID_RF_01)</a:t>
@@ -7407,8 +7037,8 @@
                         <a:solidFill>
                           <a:srgbClr val="FF0000"/>
                         </a:solidFill>
-                        <a:latin typeface="SeoulNamsan" charset="0"/>
-                        <a:ea typeface="SeoulNamsan" charset="0"/>
+                        <a:latin typeface="서울남산체 M" panose="02020603020101020101" pitchFamily="18" charset="-127"/>
+                        <a:ea typeface="서울남산체 M" panose="02020603020101020101" pitchFamily="18" charset="-127"/>
                         <a:cs typeface="SeoulNamsan" charset="0"/>
                       </a:endParaRPr>
                     </a:p>
@@ -7423,8 +7053,8 @@
                       <a:pPr algn="ctr" latinLnBrk="1"/>
                       <a:r>
                         <a:rPr lang="ko-KR" altLang="en-US" sz="1400" dirty="0" smtClean="0">
-                          <a:latin typeface="SeoulNamsan" charset="0"/>
-                          <a:ea typeface="SeoulNamsan" charset="0"/>
+                          <a:latin typeface="서울남산체 M" panose="02020603020101020101" pitchFamily="18" charset="-127"/>
+                          <a:ea typeface="서울남산체 M" panose="02020603020101020101" pitchFamily="18" charset="-127"/>
                           <a:cs typeface="SeoulNamsan" charset="0"/>
                         </a:rPr>
                         <a:t>지원이력 조회</a:t>
@@ -7433,8 +7063,8 @@
                         <a:solidFill>
                           <a:schemeClr val="tx1"/>
                         </a:solidFill>
-                        <a:latin typeface="SeoulNamsan" charset="0"/>
-                        <a:ea typeface="SeoulNamsan" charset="0"/>
+                        <a:latin typeface="서울남산체 M" panose="02020603020101020101" pitchFamily="18" charset="-127"/>
+                        <a:ea typeface="서울남산체 M" panose="02020603020101020101" pitchFamily="18" charset="-127"/>
                         <a:cs typeface="SeoulNamsan" charset="0"/>
                       </a:endParaRPr>
                     </a:p>
@@ -7449,8 +7079,8 @@
                       <a:pPr marL="142875" indent="-142875" algn="ctr" latinLnBrk="1"/>
                       <a:r>
                         <a:rPr lang="ko-KR" altLang="en-US" sz="1400" dirty="0" smtClean="0">
-                          <a:latin typeface="SeoulNamsan" charset="0"/>
-                          <a:ea typeface="SeoulNamsan" charset="0"/>
+                          <a:latin typeface="서울남산체 M" panose="02020603020101020101" pitchFamily="18" charset="-127"/>
+                          <a:ea typeface="서울남산체 M" panose="02020603020101020101" pitchFamily="18" charset="-127"/>
                           <a:cs typeface="SeoulNamsan" charset="0"/>
                         </a:rPr>
                         <a:t>기능</a:t>
@@ -7459,8 +7089,8 @@
                         <a:solidFill>
                           <a:schemeClr val="tx1"/>
                         </a:solidFill>
-                        <a:latin typeface="SeoulNamsan" charset="0"/>
-                        <a:ea typeface="SeoulNamsan" charset="0"/>
+                        <a:latin typeface="서울남산체 M" panose="02020603020101020101" pitchFamily="18" charset="-127"/>
+                        <a:ea typeface="서울남산체 M" panose="02020603020101020101" pitchFamily="18" charset="-127"/>
                         <a:cs typeface="SeoulNamsan" charset="0"/>
                       </a:endParaRPr>
                     </a:p>
@@ -7475,16 +7105,16 @@
                       <a:pPr marL="0" indent="0" algn="just" latinLnBrk="1"/>
                       <a:r>
                         <a:rPr lang="ko-KR" altLang="en-US" sz="1400" dirty="0" smtClean="0">
-                          <a:latin typeface="SeoulNamsan" charset="0"/>
-                          <a:ea typeface="SeoulNamsan" charset="0"/>
+                          <a:latin typeface="서울남산체 M" panose="02020603020101020101" pitchFamily="18" charset="-127"/>
+                          <a:ea typeface="서울남산체 M" panose="02020603020101020101" pitchFamily="18" charset="-127"/>
                           <a:cs typeface="SeoulNamsan" charset="0"/>
                         </a:rPr>
                         <a:t>개인이 입사 지원한 이력을 조회할 수 있다</a:t>
                       </a:r>
                       <a:r>
                         <a:rPr lang="en-US" altLang="ko-KR" sz="1400" dirty="0" smtClean="0">
-                          <a:latin typeface="SeoulNamsan" charset="0"/>
-                          <a:ea typeface="SeoulNamsan" charset="0"/>
+                          <a:latin typeface="서울남산체 M" panose="02020603020101020101" pitchFamily="18" charset="-127"/>
+                          <a:ea typeface="서울남산체 M" panose="02020603020101020101" pitchFamily="18" charset="-127"/>
                           <a:cs typeface="SeoulNamsan" charset="0"/>
                         </a:rPr>
                         <a:t>.</a:t>
@@ -7493,8 +7123,8 @@
                         <a:solidFill>
                           <a:schemeClr val="tx1"/>
                         </a:solidFill>
-                        <a:latin typeface="SeoulNamsan" charset="0"/>
-                        <a:ea typeface="SeoulNamsan" charset="0"/>
+                        <a:latin typeface="서울남산체 M" panose="02020603020101020101" pitchFamily="18" charset="-127"/>
+                        <a:ea typeface="서울남산체 M" panose="02020603020101020101" pitchFamily="18" charset="-127"/>
                         <a:cs typeface="SeoulNamsan" charset="0"/>
                       </a:endParaRPr>
                     </a:p>
@@ -7509,24 +7139,24 @@
                       <a:pPr marL="0" indent="0" algn="just" latinLnBrk="1"/>
                       <a:r>
                         <a:rPr lang="ko-KR" altLang="en-US" sz="1400" dirty="0" smtClean="0">
-                          <a:latin typeface="SeoulNamsan" charset="0"/>
-                          <a:ea typeface="SeoulNamsan" charset="0"/>
+                          <a:latin typeface="서울남산체 M" panose="02020603020101020101" pitchFamily="18" charset="-127"/>
+                          <a:ea typeface="서울남산체 M" panose="02020603020101020101" pitchFamily="18" charset="-127"/>
                           <a:cs typeface="SeoulNamsan" charset="0"/>
                         </a:rPr>
                         <a:t>이력조회를 위한 아이디 및 </a:t>
                       </a:r>
                       <a:r>
                         <a:rPr lang="ko-KR" altLang="en-US" sz="1400" dirty="0" err="1" smtClean="0">
-                          <a:latin typeface="SeoulNamsan" charset="0"/>
-                          <a:ea typeface="SeoulNamsan" charset="0"/>
+                          <a:latin typeface="서울남산체 M" panose="02020603020101020101" pitchFamily="18" charset="-127"/>
+                          <a:ea typeface="서울남산체 M" panose="02020603020101020101" pitchFamily="18" charset="-127"/>
                           <a:cs typeface="SeoulNamsan" charset="0"/>
                         </a:rPr>
                         <a:t>식별자</a:t>
                       </a:r>
                       <a:r>
                         <a:rPr lang="ko-KR" altLang="en-US" sz="1400" dirty="0" smtClean="0">
-                          <a:latin typeface="SeoulNamsan" charset="0"/>
-                          <a:ea typeface="SeoulNamsan" charset="0"/>
+                          <a:latin typeface="서울남산체 M" panose="02020603020101020101" pitchFamily="18" charset="-127"/>
+                          <a:ea typeface="서울남산체 M" panose="02020603020101020101" pitchFamily="18" charset="-127"/>
                           <a:cs typeface="SeoulNamsan" charset="0"/>
                         </a:rPr>
                         <a:t> 인증 선행</a:t>
@@ -7535,8 +7165,8 @@
                         <a:solidFill>
                           <a:schemeClr val="tx1"/>
                         </a:solidFill>
-                        <a:latin typeface="SeoulNamsan" charset="0"/>
-                        <a:ea typeface="SeoulNamsan" charset="0"/>
+                        <a:latin typeface="서울남산체 M" panose="02020603020101020101" pitchFamily="18" charset="-127"/>
+                        <a:ea typeface="서울남산체 M" panose="02020603020101020101" pitchFamily="18" charset="-127"/>
                         <a:cs typeface="SeoulNamsan" charset="0"/>
                       </a:endParaRPr>
                     </a:p>
@@ -7551,8 +7181,8 @@
                       <a:pPr marL="142875" indent="-142875" algn="just" latinLnBrk="1"/>
                       <a:r>
                         <a:rPr lang="ko-KR" altLang="en-US" sz="1400" dirty="0" smtClean="0">
-                          <a:latin typeface="SeoulNamsan" charset="0"/>
-                          <a:ea typeface="SeoulNamsan" charset="0"/>
+                          <a:latin typeface="서울남산체 M" panose="02020603020101020101" pitchFamily="18" charset="-127"/>
+                          <a:ea typeface="서울남산체 M" panose="02020603020101020101" pitchFamily="18" charset="-127"/>
                           <a:cs typeface="SeoulNamsan" charset="0"/>
                         </a:rPr>
                         <a:t>개인회원 가입</a:t>
@@ -7561,8 +7191,8 @@
                         <a:solidFill>
                           <a:schemeClr val="tx1"/>
                         </a:solidFill>
-                        <a:latin typeface="SeoulNamsan" charset="0"/>
-                        <a:ea typeface="SeoulNamsan" charset="0"/>
+                        <a:latin typeface="서울남산체 M" panose="02020603020101020101" pitchFamily="18" charset="-127"/>
+                        <a:ea typeface="서울남산체 M" panose="02020603020101020101" pitchFamily="18" charset="-127"/>
                         <a:cs typeface="SeoulNamsan" charset="0"/>
                       </a:endParaRPr>
                     </a:p>
@@ -7577,8 +7207,8 @@
                       <a:pPr marL="0" indent="0" algn="ctr" latinLnBrk="1"/>
                       <a:r>
                         <a:rPr lang="ko-KR" altLang="en-US" sz="1400" dirty="0" smtClean="0">
-                          <a:latin typeface="SeoulNamsan" charset="0"/>
-                          <a:ea typeface="SeoulNamsan" charset="0"/>
+                          <a:latin typeface="서울남산체 M" panose="02020603020101020101" pitchFamily="18" charset="-127"/>
+                          <a:ea typeface="서울남산체 M" panose="02020603020101020101" pitchFamily="18" charset="-127"/>
                           <a:cs typeface="SeoulNamsan" charset="0"/>
                         </a:rPr>
                         <a:t>상</a:t>
@@ -7587,8 +7217,8 @@
                         <a:solidFill>
                           <a:schemeClr val="tx1"/>
                         </a:solidFill>
-                        <a:latin typeface="SeoulNamsan" charset="0"/>
-                        <a:ea typeface="SeoulNamsan" charset="0"/>
+                        <a:latin typeface="서울남산체 M" panose="02020603020101020101" pitchFamily="18" charset="-127"/>
+                        <a:ea typeface="서울남산체 M" panose="02020603020101020101" pitchFamily="18" charset="-127"/>
                         <a:cs typeface="SeoulNamsan" charset="0"/>
                       </a:endParaRPr>
                     </a:p>
@@ -7609,7 +7239,7 @@
           <p:nvPr>
             <p:extLst>
               <p:ext uri="{D42A27DB-BD31-4B8C-83A1-F6EECF244321}">
-                <p14:modId xmlns:p14="http://schemas.microsoft.com/office/powerpoint/2010/main" val="1608959295"/>
+                <p14:modId xmlns:p14="http://schemas.microsoft.com/office/powerpoint/2010/main" val="2878887914"/>
               </p:ext>
             </p:extLst>
           </p:nvPr>
@@ -7642,8 +7272,8 @@
                       <a:pPr algn="ctr" latinLnBrk="1"/>
                       <a:r>
                         <a:rPr lang="en-US" altLang="ko-KR" sz="1400" dirty="0" smtClean="0">
-                          <a:latin typeface="SeoulNamsan" charset="0"/>
-                          <a:ea typeface="SeoulNamsan" charset="0"/>
+                          <a:latin typeface="서울남산체 M" panose="02020603020101020101" pitchFamily="18" charset="-127"/>
+                          <a:ea typeface="서울남산체 M" panose="02020603020101020101" pitchFamily="18" charset="-127"/>
                           <a:cs typeface="SeoulNamsan" charset="0"/>
                         </a:rPr>
                         <a:t>EAS-RF_01</a:t>
@@ -7653,24 +7283,24 @@
                       <a:pPr algn="ctr" latinLnBrk="1"/>
                       <a:r>
                         <a:rPr lang="en-US" altLang="ko-KR" sz="1400" dirty="0" smtClean="0">
-                          <a:latin typeface="SeoulNamsan" charset="0"/>
-                          <a:ea typeface="SeoulNamsan" charset="0"/>
+                          <a:latin typeface="서울남산체 M" panose="02020603020101020101" pitchFamily="18" charset="-127"/>
+                          <a:ea typeface="서울남산체 M" panose="02020603020101020101" pitchFamily="18" charset="-127"/>
                           <a:cs typeface="SeoulNamsan" charset="0"/>
                         </a:rPr>
                         <a:t>(</a:t>
                       </a:r>
                       <a:r>
                         <a:rPr lang="ko-KR" altLang="en-US" sz="1400" dirty="0" smtClean="0">
-                          <a:latin typeface="SeoulNamsan" charset="0"/>
-                          <a:ea typeface="SeoulNamsan" charset="0"/>
+                          <a:latin typeface="서울남산체 M" panose="02020603020101020101" pitchFamily="18" charset="-127"/>
+                          <a:ea typeface="서울남산체 M" panose="02020603020101020101" pitchFamily="18" charset="-127"/>
                           <a:cs typeface="SeoulNamsan" charset="0"/>
                         </a:rPr>
                         <a:t>시스템</a:t>
                       </a:r>
                       <a:r>
                         <a:rPr lang="en-US" altLang="ko-KR" sz="1400" dirty="0" smtClean="0">
-                          <a:latin typeface="SeoulNamsan" charset="0"/>
-                          <a:ea typeface="SeoulNamsan" charset="0"/>
+                          <a:latin typeface="서울남산체 M" panose="02020603020101020101" pitchFamily="18" charset="-127"/>
+                          <a:ea typeface="서울남산체 M" panose="02020603020101020101" pitchFamily="18" charset="-127"/>
                           <a:cs typeface="SeoulNamsan" charset="0"/>
                         </a:rPr>
                         <a:t>ID_RF_01)</a:t>
@@ -7679,8 +7309,8 @@
                         <a:solidFill>
                           <a:srgbClr val="FF0000"/>
                         </a:solidFill>
-                        <a:latin typeface="SeoulNamsan" charset="0"/>
-                        <a:ea typeface="SeoulNamsan" charset="0"/>
+                        <a:latin typeface="서울남산체 M" panose="02020603020101020101" pitchFamily="18" charset="-127"/>
+                        <a:ea typeface="서울남산체 M" panose="02020603020101020101" pitchFamily="18" charset="-127"/>
                         <a:cs typeface="SeoulNamsan" charset="0"/>
                       </a:endParaRPr>
                     </a:p>
@@ -7695,8 +7325,8 @@
                       <a:pPr algn="ctr" latinLnBrk="1"/>
                       <a:r>
                         <a:rPr lang="ko-KR" altLang="en-US" sz="1400" dirty="0" smtClean="0">
-                          <a:latin typeface="SeoulNamsan" charset="0"/>
-                          <a:ea typeface="SeoulNamsan" charset="0"/>
+                          <a:latin typeface="서울남산체 M" panose="02020603020101020101" pitchFamily="18" charset="-127"/>
+                          <a:ea typeface="서울남산체 M" panose="02020603020101020101" pitchFamily="18" charset="-127"/>
                           <a:cs typeface="SeoulNamsan" charset="0"/>
                         </a:rPr>
                         <a:t>지원이력 조회</a:t>
@@ -7705,8 +7335,8 @@
                         <a:solidFill>
                           <a:schemeClr val="tx1"/>
                         </a:solidFill>
-                        <a:latin typeface="SeoulNamsan" charset="0"/>
-                        <a:ea typeface="SeoulNamsan" charset="0"/>
+                        <a:latin typeface="서울남산체 M" panose="02020603020101020101" pitchFamily="18" charset="-127"/>
+                        <a:ea typeface="서울남산체 M" panose="02020603020101020101" pitchFamily="18" charset="-127"/>
                         <a:cs typeface="SeoulNamsan" charset="0"/>
                       </a:endParaRPr>
                     </a:p>
@@ -7721,8 +7351,8 @@
                       <a:pPr marL="142875" indent="-142875" algn="ctr" latinLnBrk="1"/>
                       <a:r>
                         <a:rPr lang="ko-KR" altLang="en-US" sz="1400" dirty="0" smtClean="0">
-                          <a:latin typeface="SeoulNamsan" charset="0"/>
-                          <a:ea typeface="SeoulNamsan" charset="0"/>
+                          <a:latin typeface="서울남산체 M" panose="02020603020101020101" pitchFamily="18" charset="-127"/>
+                          <a:ea typeface="서울남산체 M" panose="02020603020101020101" pitchFamily="18" charset="-127"/>
                           <a:cs typeface="SeoulNamsan" charset="0"/>
                         </a:rPr>
                         <a:t>기능</a:t>
@@ -7731,8 +7361,8 @@
                         <a:solidFill>
                           <a:schemeClr val="tx1"/>
                         </a:solidFill>
-                        <a:latin typeface="SeoulNamsan" charset="0"/>
-                        <a:ea typeface="SeoulNamsan" charset="0"/>
+                        <a:latin typeface="서울남산체 M" panose="02020603020101020101" pitchFamily="18" charset="-127"/>
+                        <a:ea typeface="서울남산체 M" panose="02020603020101020101" pitchFamily="18" charset="-127"/>
                         <a:cs typeface="SeoulNamsan" charset="0"/>
                       </a:endParaRPr>
                     </a:p>
@@ -7747,16 +7377,16 @@
                       <a:pPr marL="0" indent="0" algn="just" latinLnBrk="1"/>
                       <a:r>
                         <a:rPr lang="ko-KR" altLang="en-US" sz="1400" dirty="0" smtClean="0">
-                          <a:latin typeface="SeoulNamsan" charset="0"/>
-                          <a:ea typeface="SeoulNamsan" charset="0"/>
+                          <a:latin typeface="서울남산체 M" panose="02020603020101020101" pitchFamily="18" charset="-127"/>
+                          <a:ea typeface="서울남산체 M" panose="02020603020101020101" pitchFamily="18" charset="-127"/>
                           <a:cs typeface="SeoulNamsan" charset="0"/>
                         </a:rPr>
                         <a:t>개인이 입사 지원한 이력을 조회할 수 있다</a:t>
                       </a:r>
                       <a:r>
                         <a:rPr lang="en-US" altLang="ko-KR" sz="1400" dirty="0" smtClean="0">
-                          <a:latin typeface="SeoulNamsan" charset="0"/>
-                          <a:ea typeface="SeoulNamsan" charset="0"/>
+                          <a:latin typeface="서울남산체 M" panose="02020603020101020101" pitchFamily="18" charset="-127"/>
+                          <a:ea typeface="서울남산체 M" panose="02020603020101020101" pitchFamily="18" charset="-127"/>
                           <a:cs typeface="SeoulNamsan" charset="0"/>
                         </a:rPr>
                         <a:t>.</a:t>
@@ -7765,8 +7395,8 @@
                         <a:solidFill>
                           <a:schemeClr val="tx1"/>
                         </a:solidFill>
-                        <a:latin typeface="SeoulNamsan" charset="0"/>
-                        <a:ea typeface="SeoulNamsan" charset="0"/>
+                        <a:latin typeface="서울남산체 M" panose="02020603020101020101" pitchFamily="18" charset="-127"/>
+                        <a:ea typeface="서울남산체 M" panose="02020603020101020101" pitchFamily="18" charset="-127"/>
                         <a:cs typeface="SeoulNamsan" charset="0"/>
                       </a:endParaRPr>
                     </a:p>
@@ -7781,24 +7411,24 @@
                       <a:pPr marL="0" indent="0" algn="just" latinLnBrk="1"/>
                       <a:r>
                         <a:rPr lang="ko-KR" altLang="en-US" sz="1400" dirty="0" smtClean="0">
-                          <a:latin typeface="SeoulNamsan" charset="0"/>
-                          <a:ea typeface="SeoulNamsan" charset="0"/>
+                          <a:latin typeface="서울남산체 M" panose="02020603020101020101" pitchFamily="18" charset="-127"/>
+                          <a:ea typeface="서울남산체 M" panose="02020603020101020101" pitchFamily="18" charset="-127"/>
                           <a:cs typeface="SeoulNamsan" charset="0"/>
                         </a:rPr>
                         <a:t>이력조회를 위한 아이디 및 </a:t>
                       </a:r>
                       <a:r>
                         <a:rPr lang="ko-KR" altLang="en-US" sz="1400" dirty="0" err="1" smtClean="0">
-                          <a:latin typeface="SeoulNamsan" charset="0"/>
-                          <a:ea typeface="SeoulNamsan" charset="0"/>
+                          <a:latin typeface="서울남산체 M" panose="02020603020101020101" pitchFamily="18" charset="-127"/>
+                          <a:ea typeface="서울남산체 M" panose="02020603020101020101" pitchFamily="18" charset="-127"/>
                           <a:cs typeface="SeoulNamsan" charset="0"/>
                         </a:rPr>
                         <a:t>식별자</a:t>
                       </a:r>
                       <a:r>
                         <a:rPr lang="ko-KR" altLang="en-US" sz="1400" dirty="0" smtClean="0">
-                          <a:latin typeface="SeoulNamsan" charset="0"/>
-                          <a:ea typeface="SeoulNamsan" charset="0"/>
+                          <a:latin typeface="서울남산체 M" panose="02020603020101020101" pitchFamily="18" charset="-127"/>
+                          <a:ea typeface="서울남산체 M" panose="02020603020101020101" pitchFamily="18" charset="-127"/>
                           <a:cs typeface="SeoulNamsan" charset="0"/>
                         </a:rPr>
                         <a:t> 인증 선행</a:t>
@@ -7807,8 +7437,8 @@
                         <a:solidFill>
                           <a:schemeClr val="tx1"/>
                         </a:solidFill>
-                        <a:latin typeface="SeoulNamsan" charset="0"/>
-                        <a:ea typeface="SeoulNamsan" charset="0"/>
+                        <a:latin typeface="서울남산체 M" panose="02020603020101020101" pitchFamily="18" charset="-127"/>
+                        <a:ea typeface="서울남산체 M" panose="02020603020101020101" pitchFamily="18" charset="-127"/>
                         <a:cs typeface="SeoulNamsan" charset="0"/>
                       </a:endParaRPr>
                     </a:p>
@@ -7823,8 +7453,8 @@
                       <a:pPr marL="142875" indent="-142875" algn="just" latinLnBrk="1"/>
                       <a:r>
                         <a:rPr lang="ko-KR" altLang="en-US" sz="1400" dirty="0" smtClean="0">
-                          <a:latin typeface="SeoulNamsan" charset="0"/>
-                          <a:ea typeface="SeoulNamsan" charset="0"/>
+                          <a:latin typeface="서울남산체 M" panose="02020603020101020101" pitchFamily="18" charset="-127"/>
+                          <a:ea typeface="서울남산체 M" panose="02020603020101020101" pitchFamily="18" charset="-127"/>
                           <a:cs typeface="SeoulNamsan" charset="0"/>
                         </a:rPr>
                         <a:t>개인회원 가입</a:t>
@@ -7833,8 +7463,8 @@
                         <a:solidFill>
                           <a:schemeClr val="tx1"/>
                         </a:solidFill>
-                        <a:latin typeface="SeoulNamsan" charset="0"/>
-                        <a:ea typeface="SeoulNamsan" charset="0"/>
+                        <a:latin typeface="서울남산체 M" panose="02020603020101020101" pitchFamily="18" charset="-127"/>
+                        <a:ea typeface="서울남산체 M" panose="02020603020101020101" pitchFamily="18" charset="-127"/>
                         <a:cs typeface="SeoulNamsan" charset="0"/>
                       </a:endParaRPr>
                     </a:p>
@@ -7849,8 +7479,8 @@
                       <a:pPr marL="0" indent="0" algn="ctr" latinLnBrk="1"/>
                       <a:r>
                         <a:rPr lang="ko-KR" altLang="en-US" sz="1400" dirty="0" smtClean="0">
-                          <a:latin typeface="SeoulNamsan" charset="0"/>
-                          <a:ea typeface="SeoulNamsan" charset="0"/>
+                          <a:latin typeface="서울남산체 M" panose="02020603020101020101" pitchFamily="18" charset="-127"/>
+                          <a:ea typeface="서울남산체 M" panose="02020603020101020101" pitchFamily="18" charset="-127"/>
                           <a:cs typeface="SeoulNamsan" charset="0"/>
                         </a:rPr>
                         <a:t>상</a:t>
@@ -7859,8 +7489,8 @@
                         <a:solidFill>
                           <a:schemeClr val="tx1"/>
                         </a:solidFill>
-                        <a:latin typeface="SeoulNamsan" charset="0"/>
-                        <a:ea typeface="SeoulNamsan" charset="0"/>
+                        <a:latin typeface="서울남산체 M" panose="02020603020101020101" pitchFamily="18" charset="-127"/>
+                        <a:ea typeface="서울남산체 M" panose="02020603020101020101" pitchFamily="18" charset="-127"/>
                         <a:cs typeface="SeoulNamsan" charset="0"/>
                       </a:endParaRPr>
                     </a:p>
@@ -7881,7 +7511,7 @@
           <p:nvPr>
             <p:extLst>
               <p:ext uri="{D42A27DB-BD31-4B8C-83A1-F6EECF244321}">
-                <p14:modId xmlns:p14="http://schemas.microsoft.com/office/powerpoint/2010/main" val="1281944976"/>
+                <p14:modId xmlns:p14="http://schemas.microsoft.com/office/powerpoint/2010/main" val="3191697052"/>
               </p:ext>
             </p:extLst>
           </p:nvPr>
@@ -7914,8 +7544,8 @@
                       <a:pPr algn="ctr" latinLnBrk="1"/>
                       <a:r>
                         <a:rPr lang="en-US" altLang="ko-KR" sz="1400" dirty="0" smtClean="0">
-                          <a:latin typeface="SeoulNamsan" charset="0"/>
-                          <a:ea typeface="SeoulNamsan" charset="0"/>
+                          <a:latin typeface="서울남산체 M" panose="02020603020101020101" pitchFamily="18" charset="-127"/>
+                          <a:ea typeface="서울남산체 M" panose="02020603020101020101" pitchFamily="18" charset="-127"/>
                           <a:cs typeface="SeoulNamsan" charset="0"/>
                         </a:rPr>
                         <a:t>EAS-RF_01</a:t>
@@ -7925,24 +7555,24 @@
                       <a:pPr algn="ctr" latinLnBrk="1"/>
                       <a:r>
                         <a:rPr lang="en-US" altLang="ko-KR" sz="1400" dirty="0" smtClean="0">
-                          <a:latin typeface="SeoulNamsan" charset="0"/>
-                          <a:ea typeface="SeoulNamsan" charset="0"/>
+                          <a:latin typeface="서울남산체 M" panose="02020603020101020101" pitchFamily="18" charset="-127"/>
+                          <a:ea typeface="서울남산체 M" panose="02020603020101020101" pitchFamily="18" charset="-127"/>
                           <a:cs typeface="SeoulNamsan" charset="0"/>
                         </a:rPr>
                         <a:t>(</a:t>
                       </a:r>
                       <a:r>
                         <a:rPr lang="ko-KR" altLang="en-US" sz="1400" dirty="0" smtClean="0">
-                          <a:latin typeface="SeoulNamsan" charset="0"/>
-                          <a:ea typeface="SeoulNamsan" charset="0"/>
+                          <a:latin typeface="서울남산체 M" panose="02020603020101020101" pitchFamily="18" charset="-127"/>
+                          <a:ea typeface="서울남산체 M" panose="02020603020101020101" pitchFamily="18" charset="-127"/>
                           <a:cs typeface="SeoulNamsan" charset="0"/>
                         </a:rPr>
                         <a:t>시스템</a:t>
                       </a:r>
                       <a:r>
                         <a:rPr lang="en-US" altLang="ko-KR" sz="1400" dirty="0" smtClean="0">
-                          <a:latin typeface="SeoulNamsan" charset="0"/>
-                          <a:ea typeface="SeoulNamsan" charset="0"/>
+                          <a:latin typeface="서울남산체 M" panose="02020603020101020101" pitchFamily="18" charset="-127"/>
+                          <a:ea typeface="서울남산체 M" panose="02020603020101020101" pitchFamily="18" charset="-127"/>
                           <a:cs typeface="SeoulNamsan" charset="0"/>
                         </a:rPr>
                         <a:t>ID_RF_01)</a:t>
@@ -7951,8 +7581,8 @@
                         <a:solidFill>
                           <a:srgbClr val="FF0000"/>
                         </a:solidFill>
-                        <a:latin typeface="SeoulNamsan" charset="0"/>
-                        <a:ea typeface="SeoulNamsan" charset="0"/>
+                        <a:latin typeface="서울남산체 M" panose="02020603020101020101" pitchFamily="18" charset="-127"/>
+                        <a:ea typeface="서울남산체 M" panose="02020603020101020101" pitchFamily="18" charset="-127"/>
                         <a:cs typeface="SeoulNamsan" charset="0"/>
                       </a:endParaRPr>
                     </a:p>
@@ -7967,8 +7597,8 @@
                       <a:pPr algn="ctr" latinLnBrk="1"/>
                       <a:r>
                         <a:rPr lang="ko-KR" altLang="en-US" sz="1400" dirty="0" smtClean="0">
-                          <a:latin typeface="SeoulNamsan" charset="0"/>
-                          <a:ea typeface="SeoulNamsan" charset="0"/>
+                          <a:latin typeface="서울남산체 M" panose="02020603020101020101" pitchFamily="18" charset="-127"/>
+                          <a:ea typeface="서울남산체 M" panose="02020603020101020101" pitchFamily="18" charset="-127"/>
                           <a:cs typeface="SeoulNamsan" charset="0"/>
                         </a:rPr>
                         <a:t>지원이력 조회</a:t>
@@ -7977,8 +7607,8 @@
                         <a:solidFill>
                           <a:schemeClr val="tx1"/>
                         </a:solidFill>
-                        <a:latin typeface="SeoulNamsan" charset="0"/>
-                        <a:ea typeface="SeoulNamsan" charset="0"/>
+                        <a:latin typeface="서울남산체 M" panose="02020603020101020101" pitchFamily="18" charset="-127"/>
+                        <a:ea typeface="서울남산체 M" panose="02020603020101020101" pitchFamily="18" charset="-127"/>
                         <a:cs typeface="SeoulNamsan" charset="0"/>
                       </a:endParaRPr>
                     </a:p>
@@ -7993,8 +7623,8 @@
                       <a:pPr marL="142875" indent="-142875" algn="ctr" latinLnBrk="1"/>
                       <a:r>
                         <a:rPr lang="ko-KR" altLang="en-US" sz="1400" dirty="0" smtClean="0">
-                          <a:latin typeface="SeoulNamsan" charset="0"/>
-                          <a:ea typeface="SeoulNamsan" charset="0"/>
+                          <a:latin typeface="서울남산체 M" panose="02020603020101020101" pitchFamily="18" charset="-127"/>
+                          <a:ea typeface="서울남산체 M" panose="02020603020101020101" pitchFamily="18" charset="-127"/>
                           <a:cs typeface="SeoulNamsan" charset="0"/>
                         </a:rPr>
                         <a:t>기능</a:t>
@@ -8003,8 +7633,8 @@
                         <a:solidFill>
                           <a:schemeClr val="tx1"/>
                         </a:solidFill>
-                        <a:latin typeface="SeoulNamsan" charset="0"/>
-                        <a:ea typeface="SeoulNamsan" charset="0"/>
+                        <a:latin typeface="서울남산체 M" panose="02020603020101020101" pitchFamily="18" charset="-127"/>
+                        <a:ea typeface="서울남산체 M" panose="02020603020101020101" pitchFamily="18" charset="-127"/>
                         <a:cs typeface="SeoulNamsan" charset="0"/>
                       </a:endParaRPr>
                     </a:p>
@@ -8019,16 +7649,16 @@
                       <a:pPr marL="0" indent="0" algn="just" latinLnBrk="1"/>
                       <a:r>
                         <a:rPr lang="ko-KR" altLang="en-US" sz="1400" dirty="0" smtClean="0">
-                          <a:latin typeface="SeoulNamsan" charset="0"/>
-                          <a:ea typeface="SeoulNamsan" charset="0"/>
+                          <a:latin typeface="서울남산체 M" panose="02020603020101020101" pitchFamily="18" charset="-127"/>
+                          <a:ea typeface="서울남산체 M" panose="02020603020101020101" pitchFamily="18" charset="-127"/>
                           <a:cs typeface="SeoulNamsan" charset="0"/>
                         </a:rPr>
                         <a:t>개인이 입사 지원한 이력을 조회할 수 있다</a:t>
                       </a:r>
                       <a:r>
                         <a:rPr lang="en-US" altLang="ko-KR" sz="1400" dirty="0" smtClean="0">
-                          <a:latin typeface="SeoulNamsan" charset="0"/>
-                          <a:ea typeface="SeoulNamsan" charset="0"/>
+                          <a:latin typeface="서울남산체 M" panose="02020603020101020101" pitchFamily="18" charset="-127"/>
+                          <a:ea typeface="서울남산체 M" panose="02020603020101020101" pitchFamily="18" charset="-127"/>
                           <a:cs typeface="SeoulNamsan" charset="0"/>
                         </a:rPr>
                         <a:t>.</a:t>
@@ -8037,8 +7667,8 @@
                         <a:solidFill>
                           <a:schemeClr val="tx1"/>
                         </a:solidFill>
-                        <a:latin typeface="SeoulNamsan" charset="0"/>
-                        <a:ea typeface="SeoulNamsan" charset="0"/>
+                        <a:latin typeface="서울남산체 M" panose="02020603020101020101" pitchFamily="18" charset="-127"/>
+                        <a:ea typeface="서울남산체 M" panose="02020603020101020101" pitchFamily="18" charset="-127"/>
                         <a:cs typeface="SeoulNamsan" charset="0"/>
                       </a:endParaRPr>
                     </a:p>
@@ -8053,24 +7683,24 @@
                       <a:pPr marL="0" indent="0" algn="just" latinLnBrk="1"/>
                       <a:r>
                         <a:rPr lang="ko-KR" altLang="en-US" sz="1400" dirty="0" smtClean="0">
-                          <a:latin typeface="SeoulNamsan" charset="0"/>
-                          <a:ea typeface="SeoulNamsan" charset="0"/>
+                          <a:latin typeface="서울남산체 M" panose="02020603020101020101" pitchFamily="18" charset="-127"/>
+                          <a:ea typeface="서울남산체 M" panose="02020603020101020101" pitchFamily="18" charset="-127"/>
                           <a:cs typeface="SeoulNamsan" charset="0"/>
                         </a:rPr>
                         <a:t>이력조회를 위한 아이디 및 </a:t>
                       </a:r>
                       <a:r>
                         <a:rPr lang="ko-KR" altLang="en-US" sz="1400" dirty="0" err="1" smtClean="0">
-                          <a:latin typeface="SeoulNamsan" charset="0"/>
-                          <a:ea typeface="SeoulNamsan" charset="0"/>
+                          <a:latin typeface="서울남산체 M" panose="02020603020101020101" pitchFamily="18" charset="-127"/>
+                          <a:ea typeface="서울남산체 M" panose="02020603020101020101" pitchFamily="18" charset="-127"/>
                           <a:cs typeface="SeoulNamsan" charset="0"/>
                         </a:rPr>
                         <a:t>식별자</a:t>
                       </a:r>
                       <a:r>
                         <a:rPr lang="ko-KR" altLang="en-US" sz="1400" dirty="0" smtClean="0">
-                          <a:latin typeface="SeoulNamsan" charset="0"/>
-                          <a:ea typeface="SeoulNamsan" charset="0"/>
+                          <a:latin typeface="서울남산체 M" panose="02020603020101020101" pitchFamily="18" charset="-127"/>
+                          <a:ea typeface="서울남산체 M" panose="02020603020101020101" pitchFamily="18" charset="-127"/>
                           <a:cs typeface="SeoulNamsan" charset="0"/>
                         </a:rPr>
                         <a:t> 인증 선행</a:t>
@@ -8079,8 +7709,8 @@
                         <a:solidFill>
                           <a:schemeClr val="tx1"/>
                         </a:solidFill>
-                        <a:latin typeface="SeoulNamsan" charset="0"/>
-                        <a:ea typeface="SeoulNamsan" charset="0"/>
+                        <a:latin typeface="서울남산체 M" panose="02020603020101020101" pitchFamily="18" charset="-127"/>
+                        <a:ea typeface="서울남산체 M" panose="02020603020101020101" pitchFamily="18" charset="-127"/>
                         <a:cs typeface="SeoulNamsan" charset="0"/>
                       </a:endParaRPr>
                     </a:p>
@@ -8095,8 +7725,8 @@
                       <a:pPr marL="142875" indent="-142875" algn="just" latinLnBrk="1"/>
                       <a:r>
                         <a:rPr lang="ko-KR" altLang="en-US" sz="1400" dirty="0" smtClean="0">
-                          <a:latin typeface="SeoulNamsan" charset="0"/>
-                          <a:ea typeface="SeoulNamsan" charset="0"/>
+                          <a:latin typeface="서울남산체 M" panose="02020603020101020101" pitchFamily="18" charset="-127"/>
+                          <a:ea typeface="서울남산체 M" panose="02020603020101020101" pitchFamily="18" charset="-127"/>
                           <a:cs typeface="SeoulNamsan" charset="0"/>
                         </a:rPr>
                         <a:t>개인회원 가입</a:t>
@@ -8105,8 +7735,8 @@
                         <a:solidFill>
                           <a:schemeClr val="tx1"/>
                         </a:solidFill>
-                        <a:latin typeface="SeoulNamsan" charset="0"/>
-                        <a:ea typeface="SeoulNamsan" charset="0"/>
+                        <a:latin typeface="서울남산체 M" panose="02020603020101020101" pitchFamily="18" charset="-127"/>
+                        <a:ea typeface="서울남산체 M" panose="02020603020101020101" pitchFamily="18" charset="-127"/>
                         <a:cs typeface="SeoulNamsan" charset="0"/>
                       </a:endParaRPr>
                     </a:p>
@@ -8121,8 +7751,8 @@
                       <a:pPr marL="0" indent="0" algn="ctr" latinLnBrk="1"/>
                       <a:r>
                         <a:rPr lang="ko-KR" altLang="en-US" sz="1400" dirty="0" smtClean="0">
-                          <a:latin typeface="SeoulNamsan" charset="0"/>
-                          <a:ea typeface="SeoulNamsan" charset="0"/>
+                          <a:latin typeface="서울남산체 M" panose="02020603020101020101" pitchFamily="18" charset="-127"/>
+                          <a:ea typeface="서울남산체 M" panose="02020603020101020101" pitchFamily="18" charset="-127"/>
                           <a:cs typeface="SeoulNamsan" charset="0"/>
                         </a:rPr>
                         <a:t>상</a:t>
@@ -8131,8 +7761,8 @@
                         <a:solidFill>
                           <a:schemeClr val="tx1"/>
                         </a:solidFill>
-                        <a:latin typeface="SeoulNamsan" charset="0"/>
-                        <a:ea typeface="SeoulNamsan" charset="0"/>
+                        <a:latin typeface="서울남산체 M" panose="02020603020101020101" pitchFamily="18" charset="-127"/>
+                        <a:ea typeface="서울남산체 M" panose="02020603020101020101" pitchFamily="18" charset="-127"/>
                         <a:cs typeface="SeoulNamsan" charset="0"/>
                       </a:endParaRPr>
                     </a:p>
@@ -8147,7 +7777,7 @@
     </p:spTree>
     <p:extLst>
       <p:ext uri="{BB962C8B-B14F-4D97-AF65-F5344CB8AC3E}">
-        <p14:creationId xmlns:p14="http://schemas.microsoft.com/office/powerpoint/2010/main" val="2078107280"/>
+        <p14:creationId xmlns:p14="http://schemas.microsoft.com/office/powerpoint/2010/main" val="2092720083"/>
       </p:ext>
     </p:extLst>
   </p:cSld>
@@ -8221,10 +7851,15 @@
             <p:ph idx="10"/>
           </p:nvPr>
         </p:nvSpPr>
-        <p:spPr/>
+        <p:spPr>
+          <a:xfrm>
+            <a:off x="5927834" y="520262"/>
+            <a:ext cx="5454870" cy="331073"/>
+          </a:xfrm>
+        </p:spPr>
         <p:txBody>
           <a:bodyPr>
-            <a:normAutofit fontScale="85000" lnSpcReduction="20000"/>
+            <a:normAutofit fontScale="85000" lnSpcReduction="10000"/>
           </a:bodyPr>
           <a:lstStyle/>
           <a:p>
@@ -8240,7 +7875,7 @@
                   </a:schemeClr>
                 </a:solidFill>
               </a:rPr>
-              <a:t>요구사항 정의서 </a:t>
+              <a:t>요구사항 명세서 </a:t>
             </a:r>
             <a:r>
               <a:rPr lang="en-US" altLang="ko-KR" spc="0">
@@ -8251,7 +7886,7 @@
                   </a:schemeClr>
                 </a:solidFill>
               </a:rPr>
-              <a:t>–</a:t>
+              <a:t>-</a:t>
             </a:r>
             <a:r>
               <a:rPr lang="ko-KR" altLang="en-US" spc="0">
@@ -8262,1774 +7897,107 @@
                   </a:schemeClr>
                 </a:solidFill>
               </a:rPr>
-              <a:t> 요구사항 목록</a:t>
-            </a:r>
+              <a:t> 유스케이스 모델</a:t>
+            </a:r>
+            <a:r>
+              <a:rPr lang="en-US" altLang="ko-KR" spc="0">
+                <a:solidFill>
+                  <a:schemeClr val="tx1">
+                    <a:lumMod val="65000"/>
+                    <a:lumOff val="35000"/>
+                  </a:schemeClr>
+                </a:solidFill>
+              </a:rPr>
+              <a:t>(</a:t>
+            </a:r>
+            <a:r>
+              <a:rPr lang="ko-KR" altLang="en-US" spc="0">
+                <a:solidFill>
+                  <a:schemeClr val="tx1">
+                    <a:lumMod val="65000"/>
+                    <a:lumOff val="35000"/>
+                  </a:schemeClr>
+                </a:solidFill>
+              </a:rPr>
+              <a:t>유스케이스다이어그램</a:t>
+            </a:r>
+            <a:r>
+              <a:rPr lang="en-US" altLang="ko-KR" spc="0">
+                <a:solidFill>
+                  <a:schemeClr val="tx1">
+                    <a:lumMod val="65000"/>
+                    <a:lumOff val="35000"/>
+                  </a:schemeClr>
+                </a:solidFill>
+              </a:rPr>
+              <a:t>)</a:t>
+            </a:r>
+            <a:endParaRPr lang="ko-KR" altLang="en-US" spc="0">
+              <a:solidFill>
+                <a:schemeClr val="tx1">
+                  <a:lumMod val="65000"/>
+                  <a:lumOff val="35000"/>
+                </a:schemeClr>
+              </a:solidFill>
+            </a:endParaRPr>
+          </a:p>
+          <a:p>
+            <a:pPr marL="0" indent="0">
+              <a:buNone/>
+            </a:pPr>
+            <a:endParaRPr lang="ko-KR" altLang="en-US" spc="0">
+              <a:solidFill>
+                <a:schemeClr val="tx1">
+                  <a:lumMod val="65000"/>
+                  <a:lumOff val="35000"/>
+                </a:schemeClr>
+              </a:solidFill>
+            </a:endParaRPr>
+          </a:p>
+          <a:p>
+            <a:pPr marL="0" indent="0">
+              <a:buNone/>
+            </a:pPr>
+            <a:endParaRPr lang="en-US"/>
           </a:p>
         </p:txBody>
       </p:sp>
-      <p:graphicFrame>
-        <p:nvGraphicFramePr>
-          <p:cNvPr id="5" name="표 31"/>
-          <p:cNvGraphicFramePr>
-            <a:graphicFrameLocks noGrp="1"/>
-          </p:cNvGraphicFramePr>
+      <p:pic>
+        <p:nvPicPr>
+          <p:cNvPr id="5" name="Picture 2"/>
+          <p:cNvPicPr>
+            <a:picLocks noChangeAspect="1" noChangeArrowheads="1"/>
+          </p:cNvPicPr>
           <p:nvPr/>
-        </p:nvGraphicFramePr>
-        <p:xfrm>
-          <a:off x="884778" y="1813025"/>
-          <a:ext cx="10497924" cy="288674"/>
-        </p:xfrm>
-        <a:graphic>
-          <a:graphicData uri="http://schemas.openxmlformats.org/drawingml/2006/table">
-            <a:tbl>
-              <a:tblPr>
-                <a:tableStyleId>{073A0DAA-6AF3-43AB-8588-CEC1D06C72B9}</a:tableStyleId>
-              </a:tblPr>
-              <a:tblGrid>
-                <a:gridCol w="1732298"/>
-                <a:gridCol w="1434662"/>
-                <a:gridCol w="551793"/>
-                <a:gridCol w="2790497"/>
-                <a:gridCol w="2317531"/>
-                <a:gridCol w="867103"/>
-                <a:gridCol w="804040"/>
-              </a:tblGrid>
-              <a:tr h="252247">
-                <a:tc>
-                  <a:txBody>
-                    <a:bodyPr/>
-                    <a:lstStyle/>
-                    <a:p>
-                      <a:pPr algn="ctr" latinLnBrk="1"/>
-                      <a:r>
-                        <a:rPr lang="ko-KR" altLang="en-US" sz="1200" b="1" dirty="0" smtClean="0">
-                          <a:solidFill>
-                            <a:schemeClr val="bg1"/>
-                          </a:solidFill>
-                          <a:latin typeface="SeoulNamsan" charset="0"/>
-                          <a:ea typeface="SeoulNamsan" charset="0"/>
-                          <a:cs typeface="SeoulNamsan" charset="0"/>
-                        </a:rPr>
-                        <a:t>요구사항</a:t>
-                      </a:r>
-                      <a:r>
-                        <a:rPr lang="ko-KR" altLang="en-US" sz="1200" b="1" baseline="0" dirty="0" smtClean="0">
-                          <a:solidFill>
-                            <a:schemeClr val="bg1"/>
-                          </a:solidFill>
-                          <a:latin typeface="SeoulNamsan" charset="0"/>
-                          <a:ea typeface="SeoulNamsan" charset="0"/>
-                          <a:cs typeface="SeoulNamsan" charset="0"/>
-                        </a:rPr>
-                        <a:t> </a:t>
-                      </a:r>
-                      <a:r>
-                        <a:rPr lang="en-US" altLang="ko-KR" sz="1200" b="1" dirty="0" smtClean="0">
-                          <a:solidFill>
-                            <a:schemeClr val="bg1"/>
-                          </a:solidFill>
-                          <a:latin typeface="SeoulNamsan" charset="0"/>
-                          <a:ea typeface="SeoulNamsan" charset="0"/>
-                          <a:cs typeface="SeoulNamsan" charset="0"/>
-                        </a:rPr>
-                        <a:t>ID</a:t>
-                      </a:r>
-                      <a:endParaRPr lang="ko-KR" altLang="en-US" sz="1200" b="1" dirty="0">
-                        <a:solidFill>
-                          <a:schemeClr val="bg1"/>
-                        </a:solidFill>
-                        <a:latin typeface="SeoulNamsan" charset="0"/>
-                        <a:ea typeface="SeoulNamsan" charset="0"/>
-                        <a:cs typeface="SeoulNamsan" charset="0"/>
-                      </a:endParaRPr>
-                    </a:p>
-                  </a:txBody>
-                  <a:tcPr marL="105742" marR="105742" marT="52897" marB="52897" anchor="ctr">
-                    <a:lnL w="12700" cmpd="sng">
-                      <a:noFill/>
-                    </a:lnL>
-                    <a:lnR w="12700" cmpd="sng">
-                      <a:noFill/>
-                    </a:lnR>
-                    <a:lnT w="12700" cmpd="sng">
-                      <a:noFill/>
-                    </a:lnT>
-                    <a:lnB w="12700" cmpd="sng">
-                      <a:noFill/>
-                    </a:lnB>
-                    <a:lnTlToBr w="12700" cmpd="sng">
-                      <a:noFill/>
-                      <a:prstDash val="solid"/>
-                    </a:lnTlToBr>
-                    <a:lnBlToTr w="12700" cmpd="sng">
-                      <a:noFill/>
-                      <a:prstDash val="solid"/>
-                    </a:lnBlToTr>
-                    <a:solidFill>
-                      <a:schemeClr val="bg2">
-                        <a:lumMod val="25000"/>
-                      </a:schemeClr>
-                    </a:solidFill>
-                  </a:tcPr>
-                </a:tc>
-                <a:tc>
-                  <a:txBody>
-                    <a:bodyPr/>
-                    <a:lstStyle/>
-                    <a:p>
-                      <a:pPr algn="ctr" latinLnBrk="1"/>
-                      <a:r>
-                        <a:rPr lang="ko-KR" altLang="en-US" sz="1200" b="1" dirty="0" smtClean="0">
-                          <a:solidFill>
-                            <a:schemeClr val="bg1"/>
-                          </a:solidFill>
-                          <a:latin typeface="SeoulNamsan" charset="0"/>
-                          <a:ea typeface="SeoulNamsan" charset="0"/>
-                          <a:cs typeface="SeoulNamsan" charset="0"/>
-                        </a:rPr>
-                        <a:t>요구사항 명</a:t>
-                      </a:r>
-                      <a:endParaRPr lang="ko-KR" altLang="en-US" sz="1200" b="1" dirty="0">
-                        <a:solidFill>
-                          <a:schemeClr val="bg1"/>
-                        </a:solidFill>
-                        <a:latin typeface="SeoulNamsan" charset="0"/>
-                        <a:ea typeface="SeoulNamsan" charset="0"/>
-                        <a:cs typeface="SeoulNamsan" charset="0"/>
-                      </a:endParaRPr>
-                    </a:p>
-                  </a:txBody>
-                  <a:tcPr marL="105742" marR="105742" marT="52897" marB="52897" anchor="ctr">
-                    <a:lnL w="12700" cmpd="sng">
-                      <a:noFill/>
-                    </a:lnL>
-                    <a:lnR w="12700" cmpd="sng">
-                      <a:noFill/>
-                    </a:lnR>
-                    <a:lnT w="12700" cmpd="sng">
-                      <a:noFill/>
-                    </a:lnT>
-                    <a:lnB w="12700" cmpd="sng">
-                      <a:noFill/>
-                    </a:lnB>
-                    <a:lnTlToBr w="12700" cmpd="sng">
-                      <a:noFill/>
-                      <a:prstDash val="solid"/>
-                    </a:lnTlToBr>
-                    <a:lnBlToTr w="12700" cmpd="sng">
-                      <a:noFill/>
-                      <a:prstDash val="solid"/>
-                    </a:lnBlToTr>
-                    <a:solidFill>
-                      <a:schemeClr val="bg2">
-                        <a:lumMod val="25000"/>
-                      </a:schemeClr>
-                    </a:solidFill>
-                  </a:tcPr>
-                </a:tc>
-                <a:tc>
-                  <a:txBody>
-                    <a:bodyPr/>
-                    <a:lstStyle/>
-                    <a:p>
-                      <a:pPr algn="ctr" latinLnBrk="1"/>
-                      <a:r>
-                        <a:rPr lang="ko-KR" altLang="en-US" sz="1200" b="1" dirty="0" smtClean="0">
-                          <a:solidFill>
-                            <a:schemeClr val="bg1"/>
-                          </a:solidFill>
-                          <a:latin typeface="SeoulNamsan" charset="0"/>
-                          <a:ea typeface="SeoulNamsan" charset="0"/>
-                          <a:cs typeface="SeoulNamsan" charset="0"/>
-                        </a:rPr>
-                        <a:t>유형</a:t>
-                      </a:r>
-                      <a:endParaRPr lang="ko-KR" altLang="en-US" sz="1200" b="1" dirty="0">
-                        <a:solidFill>
-                          <a:schemeClr val="bg1"/>
-                        </a:solidFill>
-                        <a:latin typeface="SeoulNamsan" charset="0"/>
-                        <a:ea typeface="SeoulNamsan" charset="0"/>
-                        <a:cs typeface="SeoulNamsan" charset="0"/>
-                      </a:endParaRPr>
-                    </a:p>
-                  </a:txBody>
-                  <a:tcPr marL="105742" marR="105742" marT="52897" marB="52897" anchor="ctr">
-                    <a:lnL w="12700" cmpd="sng">
-                      <a:noFill/>
-                    </a:lnL>
-                    <a:lnR w="12700" cmpd="sng">
-                      <a:noFill/>
-                    </a:lnR>
-                    <a:lnT w="12700" cmpd="sng">
-                      <a:noFill/>
-                    </a:lnT>
-                    <a:lnB w="12700" cmpd="sng">
-                      <a:noFill/>
-                    </a:lnB>
-                    <a:lnTlToBr w="12700" cmpd="sng">
-                      <a:noFill/>
-                      <a:prstDash val="solid"/>
-                    </a:lnTlToBr>
-                    <a:lnBlToTr w="12700" cmpd="sng">
-                      <a:noFill/>
-                      <a:prstDash val="solid"/>
-                    </a:lnBlToTr>
-                    <a:solidFill>
-                      <a:schemeClr val="bg2">
-                        <a:lumMod val="25000"/>
-                      </a:schemeClr>
-                    </a:solidFill>
-                  </a:tcPr>
-                </a:tc>
-                <a:tc>
-                  <a:txBody>
-                    <a:bodyPr/>
-                    <a:lstStyle/>
-                    <a:p>
-                      <a:pPr algn="ctr" latinLnBrk="1"/>
-                      <a:r>
-                        <a:rPr lang="ko-KR" altLang="en-US" sz="1200" b="1" dirty="0" smtClean="0">
-                          <a:solidFill>
-                            <a:schemeClr val="bg1"/>
-                          </a:solidFill>
-                          <a:latin typeface="SeoulNamsan" charset="0"/>
-                          <a:ea typeface="SeoulNamsan" charset="0"/>
-                          <a:cs typeface="SeoulNamsan" charset="0"/>
-                        </a:rPr>
-                        <a:t>요구사항 설명</a:t>
-                      </a:r>
-                      <a:endParaRPr lang="ko-KR" altLang="en-US" sz="1200" b="1" dirty="0">
-                        <a:solidFill>
-                          <a:schemeClr val="bg1"/>
-                        </a:solidFill>
-                        <a:latin typeface="SeoulNamsan" charset="0"/>
-                        <a:ea typeface="SeoulNamsan" charset="0"/>
-                        <a:cs typeface="SeoulNamsan" charset="0"/>
-                      </a:endParaRPr>
-                    </a:p>
-                  </a:txBody>
-                  <a:tcPr marL="105742" marR="105742" marT="52897" marB="52897" anchor="ctr">
-                    <a:lnL w="12700" cmpd="sng">
-                      <a:noFill/>
-                    </a:lnL>
-                    <a:lnR w="12700" cmpd="sng">
-                      <a:noFill/>
-                    </a:lnR>
-                    <a:lnT w="12700" cmpd="sng">
-                      <a:noFill/>
-                    </a:lnT>
-                    <a:lnB w="12700" cmpd="sng">
-                      <a:noFill/>
-                    </a:lnB>
-                    <a:lnTlToBr w="12700" cmpd="sng">
-                      <a:noFill/>
-                      <a:prstDash val="solid"/>
-                    </a:lnTlToBr>
-                    <a:lnBlToTr w="12700" cmpd="sng">
-                      <a:noFill/>
-                      <a:prstDash val="solid"/>
-                    </a:lnBlToTr>
-                    <a:solidFill>
-                      <a:schemeClr val="bg2">
-                        <a:lumMod val="25000"/>
-                      </a:schemeClr>
-                    </a:solidFill>
-                  </a:tcPr>
-                </a:tc>
-                <a:tc>
-                  <a:txBody>
-                    <a:bodyPr/>
-                    <a:lstStyle/>
-                    <a:p>
-                      <a:pPr algn="ctr" latinLnBrk="1"/>
-                      <a:r>
-                        <a:rPr lang="ko-KR" altLang="en-US" sz="1200" b="1" dirty="0" smtClean="0">
-                          <a:solidFill>
-                            <a:schemeClr val="bg1"/>
-                          </a:solidFill>
-                          <a:latin typeface="SeoulNamsan" charset="0"/>
-                          <a:ea typeface="SeoulNamsan" charset="0"/>
-                          <a:cs typeface="SeoulNamsan" charset="0"/>
-                        </a:rPr>
-                        <a:t>제약사항</a:t>
-                      </a:r>
-                      <a:endParaRPr lang="ko-KR" altLang="en-US" sz="1200" b="1" dirty="0">
-                        <a:solidFill>
-                          <a:schemeClr val="bg1"/>
-                        </a:solidFill>
-                        <a:latin typeface="SeoulNamsan" charset="0"/>
-                        <a:ea typeface="SeoulNamsan" charset="0"/>
-                        <a:cs typeface="SeoulNamsan" charset="0"/>
-                      </a:endParaRPr>
-                    </a:p>
-                  </a:txBody>
-                  <a:tcPr marL="105742" marR="105742" marT="52897" marB="52897" anchor="ctr">
-                    <a:lnL w="12700" cmpd="sng">
-                      <a:noFill/>
-                    </a:lnL>
-                    <a:lnR w="12700" cmpd="sng">
-                      <a:noFill/>
-                    </a:lnR>
-                    <a:lnT w="12700" cmpd="sng">
-                      <a:noFill/>
-                    </a:lnT>
-                    <a:lnB w="12700" cmpd="sng">
-                      <a:noFill/>
-                    </a:lnB>
-                    <a:lnTlToBr w="12700" cmpd="sng">
-                      <a:noFill/>
-                      <a:prstDash val="solid"/>
-                    </a:lnTlToBr>
-                    <a:lnBlToTr w="12700" cmpd="sng">
-                      <a:noFill/>
-                      <a:prstDash val="solid"/>
-                    </a:lnBlToTr>
-                    <a:solidFill>
-                      <a:schemeClr val="bg2">
-                        <a:lumMod val="25000"/>
-                      </a:schemeClr>
-                    </a:solidFill>
-                  </a:tcPr>
-                </a:tc>
-                <a:tc>
-                  <a:txBody>
-                    <a:bodyPr/>
-                    <a:lstStyle/>
-                    <a:p>
-                      <a:pPr algn="ctr" latinLnBrk="1"/>
-                      <a:r>
-                        <a:rPr lang="ko-KR" altLang="en-US" sz="1200" b="1" dirty="0" smtClean="0">
-                          <a:solidFill>
-                            <a:schemeClr val="bg1"/>
-                          </a:solidFill>
-                          <a:latin typeface="SeoulNamsan" charset="0"/>
-                          <a:ea typeface="SeoulNamsan" charset="0"/>
-                          <a:cs typeface="SeoulNamsan" charset="0"/>
-                        </a:rPr>
-                        <a:t>해결방안</a:t>
-                      </a:r>
-                      <a:endParaRPr lang="ko-KR" altLang="en-US" sz="1200" b="1" dirty="0">
-                        <a:solidFill>
-                          <a:schemeClr val="bg1"/>
-                        </a:solidFill>
-                        <a:latin typeface="SeoulNamsan" charset="0"/>
-                        <a:ea typeface="SeoulNamsan" charset="0"/>
-                        <a:cs typeface="SeoulNamsan" charset="0"/>
-                      </a:endParaRPr>
-                    </a:p>
-                  </a:txBody>
-                  <a:tcPr marL="105742" marR="105742" marT="52897" marB="52897" anchor="ctr">
-                    <a:lnL w="12700" cmpd="sng">
-                      <a:noFill/>
-                    </a:lnL>
-                    <a:lnR w="12700" cmpd="sng">
-                      <a:noFill/>
-                    </a:lnR>
-                    <a:lnT w="12700" cmpd="sng">
-                      <a:noFill/>
-                    </a:lnT>
-                    <a:lnB w="12700" cmpd="sng">
-                      <a:noFill/>
-                    </a:lnB>
-                    <a:lnTlToBr w="12700" cmpd="sng">
-                      <a:noFill/>
-                      <a:prstDash val="solid"/>
-                    </a:lnTlToBr>
-                    <a:lnBlToTr w="12700" cmpd="sng">
-                      <a:noFill/>
-                      <a:prstDash val="solid"/>
-                    </a:lnBlToTr>
-                    <a:solidFill>
-                      <a:schemeClr val="bg2">
-                        <a:lumMod val="25000"/>
-                      </a:schemeClr>
-                    </a:solidFill>
-                  </a:tcPr>
-                </a:tc>
-                <a:tc>
-                  <a:txBody>
-                    <a:bodyPr/>
-                    <a:lstStyle/>
-                    <a:p>
-                      <a:pPr algn="ctr" latinLnBrk="1"/>
-                      <a:r>
-                        <a:rPr lang="ko-KR" altLang="en-US" sz="1200" b="1" dirty="0" smtClean="0">
-                          <a:solidFill>
-                            <a:schemeClr val="bg1"/>
-                          </a:solidFill>
-                          <a:latin typeface="SeoulNamsan" charset="0"/>
-                          <a:ea typeface="SeoulNamsan" charset="0"/>
-                          <a:cs typeface="SeoulNamsan" charset="0"/>
-                        </a:rPr>
-                        <a:t>중요도</a:t>
-                      </a:r>
-                      <a:endParaRPr lang="ko-KR" altLang="en-US" sz="1200" b="1" dirty="0">
-                        <a:solidFill>
-                          <a:schemeClr val="bg1"/>
-                        </a:solidFill>
-                        <a:latin typeface="SeoulNamsan" charset="0"/>
-                        <a:ea typeface="SeoulNamsan" charset="0"/>
-                        <a:cs typeface="SeoulNamsan" charset="0"/>
-                      </a:endParaRPr>
-                    </a:p>
-                  </a:txBody>
-                  <a:tcPr marL="105742" marR="105742" marT="52897" marB="52897" anchor="ctr">
-                    <a:lnL w="12700" cmpd="sng">
-                      <a:noFill/>
-                    </a:lnL>
-                    <a:lnR w="12700" cmpd="sng">
-                      <a:noFill/>
-                    </a:lnR>
-                    <a:lnT w="12700" cmpd="sng">
-                      <a:noFill/>
-                    </a:lnT>
-                    <a:lnB w="12700" cmpd="sng">
-                      <a:noFill/>
-                    </a:lnB>
-                    <a:lnTlToBr w="12700" cmpd="sng">
-                      <a:noFill/>
-                      <a:prstDash val="solid"/>
-                    </a:lnTlToBr>
-                    <a:lnBlToTr w="12700" cmpd="sng">
-                      <a:noFill/>
-                      <a:prstDash val="solid"/>
-                    </a:lnBlToTr>
-                    <a:solidFill>
-                      <a:schemeClr val="bg2">
-                        <a:lumMod val="25000"/>
-                      </a:schemeClr>
-                    </a:solidFill>
-                  </a:tcPr>
-                </a:tc>
-              </a:tr>
-            </a:tbl>
-          </a:graphicData>
-        </a:graphic>
-      </p:graphicFrame>
-      <p:graphicFrame>
-        <p:nvGraphicFramePr>
-          <p:cNvPr id="6" name="표 33"/>
-          <p:cNvGraphicFramePr>
-            <a:graphicFrameLocks noGrp="1"/>
-          </p:cNvGraphicFramePr>
-          <p:nvPr>
-            <p:extLst>
-              <p:ext uri="{D42A27DB-BD31-4B8C-83A1-F6EECF244321}">
-                <p14:modId xmlns:p14="http://schemas.microsoft.com/office/powerpoint/2010/main" val="575705360"/>
-              </p:ext>
-            </p:extLst>
-          </p:nvPr>
-        </p:nvGraphicFramePr>
-        <p:xfrm>
-          <a:off x="884782" y="1056278"/>
-          <a:ext cx="10450624" cy="656324"/>
-        </p:xfrm>
-        <a:graphic>
-          <a:graphicData uri="http://schemas.openxmlformats.org/drawingml/2006/table">
-            <a:tbl>
-              <a:tblPr>
-                <a:tableStyleId>{8799B23B-EC83-4686-B30A-512413B5E67A}</a:tableStyleId>
-              </a:tblPr>
-              <a:tblGrid>
-                <a:gridCol w="2612656"/>
-                <a:gridCol w="2612656"/>
-                <a:gridCol w="2612656"/>
-                <a:gridCol w="2612656"/>
-              </a:tblGrid>
-              <a:tr h="230960">
-                <a:tc>
-                  <a:txBody>
-                    <a:bodyPr/>
-                    <a:lstStyle/>
-                    <a:p>
-                      <a:pPr algn="l" latinLnBrk="1"/>
-                      <a:r>
-                        <a:rPr lang="ko-KR" altLang="en-US" sz="1400" b="1" dirty="0" smtClean="0">
-                          <a:latin typeface="SeoulNamsan" charset="0"/>
-                          <a:ea typeface="SeoulNamsan" charset="0"/>
-                          <a:cs typeface="SeoulNamsan" charset="0"/>
-                        </a:rPr>
-                        <a:t>시스템</a:t>
-                      </a:r>
-                      <a:endParaRPr lang="ko-KR" altLang="en-US" sz="1400" b="1" dirty="0">
-                        <a:solidFill>
-                          <a:schemeClr val="tx1"/>
-                        </a:solidFill>
-                        <a:latin typeface="SeoulNamsan" charset="0"/>
-                        <a:ea typeface="SeoulNamsan" charset="0"/>
-                        <a:cs typeface="SeoulNamsan" charset="0"/>
-                      </a:endParaRPr>
-                    </a:p>
-                  </a:txBody>
-                  <a:tcPr marL="106387" marR="106387" marT="53182" marB="53182" anchor="ctr"/>
-                </a:tc>
-                <a:tc>
-                  <a:txBody>
-                    <a:bodyPr/>
-                    <a:lstStyle/>
-                    <a:p>
-                      <a:pPr algn="l" latinLnBrk="1"/>
-                      <a:r>
-                        <a:rPr lang="ko-KR" altLang="en-US" sz="1400" dirty="0" smtClean="0">
-                          <a:latin typeface="SeoulNamsan" charset="0"/>
-                          <a:ea typeface="SeoulNamsan" charset="0"/>
-                          <a:cs typeface="SeoulNamsan" charset="0"/>
-                        </a:rPr>
-                        <a:t>채용대행서비스</a:t>
-                      </a:r>
-                      <a:endParaRPr lang="ko-KR" altLang="en-US" sz="1400" b="0" dirty="0">
-                        <a:solidFill>
-                          <a:schemeClr val="tx1"/>
-                        </a:solidFill>
-                        <a:latin typeface="SeoulNamsan" charset="0"/>
-                        <a:ea typeface="SeoulNamsan" charset="0"/>
-                        <a:cs typeface="SeoulNamsan" charset="0"/>
-                      </a:endParaRPr>
-                    </a:p>
-                  </a:txBody>
-                  <a:tcPr marL="106387" marR="106387" marT="53182" marB="53182" anchor="ctr"/>
-                </a:tc>
-                <a:tc>
-                  <a:txBody>
-                    <a:bodyPr/>
-                    <a:lstStyle/>
-                    <a:p>
-                      <a:pPr algn="l" latinLnBrk="1"/>
-                      <a:r>
-                        <a:rPr lang="ko-KR" altLang="en-US" sz="1400" b="1" dirty="0" smtClean="0">
-                          <a:latin typeface="SeoulNamsan" charset="0"/>
-                          <a:ea typeface="SeoulNamsan" charset="0"/>
-                          <a:cs typeface="SeoulNamsan" charset="0"/>
-                        </a:rPr>
-                        <a:t>단위 업무</a:t>
-                      </a:r>
-                      <a:endParaRPr lang="ko-KR" altLang="en-US" sz="1400" b="1" dirty="0">
-                        <a:solidFill>
-                          <a:schemeClr val="tx1"/>
-                        </a:solidFill>
-                        <a:latin typeface="SeoulNamsan" charset="0"/>
-                        <a:ea typeface="SeoulNamsan" charset="0"/>
-                        <a:cs typeface="SeoulNamsan" charset="0"/>
-                      </a:endParaRPr>
-                    </a:p>
-                  </a:txBody>
-                  <a:tcPr marL="106387" marR="106387" marT="53182" marB="53182" anchor="ctr"/>
-                </a:tc>
-                <a:tc>
-                  <a:txBody>
-                    <a:bodyPr/>
-                    <a:lstStyle/>
-                    <a:p>
-                      <a:pPr algn="l" latinLnBrk="1"/>
-                      <a:r>
-                        <a:rPr lang="ko-KR" altLang="en-US" sz="1400" dirty="0" smtClean="0">
-                          <a:latin typeface="SeoulNamsan" charset="0"/>
-                          <a:ea typeface="SeoulNamsan" charset="0"/>
-                          <a:cs typeface="SeoulNamsan" charset="0"/>
-                        </a:rPr>
-                        <a:t>개인회원 서비스</a:t>
-                      </a:r>
-                      <a:endParaRPr lang="ko-KR" altLang="en-US" sz="1400" b="0" dirty="0">
-                        <a:solidFill>
-                          <a:schemeClr val="tx1"/>
-                        </a:solidFill>
-                        <a:latin typeface="SeoulNamsan" charset="0"/>
-                        <a:ea typeface="SeoulNamsan" charset="0"/>
-                        <a:cs typeface="SeoulNamsan" charset="0"/>
-                      </a:endParaRPr>
-                    </a:p>
-                  </a:txBody>
-                  <a:tcPr marL="106387" marR="106387" marT="53182" marB="53182" anchor="ctr"/>
-                </a:tc>
-              </a:tr>
-              <a:tr h="336600">
-                <a:tc>
-                  <a:txBody>
-                    <a:bodyPr/>
-                    <a:lstStyle/>
-                    <a:p>
-                      <a:pPr algn="l" latinLnBrk="1"/>
-                      <a:r>
-                        <a:rPr lang="ko-KR" altLang="en-US" sz="1400" b="1" dirty="0" smtClean="0">
-                          <a:latin typeface="SeoulNamsan" charset="0"/>
-                          <a:ea typeface="SeoulNamsan" charset="0"/>
-                          <a:cs typeface="SeoulNamsan" charset="0"/>
-                        </a:rPr>
-                        <a:t>작성일자</a:t>
-                      </a:r>
-                      <a:endParaRPr lang="ko-KR" altLang="en-US" sz="1400" b="1" dirty="0">
-                        <a:solidFill>
-                          <a:schemeClr val="tx1"/>
-                        </a:solidFill>
-                        <a:latin typeface="SeoulNamsan" charset="0"/>
-                        <a:ea typeface="SeoulNamsan" charset="0"/>
-                        <a:cs typeface="SeoulNamsan" charset="0"/>
-                      </a:endParaRPr>
-                    </a:p>
-                  </a:txBody>
-                  <a:tcPr marL="106387" marR="106387" marT="53182" marB="53182" anchor="ctr"/>
-                </a:tc>
-                <a:tc>
-                  <a:txBody>
-                    <a:bodyPr/>
-                    <a:lstStyle/>
-                    <a:p>
-                      <a:pPr algn="l" latinLnBrk="1">
-                        <a:buFontTx/>
-                        <a:buNone/>
-                      </a:pPr>
-                      <a:r>
-                        <a:rPr lang="en-US" altLang="ko-KR" sz="1400" dirty="0" smtClean="0">
-                          <a:latin typeface="SeoulNamsan" charset="0"/>
-                          <a:ea typeface="SeoulNamsan" charset="0"/>
-                          <a:cs typeface="SeoulNamsan" charset="0"/>
-                        </a:rPr>
-                        <a:t>2015.05.01</a:t>
-                      </a:r>
-                      <a:endParaRPr lang="ko-KR" altLang="en-US" sz="1400" dirty="0">
-                        <a:solidFill>
-                          <a:schemeClr val="tx1"/>
-                        </a:solidFill>
-                        <a:latin typeface="SeoulNamsan" charset="0"/>
-                        <a:ea typeface="SeoulNamsan" charset="0"/>
-                        <a:cs typeface="SeoulNamsan" charset="0"/>
-                      </a:endParaRPr>
-                    </a:p>
-                  </a:txBody>
-                  <a:tcPr marL="106387" marR="106387" marT="53182" marB="53182" anchor="ctr"/>
-                </a:tc>
-                <a:tc>
-                  <a:txBody>
-                    <a:bodyPr/>
-                    <a:lstStyle/>
-                    <a:p>
-                      <a:pPr algn="l" latinLnBrk="1">
-                        <a:buFontTx/>
-                        <a:buNone/>
-                      </a:pPr>
-                      <a:r>
-                        <a:rPr lang="ko-KR" altLang="en-US" sz="1400" b="1" dirty="0" smtClean="0">
-                          <a:latin typeface="SeoulNamsan" charset="0"/>
-                          <a:ea typeface="SeoulNamsan" charset="0"/>
-                          <a:cs typeface="SeoulNamsan" charset="0"/>
-                        </a:rPr>
-                        <a:t>버전</a:t>
-                      </a:r>
-                      <a:endParaRPr lang="ko-KR" altLang="en-US" sz="1400" b="1" dirty="0">
-                        <a:solidFill>
-                          <a:schemeClr val="tx1"/>
-                        </a:solidFill>
-                        <a:latin typeface="SeoulNamsan" charset="0"/>
-                        <a:ea typeface="SeoulNamsan" charset="0"/>
-                        <a:cs typeface="SeoulNamsan" charset="0"/>
-                      </a:endParaRPr>
-                    </a:p>
-                  </a:txBody>
-                  <a:tcPr marL="106387" marR="106387" marT="53182" marB="53182" anchor="ctr"/>
-                </a:tc>
-                <a:tc>
-                  <a:txBody>
-                    <a:bodyPr/>
-                    <a:lstStyle/>
-                    <a:p>
-                      <a:pPr algn="l" latinLnBrk="1">
-                        <a:buFontTx/>
-                        <a:buNone/>
-                      </a:pPr>
-                      <a:r>
-                        <a:rPr lang="en-US" altLang="ko-KR" sz="1400" dirty="0" smtClean="0">
-                          <a:latin typeface="SeoulNamsan" charset="0"/>
-                          <a:ea typeface="SeoulNamsan" charset="0"/>
-                          <a:cs typeface="SeoulNamsan" charset="0"/>
-                        </a:rPr>
-                        <a:t>1.0</a:t>
-                      </a:r>
-                      <a:endParaRPr lang="ko-KR" altLang="en-US" sz="1400" dirty="0">
-                        <a:solidFill>
-                          <a:schemeClr val="tx1"/>
-                        </a:solidFill>
-                        <a:latin typeface="SeoulNamsan" charset="0"/>
-                        <a:ea typeface="SeoulNamsan" charset="0"/>
-                        <a:cs typeface="SeoulNamsan" charset="0"/>
-                      </a:endParaRPr>
-                    </a:p>
-                  </a:txBody>
-                  <a:tcPr marL="106387" marR="106387" marT="53182" marB="53182" anchor="ctr"/>
-                </a:tc>
-              </a:tr>
-            </a:tbl>
-          </a:graphicData>
-        </a:graphic>
-      </p:graphicFrame>
-      <p:graphicFrame>
-        <p:nvGraphicFramePr>
-          <p:cNvPr id="7" name="Table 6"/>
-          <p:cNvGraphicFramePr>
-            <a:graphicFrameLocks noGrp="1"/>
-          </p:cNvGraphicFramePr>
-          <p:nvPr/>
-        </p:nvGraphicFramePr>
-        <p:xfrm>
-          <a:off x="869730" y="2191395"/>
-          <a:ext cx="10515601" cy="945932"/>
-        </p:xfrm>
-        <a:graphic>
-          <a:graphicData uri="http://schemas.openxmlformats.org/drawingml/2006/table">
-            <a:tbl>
-              <a:tblPr bandCol="1">
-                <a:tableStyleId>{F2DE63D5-997A-4646-A377-4702673A728D}</a:tableStyleId>
-              </a:tblPr>
-              <a:tblGrid>
-                <a:gridCol w="1747346"/>
-                <a:gridCol w="1466997"/>
-                <a:gridCol w="535224"/>
-                <a:gridCol w="2569779"/>
-                <a:gridCol w="2317531"/>
-                <a:gridCol w="1103586"/>
-                <a:gridCol w="775138"/>
-              </a:tblGrid>
-              <a:tr h="945932">
-                <a:tc>
-                  <a:txBody>
-                    <a:bodyPr/>
-                    <a:lstStyle/>
-                    <a:p>
-                      <a:pPr algn="ctr" latinLnBrk="1"/>
-                      <a:r>
-                        <a:rPr lang="en-US" altLang="ko-KR" sz="1400" dirty="0" smtClean="0">
-                          <a:latin typeface="SeoulNamsan" charset="0"/>
-                          <a:ea typeface="SeoulNamsan" charset="0"/>
-                          <a:cs typeface="SeoulNamsan" charset="0"/>
-                        </a:rPr>
-                        <a:t>EAS-RF_01</a:t>
-                      </a:r>
-                    </a:p>
-                    <a:p>
-                      <a:pPr algn="ctr" latinLnBrk="1"/>
-                      <a:r>
-                        <a:rPr lang="en-US" altLang="ko-KR" sz="1400" dirty="0" smtClean="0">
-                          <a:latin typeface="SeoulNamsan" charset="0"/>
-                          <a:ea typeface="SeoulNamsan" charset="0"/>
-                          <a:cs typeface="SeoulNamsan" charset="0"/>
-                        </a:rPr>
-                        <a:t>(</a:t>
-                      </a:r>
-                      <a:r>
-                        <a:rPr lang="ko-KR" altLang="en-US" sz="1400" dirty="0" smtClean="0">
-                          <a:latin typeface="SeoulNamsan" charset="0"/>
-                          <a:ea typeface="SeoulNamsan" charset="0"/>
-                          <a:cs typeface="SeoulNamsan" charset="0"/>
-                        </a:rPr>
-                        <a:t>시스템</a:t>
-                      </a:r>
-                      <a:r>
-                        <a:rPr lang="en-US" altLang="ko-KR" sz="1400" dirty="0" smtClean="0">
-                          <a:latin typeface="SeoulNamsan" charset="0"/>
-                          <a:ea typeface="SeoulNamsan" charset="0"/>
-                          <a:cs typeface="SeoulNamsan" charset="0"/>
-                        </a:rPr>
-                        <a:t>ID_RF_01)</a:t>
-                      </a:r>
-                      <a:endParaRPr lang="ko-KR" altLang="en-US" sz="1400" b="0" dirty="0">
-                        <a:solidFill>
-                          <a:srgbClr val="FF0000"/>
-                        </a:solidFill>
-                        <a:latin typeface="SeoulNamsan" charset="0"/>
-                        <a:ea typeface="SeoulNamsan" charset="0"/>
-                        <a:cs typeface="SeoulNamsan" charset="0"/>
-                      </a:endParaRPr>
-                    </a:p>
-                  </a:txBody>
-                  <a:tcPr marL="105742" marR="105742" marT="52897" marB="52897" anchor="ctr"/>
-                </a:tc>
-                <a:tc>
-                  <a:txBody>
-                    <a:bodyPr/>
-                    <a:lstStyle/>
-                    <a:p>
-                      <a:pPr algn="ctr" latinLnBrk="1"/>
-                      <a:r>
-                        <a:rPr lang="ko-KR" altLang="en-US" sz="1400" dirty="0" smtClean="0">
-                          <a:latin typeface="SeoulNamsan" charset="0"/>
-                          <a:ea typeface="SeoulNamsan" charset="0"/>
-                          <a:cs typeface="SeoulNamsan" charset="0"/>
-                        </a:rPr>
-                        <a:t>지원이력 조회</a:t>
-                      </a:r>
-                      <a:endParaRPr lang="ko-KR" altLang="en-US" sz="1400" b="0" dirty="0">
-                        <a:solidFill>
-                          <a:schemeClr val="tx1"/>
-                        </a:solidFill>
-                        <a:latin typeface="SeoulNamsan" charset="0"/>
-                        <a:ea typeface="SeoulNamsan" charset="0"/>
-                        <a:cs typeface="SeoulNamsan" charset="0"/>
-                      </a:endParaRPr>
-                    </a:p>
-                  </a:txBody>
-                  <a:tcPr marL="105742" marR="105742" marT="52897" marB="52897" anchor="ctr"/>
-                </a:tc>
-                <a:tc>
-                  <a:txBody>
-                    <a:bodyPr/>
-                    <a:lstStyle/>
-                    <a:p>
-                      <a:pPr marL="142875" indent="-142875" algn="ctr" latinLnBrk="1"/>
-                      <a:r>
-                        <a:rPr lang="ko-KR" altLang="en-US" sz="1400" dirty="0" smtClean="0">
-                          <a:latin typeface="SeoulNamsan" charset="0"/>
-                          <a:ea typeface="SeoulNamsan" charset="0"/>
-                          <a:cs typeface="SeoulNamsan" charset="0"/>
-                        </a:rPr>
-                        <a:t>기능</a:t>
-                      </a:r>
-                      <a:endParaRPr lang="ko-KR" altLang="en-US" sz="1400" b="0" dirty="0">
-                        <a:solidFill>
-                          <a:schemeClr val="tx1"/>
-                        </a:solidFill>
-                        <a:latin typeface="SeoulNamsan" charset="0"/>
-                        <a:ea typeface="SeoulNamsan" charset="0"/>
-                        <a:cs typeface="SeoulNamsan" charset="0"/>
-                      </a:endParaRPr>
-                    </a:p>
-                  </a:txBody>
-                  <a:tcPr marL="105742" marR="105742" marT="52897" marB="52897" anchor="ctr"/>
-                </a:tc>
-                <a:tc>
-                  <a:txBody>
-                    <a:bodyPr/>
-                    <a:lstStyle/>
-                    <a:p>
-                      <a:pPr marL="0" indent="0" algn="just" latinLnBrk="1"/>
-                      <a:r>
-                        <a:rPr lang="ko-KR" altLang="en-US" sz="1400" dirty="0" smtClean="0">
-                          <a:latin typeface="SeoulNamsan" charset="0"/>
-                          <a:ea typeface="SeoulNamsan" charset="0"/>
-                          <a:cs typeface="SeoulNamsan" charset="0"/>
-                        </a:rPr>
-                        <a:t>개인이 입사 지원한 이력을 조회할 수 있다</a:t>
-                      </a:r>
-                      <a:r>
-                        <a:rPr lang="en-US" altLang="ko-KR" sz="1400" dirty="0" smtClean="0">
-                          <a:latin typeface="SeoulNamsan" charset="0"/>
-                          <a:ea typeface="SeoulNamsan" charset="0"/>
-                          <a:cs typeface="SeoulNamsan" charset="0"/>
-                        </a:rPr>
-                        <a:t>.</a:t>
-                      </a:r>
-                      <a:endParaRPr lang="ko-KR" altLang="en-US" sz="1400" b="0" dirty="0">
-                        <a:solidFill>
-                          <a:schemeClr val="tx1"/>
-                        </a:solidFill>
-                        <a:latin typeface="SeoulNamsan" charset="0"/>
-                        <a:ea typeface="SeoulNamsan" charset="0"/>
-                        <a:cs typeface="SeoulNamsan" charset="0"/>
-                      </a:endParaRPr>
-                    </a:p>
-                  </a:txBody>
-                  <a:tcPr marL="105742" marR="105742" marT="52897" marB="52897" anchor="ctr"/>
-                </a:tc>
-                <a:tc>
-                  <a:txBody>
-                    <a:bodyPr/>
-                    <a:lstStyle/>
-                    <a:p>
-                      <a:pPr marL="0" indent="0" algn="just" latinLnBrk="1"/>
-                      <a:r>
-                        <a:rPr lang="ko-KR" altLang="en-US" sz="1400" dirty="0" smtClean="0">
-                          <a:latin typeface="SeoulNamsan" charset="0"/>
-                          <a:ea typeface="SeoulNamsan" charset="0"/>
-                          <a:cs typeface="SeoulNamsan" charset="0"/>
-                        </a:rPr>
-                        <a:t>이력조회를 위한 아이디 및 </a:t>
-                      </a:r>
-                      <a:r>
-                        <a:rPr lang="ko-KR" altLang="en-US" sz="1400" dirty="0" err="1" smtClean="0">
-                          <a:latin typeface="SeoulNamsan" charset="0"/>
-                          <a:ea typeface="SeoulNamsan" charset="0"/>
-                          <a:cs typeface="SeoulNamsan" charset="0"/>
-                        </a:rPr>
-                        <a:t>식별자</a:t>
-                      </a:r>
-                      <a:r>
-                        <a:rPr lang="ko-KR" altLang="en-US" sz="1400" dirty="0" smtClean="0">
-                          <a:latin typeface="SeoulNamsan" charset="0"/>
-                          <a:ea typeface="SeoulNamsan" charset="0"/>
-                          <a:cs typeface="SeoulNamsan" charset="0"/>
-                        </a:rPr>
-                        <a:t> 인증 선행</a:t>
-                      </a:r>
-                      <a:endParaRPr lang="ko-KR" altLang="en-US" sz="1400" b="0" dirty="0">
-                        <a:solidFill>
-                          <a:schemeClr val="tx1"/>
-                        </a:solidFill>
-                        <a:latin typeface="SeoulNamsan" charset="0"/>
-                        <a:ea typeface="SeoulNamsan" charset="0"/>
-                        <a:cs typeface="SeoulNamsan" charset="0"/>
-                      </a:endParaRPr>
-                    </a:p>
-                  </a:txBody>
-                  <a:tcPr marL="105742" marR="105742" marT="52897" marB="52897" anchor="ctr"/>
-                </a:tc>
-                <a:tc>
-                  <a:txBody>
-                    <a:bodyPr/>
-                    <a:lstStyle/>
-                    <a:p>
-                      <a:pPr marL="142875" indent="-142875" algn="just" latinLnBrk="1"/>
-                      <a:r>
-                        <a:rPr lang="ko-KR" altLang="en-US" sz="1400" dirty="0" smtClean="0">
-                          <a:latin typeface="SeoulNamsan" charset="0"/>
-                          <a:ea typeface="SeoulNamsan" charset="0"/>
-                          <a:cs typeface="SeoulNamsan" charset="0"/>
-                        </a:rPr>
-                        <a:t>개인회원 가입</a:t>
-                      </a:r>
-                      <a:endParaRPr lang="en-US" altLang="ko-KR" sz="1400" b="0" dirty="0" smtClean="0">
-                        <a:solidFill>
-                          <a:schemeClr val="tx1"/>
-                        </a:solidFill>
-                        <a:latin typeface="SeoulNamsan" charset="0"/>
-                        <a:ea typeface="SeoulNamsan" charset="0"/>
-                        <a:cs typeface="SeoulNamsan" charset="0"/>
-                      </a:endParaRPr>
-                    </a:p>
-                  </a:txBody>
-                  <a:tcPr marL="105742" marR="105742" marT="52897" marB="52897" anchor="ctr"/>
-                </a:tc>
-                <a:tc>
-                  <a:txBody>
-                    <a:bodyPr/>
-                    <a:lstStyle/>
-                    <a:p>
-                      <a:pPr marL="0" indent="0" algn="ctr" latinLnBrk="1"/>
-                      <a:r>
-                        <a:rPr lang="ko-KR" altLang="en-US" sz="1400" dirty="0" smtClean="0">
-                          <a:latin typeface="SeoulNamsan" charset="0"/>
-                          <a:ea typeface="SeoulNamsan" charset="0"/>
-                          <a:cs typeface="SeoulNamsan" charset="0"/>
-                        </a:rPr>
-                        <a:t>상</a:t>
-                      </a:r>
-                      <a:endParaRPr lang="ko-KR" altLang="en-US" sz="1400" b="0" dirty="0">
-                        <a:solidFill>
-                          <a:schemeClr val="tx1"/>
-                        </a:solidFill>
-                        <a:latin typeface="SeoulNamsan" charset="0"/>
-                        <a:ea typeface="SeoulNamsan" charset="0"/>
-                        <a:cs typeface="SeoulNamsan" charset="0"/>
-                      </a:endParaRPr>
-                    </a:p>
-                  </a:txBody>
-                  <a:tcPr marL="105742" marR="105742" marT="52897" marB="52897" anchor="ctr"/>
-                </a:tc>
-              </a:tr>
-            </a:tbl>
-          </a:graphicData>
-        </a:graphic>
-      </p:graphicFrame>
-      <p:graphicFrame>
-        <p:nvGraphicFramePr>
-          <p:cNvPr id="11" name="Table 10"/>
-          <p:cNvGraphicFramePr>
-            <a:graphicFrameLocks noGrp="1"/>
-          </p:cNvGraphicFramePr>
-          <p:nvPr/>
-        </p:nvGraphicFramePr>
-        <p:xfrm>
-          <a:off x="864475" y="3226664"/>
-          <a:ext cx="10515601" cy="945932"/>
-        </p:xfrm>
-        <a:graphic>
-          <a:graphicData uri="http://schemas.openxmlformats.org/drawingml/2006/table">
-            <a:tbl>
-              <a:tblPr bandCol="1">
-                <a:tableStyleId>{F2DE63D5-997A-4646-A377-4702673A728D}</a:tableStyleId>
-              </a:tblPr>
-              <a:tblGrid>
-                <a:gridCol w="1747346"/>
-                <a:gridCol w="1466997"/>
-                <a:gridCol w="535224"/>
-                <a:gridCol w="2569779"/>
-                <a:gridCol w="2317531"/>
-                <a:gridCol w="1103586"/>
-                <a:gridCol w="775138"/>
-              </a:tblGrid>
-              <a:tr h="945932">
-                <a:tc>
-                  <a:txBody>
-                    <a:bodyPr/>
-                    <a:lstStyle/>
-                    <a:p>
-                      <a:pPr algn="ctr" latinLnBrk="1"/>
-                      <a:r>
-                        <a:rPr lang="en-US" altLang="ko-KR" sz="1400" dirty="0" smtClean="0">
-                          <a:latin typeface="SeoulNamsan" charset="0"/>
-                          <a:ea typeface="SeoulNamsan" charset="0"/>
-                          <a:cs typeface="SeoulNamsan" charset="0"/>
-                        </a:rPr>
-                        <a:t>EAS-RF_01</a:t>
-                      </a:r>
-                    </a:p>
-                    <a:p>
-                      <a:pPr algn="ctr" latinLnBrk="1"/>
-                      <a:r>
-                        <a:rPr lang="en-US" altLang="ko-KR" sz="1400" dirty="0" smtClean="0">
-                          <a:latin typeface="SeoulNamsan" charset="0"/>
-                          <a:ea typeface="SeoulNamsan" charset="0"/>
-                          <a:cs typeface="SeoulNamsan" charset="0"/>
-                        </a:rPr>
-                        <a:t>(</a:t>
-                      </a:r>
-                      <a:r>
-                        <a:rPr lang="ko-KR" altLang="en-US" sz="1400" dirty="0" smtClean="0">
-                          <a:latin typeface="SeoulNamsan" charset="0"/>
-                          <a:ea typeface="SeoulNamsan" charset="0"/>
-                          <a:cs typeface="SeoulNamsan" charset="0"/>
-                        </a:rPr>
-                        <a:t>시스템</a:t>
-                      </a:r>
-                      <a:r>
-                        <a:rPr lang="en-US" altLang="ko-KR" sz="1400" dirty="0" smtClean="0">
-                          <a:latin typeface="SeoulNamsan" charset="0"/>
-                          <a:ea typeface="SeoulNamsan" charset="0"/>
-                          <a:cs typeface="SeoulNamsan" charset="0"/>
-                        </a:rPr>
-                        <a:t>ID_RF_01)</a:t>
-                      </a:r>
-                      <a:endParaRPr lang="ko-KR" altLang="en-US" sz="1400" b="0" dirty="0">
-                        <a:solidFill>
-                          <a:srgbClr val="FF0000"/>
-                        </a:solidFill>
-                        <a:latin typeface="SeoulNamsan" charset="0"/>
-                        <a:ea typeface="SeoulNamsan" charset="0"/>
-                        <a:cs typeface="SeoulNamsan" charset="0"/>
-                      </a:endParaRPr>
-                    </a:p>
-                  </a:txBody>
-                  <a:tcPr marL="105742" marR="105742" marT="52897" marB="52897" anchor="ctr"/>
-                </a:tc>
-                <a:tc>
-                  <a:txBody>
-                    <a:bodyPr/>
-                    <a:lstStyle/>
-                    <a:p>
-                      <a:pPr algn="ctr" latinLnBrk="1"/>
-                      <a:r>
-                        <a:rPr lang="ko-KR" altLang="en-US" sz="1400" dirty="0" smtClean="0">
-                          <a:latin typeface="SeoulNamsan" charset="0"/>
-                          <a:ea typeface="SeoulNamsan" charset="0"/>
-                          <a:cs typeface="SeoulNamsan" charset="0"/>
-                        </a:rPr>
-                        <a:t>지원이력 조회</a:t>
-                      </a:r>
-                      <a:endParaRPr lang="ko-KR" altLang="en-US" sz="1400" b="0" dirty="0">
-                        <a:solidFill>
-                          <a:schemeClr val="tx1"/>
-                        </a:solidFill>
-                        <a:latin typeface="SeoulNamsan" charset="0"/>
-                        <a:ea typeface="SeoulNamsan" charset="0"/>
-                        <a:cs typeface="SeoulNamsan" charset="0"/>
-                      </a:endParaRPr>
-                    </a:p>
-                  </a:txBody>
-                  <a:tcPr marL="105742" marR="105742" marT="52897" marB="52897" anchor="ctr"/>
-                </a:tc>
-                <a:tc>
-                  <a:txBody>
-                    <a:bodyPr/>
-                    <a:lstStyle/>
-                    <a:p>
-                      <a:pPr marL="142875" indent="-142875" algn="ctr" latinLnBrk="1"/>
-                      <a:r>
-                        <a:rPr lang="ko-KR" altLang="en-US" sz="1400" dirty="0" smtClean="0">
-                          <a:latin typeface="SeoulNamsan" charset="0"/>
-                          <a:ea typeface="SeoulNamsan" charset="0"/>
-                          <a:cs typeface="SeoulNamsan" charset="0"/>
-                        </a:rPr>
-                        <a:t>기능</a:t>
-                      </a:r>
-                      <a:endParaRPr lang="ko-KR" altLang="en-US" sz="1400" b="0" dirty="0">
-                        <a:solidFill>
-                          <a:schemeClr val="tx1"/>
-                        </a:solidFill>
-                        <a:latin typeface="SeoulNamsan" charset="0"/>
-                        <a:ea typeface="SeoulNamsan" charset="0"/>
-                        <a:cs typeface="SeoulNamsan" charset="0"/>
-                      </a:endParaRPr>
-                    </a:p>
-                  </a:txBody>
-                  <a:tcPr marL="105742" marR="105742" marT="52897" marB="52897" anchor="ctr"/>
-                </a:tc>
-                <a:tc>
-                  <a:txBody>
-                    <a:bodyPr/>
-                    <a:lstStyle/>
-                    <a:p>
-                      <a:pPr marL="0" indent="0" algn="just" latinLnBrk="1"/>
-                      <a:r>
-                        <a:rPr lang="ko-KR" altLang="en-US" sz="1400" dirty="0" smtClean="0">
-                          <a:latin typeface="SeoulNamsan" charset="0"/>
-                          <a:ea typeface="SeoulNamsan" charset="0"/>
-                          <a:cs typeface="SeoulNamsan" charset="0"/>
-                        </a:rPr>
-                        <a:t>개인이 입사 지원한 이력을 조회할 수 있다</a:t>
-                      </a:r>
-                      <a:r>
-                        <a:rPr lang="en-US" altLang="ko-KR" sz="1400" dirty="0" smtClean="0">
-                          <a:latin typeface="SeoulNamsan" charset="0"/>
-                          <a:ea typeface="SeoulNamsan" charset="0"/>
-                          <a:cs typeface="SeoulNamsan" charset="0"/>
-                        </a:rPr>
-                        <a:t>.</a:t>
-                      </a:r>
-                      <a:endParaRPr lang="ko-KR" altLang="en-US" sz="1400" b="0" dirty="0">
-                        <a:solidFill>
-                          <a:schemeClr val="tx1"/>
-                        </a:solidFill>
-                        <a:latin typeface="SeoulNamsan" charset="0"/>
-                        <a:ea typeface="SeoulNamsan" charset="0"/>
-                        <a:cs typeface="SeoulNamsan" charset="0"/>
-                      </a:endParaRPr>
-                    </a:p>
-                  </a:txBody>
-                  <a:tcPr marL="105742" marR="105742" marT="52897" marB="52897" anchor="ctr"/>
-                </a:tc>
-                <a:tc>
-                  <a:txBody>
-                    <a:bodyPr/>
-                    <a:lstStyle/>
-                    <a:p>
-                      <a:pPr marL="0" indent="0" algn="just" latinLnBrk="1"/>
-                      <a:r>
-                        <a:rPr lang="ko-KR" altLang="en-US" sz="1400" dirty="0" smtClean="0">
-                          <a:latin typeface="SeoulNamsan" charset="0"/>
-                          <a:ea typeface="SeoulNamsan" charset="0"/>
-                          <a:cs typeface="SeoulNamsan" charset="0"/>
-                        </a:rPr>
-                        <a:t>이력조회를 위한 아이디 및 </a:t>
-                      </a:r>
-                      <a:r>
-                        <a:rPr lang="ko-KR" altLang="en-US" sz="1400" dirty="0" err="1" smtClean="0">
-                          <a:latin typeface="SeoulNamsan" charset="0"/>
-                          <a:ea typeface="SeoulNamsan" charset="0"/>
-                          <a:cs typeface="SeoulNamsan" charset="0"/>
-                        </a:rPr>
-                        <a:t>식별자</a:t>
-                      </a:r>
-                      <a:r>
-                        <a:rPr lang="ko-KR" altLang="en-US" sz="1400" dirty="0" smtClean="0">
-                          <a:latin typeface="SeoulNamsan" charset="0"/>
-                          <a:ea typeface="SeoulNamsan" charset="0"/>
-                          <a:cs typeface="SeoulNamsan" charset="0"/>
-                        </a:rPr>
-                        <a:t> 인증 선행</a:t>
-                      </a:r>
-                      <a:endParaRPr lang="ko-KR" altLang="en-US" sz="1400" b="0" dirty="0">
-                        <a:solidFill>
-                          <a:schemeClr val="tx1"/>
-                        </a:solidFill>
-                        <a:latin typeface="SeoulNamsan" charset="0"/>
-                        <a:ea typeface="SeoulNamsan" charset="0"/>
-                        <a:cs typeface="SeoulNamsan" charset="0"/>
-                      </a:endParaRPr>
-                    </a:p>
-                  </a:txBody>
-                  <a:tcPr marL="105742" marR="105742" marT="52897" marB="52897" anchor="ctr"/>
-                </a:tc>
-                <a:tc>
-                  <a:txBody>
-                    <a:bodyPr/>
-                    <a:lstStyle/>
-                    <a:p>
-                      <a:pPr marL="142875" indent="-142875" algn="just" latinLnBrk="1"/>
-                      <a:r>
-                        <a:rPr lang="ko-KR" altLang="en-US" sz="1400" dirty="0" smtClean="0">
-                          <a:latin typeface="SeoulNamsan" charset="0"/>
-                          <a:ea typeface="SeoulNamsan" charset="0"/>
-                          <a:cs typeface="SeoulNamsan" charset="0"/>
-                        </a:rPr>
-                        <a:t>개인회원 가입</a:t>
-                      </a:r>
-                      <a:endParaRPr lang="en-US" altLang="ko-KR" sz="1400" b="0" dirty="0" smtClean="0">
-                        <a:solidFill>
-                          <a:schemeClr val="tx1"/>
-                        </a:solidFill>
-                        <a:latin typeface="SeoulNamsan" charset="0"/>
-                        <a:ea typeface="SeoulNamsan" charset="0"/>
-                        <a:cs typeface="SeoulNamsan" charset="0"/>
-                      </a:endParaRPr>
-                    </a:p>
-                  </a:txBody>
-                  <a:tcPr marL="105742" marR="105742" marT="52897" marB="52897" anchor="ctr"/>
-                </a:tc>
-                <a:tc>
-                  <a:txBody>
-                    <a:bodyPr/>
-                    <a:lstStyle/>
-                    <a:p>
-                      <a:pPr marL="0" indent="0" algn="ctr" latinLnBrk="1"/>
-                      <a:r>
-                        <a:rPr lang="ko-KR" altLang="en-US" sz="1400" dirty="0" smtClean="0">
-                          <a:latin typeface="SeoulNamsan" charset="0"/>
-                          <a:ea typeface="SeoulNamsan" charset="0"/>
-                          <a:cs typeface="SeoulNamsan" charset="0"/>
-                        </a:rPr>
-                        <a:t>상</a:t>
-                      </a:r>
-                      <a:endParaRPr lang="ko-KR" altLang="en-US" sz="1400" b="0" dirty="0">
-                        <a:solidFill>
-                          <a:schemeClr val="tx1"/>
-                        </a:solidFill>
-                        <a:latin typeface="SeoulNamsan" charset="0"/>
-                        <a:ea typeface="SeoulNamsan" charset="0"/>
-                        <a:cs typeface="SeoulNamsan" charset="0"/>
-                      </a:endParaRPr>
-                    </a:p>
-                  </a:txBody>
-                  <a:tcPr marL="105742" marR="105742" marT="52897" marB="52897" anchor="ctr"/>
-                </a:tc>
-              </a:tr>
-            </a:tbl>
-          </a:graphicData>
-        </a:graphic>
-      </p:graphicFrame>
-      <p:graphicFrame>
-        <p:nvGraphicFramePr>
-          <p:cNvPr id="12" name="Table 11"/>
-          <p:cNvGraphicFramePr>
-            <a:graphicFrameLocks noGrp="1"/>
-          </p:cNvGraphicFramePr>
-          <p:nvPr/>
-        </p:nvGraphicFramePr>
-        <p:xfrm>
-          <a:off x="859219" y="4277698"/>
-          <a:ext cx="10515601" cy="945932"/>
-        </p:xfrm>
-        <a:graphic>
-          <a:graphicData uri="http://schemas.openxmlformats.org/drawingml/2006/table">
-            <a:tbl>
-              <a:tblPr bandCol="1">
-                <a:tableStyleId>{F2DE63D5-997A-4646-A377-4702673A728D}</a:tableStyleId>
-              </a:tblPr>
-              <a:tblGrid>
-                <a:gridCol w="1747346"/>
-                <a:gridCol w="1466997"/>
-                <a:gridCol w="535224"/>
-                <a:gridCol w="2569779"/>
-                <a:gridCol w="2317531"/>
-                <a:gridCol w="1103586"/>
-                <a:gridCol w="775138"/>
-              </a:tblGrid>
-              <a:tr h="945932">
-                <a:tc>
-                  <a:txBody>
-                    <a:bodyPr/>
-                    <a:lstStyle/>
-                    <a:p>
-                      <a:pPr algn="ctr" latinLnBrk="1"/>
-                      <a:r>
-                        <a:rPr lang="en-US" altLang="ko-KR" sz="1400" dirty="0" smtClean="0">
-                          <a:latin typeface="SeoulNamsan" charset="0"/>
-                          <a:ea typeface="SeoulNamsan" charset="0"/>
-                          <a:cs typeface="SeoulNamsan" charset="0"/>
-                        </a:rPr>
-                        <a:t>EAS-RF_01</a:t>
-                      </a:r>
-                    </a:p>
-                    <a:p>
-                      <a:pPr algn="ctr" latinLnBrk="1"/>
-                      <a:r>
-                        <a:rPr lang="en-US" altLang="ko-KR" sz="1400" dirty="0" smtClean="0">
-                          <a:latin typeface="SeoulNamsan" charset="0"/>
-                          <a:ea typeface="SeoulNamsan" charset="0"/>
-                          <a:cs typeface="SeoulNamsan" charset="0"/>
-                        </a:rPr>
-                        <a:t>(</a:t>
-                      </a:r>
-                      <a:r>
-                        <a:rPr lang="ko-KR" altLang="en-US" sz="1400" dirty="0" smtClean="0">
-                          <a:latin typeface="SeoulNamsan" charset="0"/>
-                          <a:ea typeface="SeoulNamsan" charset="0"/>
-                          <a:cs typeface="SeoulNamsan" charset="0"/>
-                        </a:rPr>
-                        <a:t>시스템</a:t>
-                      </a:r>
-                      <a:r>
-                        <a:rPr lang="en-US" altLang="ko-KR" sz="1400" dirty="0" smtClean="0">
-                          <a:latin typeface="SeoulNamsan" charset="0"/>
-                          <a:ea typeface="SeoulNamsan" charset="0"/>
-                          <a:cs typeface="SeoulNamsan" charset="0"/>
-                        </a:rPr>
-                        <a:t>ID_RF_01)</a:t>
-                      </a:r>
-                      <a:endParaRPr lang="ko-KR" altLang="en-US" sz="1400" b="0" dirty="0">
-                        <a:solidFill>
-                          <a:srgbClr val="FF0000"/>
-                        </a:solidFill>
-                        <a:latin typeface="SeoulNamsan" charset="0"/>
-                        <a:ea typeface="SeoulNamsan" charset="0"/>
-                        <a:cs typeface="SeoulNamsan" charset="0"/>
-                      </a:endParaRPr>
-                    </a:p>
-                  </a:txBody>
-                  <a:tcPr marL="105742" marR="105742" marT="52897" marB="52897" anchor="ctr"/>
-                </a:tc>
-                <a:tc>
-                  <a:txBody>
-                    <a:bodyPr/>
-                    <a:lstStyle/>
-                    <a:p>
-                      <a:pPr algn="ctr" latinLnBrk="1"/>
-                      <a:r>
-                        <a:rPr lang="ko-KR" altLang="en-US" sz="1400" dirty="0" smtClean="0">
-                          <a:latin typeface="SeoulNamsan" charset="0"/>
-                          <a:ea typeface="SeoulNamsan" charset="0"/>
-                          <a:cs typeface="SeoulNamsan" charset="0"/>
-                        </a:rPr>
-                        <a:t>지원이력 조회</a:t>
-                      </a:r>
-                      <a:endParaRPr lang="ko-KR" altLang="en-US" sz="1400" b="0" dirty="0">
-                        <a:solidFill>
-                          <a:schemeClr val="tx1"/>
-                        </a:solidFill>
-                        <a:latin typeface="SeoulNamsan" charset="0"/>
-                        <a:ea typeface="SeoulNamsan" charset="0"/>
-                        <a:cs typeface="SeoulNamsan" charset="0"/>
-                      </a:endParaRPr>
-                    </a:p>
-                  </a:txBody>
-                  <a:tcPr marL="105742" marR="105742" marT="52897" marB="52897" anchor="ctr"/>
-                </a:tc>
-                <a:tc>
-                  <a:txBody>
-                    <a:bodyPr/>
-                    <a:lstStyle/>
-                    <a:p>
-                      <a:pPr marL="142875" indent="-142875" algn="ctr" latinLnBrk="1"/>
-                      <a:r>
-                        <a:rPr lang="ko-KR" altLang="en-US" sz="1400" dirty="0" smtClean="0">
-                          <a:latin typeface="SeoulNamsan" charset="0"/>
-                          <a:ea typeface="SeoulNamsan" charset="0"/>
-                          <a:cs typeface="SeoulNamsan" charset="0"/>
-                        </a:rPr>
-                        <a:t>기능</a:t>
-                      </a:r>
-                      <a:endParaRPr lang="ko-KR" altLang="en-US" sz="1400" b="0" dirty="0">
-                        <a:solidFill>
-                          <a:schemeClr val="tx1"/>
-                        </a:solidFill>
-                        <a:latin typeface="SeoulNamsan" charset="0"/>
-                        <a:ea typeface="SeoulNamsan" charset="0"/>
-                        <a:cs typeface="SeoulNamsan" charset="0"/>
-                      </a:endParaRPr>
-                    </a:p>
-                  </a:txBody>
-                  <a:tcPr marL="105742" marR="105742" marT="52897" marB="52897" anchor="ctr"/>
-                </a:tc>
-                <a:tc>
-                  <a:txBody>
-                    <a:bodyPr/>
-                    <a:lstStyle/>
-                    <a:p>
-                      <a:pPr marL="0" indent="0" algn="just" latinLnBrk="1"/>
-                      <a:r>
-                        <a:rPr lang="ko-KR" altLang="en-US" sz="1400" dirty="0" smtClean="0">
-                          <a:latin typeface="SeoulNamsan" charset="0"/>
-                          <a:ea typeface="SeoulNamsan" charset="0"/>
-                          <a:cs typeface="SeoulNamsan" charset="0"/>
-                        </a:rPr>
-                        <a:t>개인이 입사 지원한 이력을 조회할 수 있다</a:t>
-                      </a:r>
-                      <a:r>
-                        <a:rPr lang="en-US" altLang="ko-KR" sz="1400" dirty="0" smtClean="0">
-                          <a:latin typeface="SeoulNamsan" charset="0"/>
-                          <a:ea typeface="SeoulNamsan" charset="0"/>
-                          <a:cs typeface="SeoulNamsan" charset="0"/>
-                        </a:rPr>
-                        <a:t>.</a:t>
-                      </a:r>
-                      <a:endParaRPr lang="ko-KR" altLang="en-US" sz="1400" b="0" dirty="0">
-                        <a:solidFill>
-                          <a:schemeClr val="tx1"/>
-                        </a:solidFill>
-                        <a:latin typeface="SeoulNamsan" charset="0"/>
-                        <a:ea typeface="SeoulNamsan" charset="0"/>
-                        <a:cs typeface="SeoulNamsan" charset="0"/>
-                      </a:endParaRPr>
-                    </a:p>
-                  </a:txBody>
-                  <a:tcPr marL="105742" marR="105742" marT="52897" marB="52897" anchor="ctr"/>
-                </a:tc>
-                <a:tc>
-                  <a:txBody>
-                    <a:bodyPr/>
-                    <a:lstStyle/>
-                    <a:p>
-                      <a:pPr marL="0" indent="0" algn="just" latinLnBrk="1"/>
-                      <a:r>
-                        <a:rPr lang="ko-KR" altLang="en-US" sz="1400" dirty="0" smtClean="0">
-                          <a:latin typeface="SeoulNamsan" charset="0"/>
-                          <a:ea typeface="SeoulNamsan" charset="0"/>
-                          <a:cs typeface="SeoulNamsan" charset="0"/>
-                        </a:rPr>
-                        <a:t>이력조회를 위한 아이디 및 </a:t>
-                      </a:r>
-                      <a:r>
-                        <a:rPr lang="ko-KR" altLang="en-US" sz="1400" dirty="0" err="1" smtClean="0">
-                          <a:latin typeface="SeoulNamsan" charset="0"/>
-                          <a:ea typeface="SeoulNamsan" charset="0"/>
-                          <a:cs typeface="SeoulNamsan" charset="0"/>
-                        </a:rPr>
-                        <a:t>식별자</a:t>
-                      </a:r>
-                      <a:r>
-                        <a:rPr lang="ko-KR" altLang="en-US" sz="1400" dirty="0" smtClean="0">
-                          <a:latin typeface="SeoulNamsan" charset="0"/>
-                          <a:ea typeface="SeoulNamsan" charset="0"/>
-                          <a:cs typeface="SeoulNamsan" charset="0"/>
-                        </a:rPr>
-                        <a:t> 인증 선행</a:t>
-                      </a:r>
-                      <a:endParaRPr lang="ko-KR" altLang="en-US" sz="1400" b="0" dirty="0">
-                        <a:solidFill>
-                          <a:schemeClr val="tx1"/>
-                        </a:solidFill>
-                        <a:latin typeface="SeoulNamsan" charset="0"/>
-                        <a:ea typeface="SeoulNamsan" charset="0"/>
-                        <a:cs typeface="SeoulNamsan" charset="0"/>
-                      </a:endParaRPr>
-                    </a:p>
-                  </a:txBody>
-                  <a:tcPr marL="105742" marR="105742" marT="52897" marB="52897" anchor="ctr"/>
-                </a:tc>
-                <a:tc>
-                  <a:txBody>
-                    <a:bodyPr/>
-                    <a:lstStyle/>
-                    <a:p>
-                      <a:pPr marL="142875" indent="-142875" algn="just" latinLnBrk="1"/>
-                      <a:r>
-                        <a:rPr lang="ko-KR" altLang="en-US" sz="1400" dirty="0" smtClean="0">
-                          <a:latin typeface="SeoulNamsan" charset="0"/>
-                          <a:ea typeface="SeoulNamsan" charset="0"/>
-                          <a:cs typeface="SeoulNamsan" charset="0"/>
-                        </a:rPr>
-                        <a:t>개인회원 가입</a:t>
-                      </a:r>
-                      <a:endParaRPr lang="en-US" altLang="ko-KR" sz="1400" b="0" dirty="0" smtClean="0">
-                        <a:solidFill>
-                          <a:schemeClr val="tx1"/>
-                        </a:solidFill>
-                        <a:latin typeface="SeoulNamsan" charset="0"/>
-                        <a:ea typeface="SeoulNamsan" charset="0"/>
-                        <a:cs typeface="SeoulNamsan" charset="0"/>
-                      </a:endParaRPr>
-                    </a:p>
-                  </a:txBody>
-                  <a:tcPr marL="105742" marR="105742" marT="52897" marB="52897" anchor="ctr"/>
-                </a:tc>
-                <a:tc>
-                  <a:txBody>
-                    <a:bodyPr/>
-                    <a:lstStyle/>
-                    <a:p>
-                      <a:pPr marL="0" indent="0" algn="ctr" latinLnBrk="1"/>
-                      <a:r>
-                        <a:rPr lang="ko-KR" altLang="en-US" sz="1400" dirty="0" smtClean="0">
-                          <a:latin typeface="SeoulNamsan" charset="0"/>
-                          <a:ea typeface="SeoulNamsan" charset="0"/>
-                          <a:cs typeface="SeoulNamsan" charset="0"/>
-                        </a:rPr>
-                        <a:t>상</a:t>
-                      </a:r>
-                      <a:endParaRPr lang="ko-KR" altLang="en-US" sz="1400" b="0" dirty="0">
-                        <a:solidFill>
-                          <a:schemeClr val="tx1"/>
-                        </a:solidFill>
-                        <a:latin typeface="SeoulNamsan" charset="0"/>
-                        <a:ea typeface="SeoulNamsan" charset="0"/>
-                        <a:cs typeface="SeoulNamsan" charset="0"/>
-                      </a:endParaRPr>
-                    </a:p>
-                  </a:txBody>
-                  <a:tcPr marL="105742" marR="105742" marT="52897" marB="52897" anchor="ctr"/>
-                </a:tc>
-              </a:tr>
-            </a:tbl>
-          </a:graphicData>
-        </a:graphic>
-      </p:graphicFrame>
-      <p:graphicFrame>
-        <p:nvGraphicFramePr>
-          <p:cNvPr id="13" name="Table 12"/>
-          <p:cNvGraphicFramePr>
-            <a:graphicFrameLocks noGrp="1"/>
-          </p:cNvGraphicFramePr>
-          <p:nvPr/>
-        </p:nvGraphicFramePr>
-        <p:xfrm>
-          <a:off x="853964" y="5328733"/>
-          <a:ext cx="10515601" cy="945932"/>
-        </p:xfrm>
-        <a:graphic>
-          <a:graphicData uri="http://schemas.openxmlformats.org/drawingml/2006/table">
-            <a:tbl>
-              <a:tblPr bandCol="1">
-                <a:tableStyleId>{F2DE63D5-997A-4646-A377-4702673A728D}</a:tableStyleId>
-              </a:tblPr>
-              <a:tblGrid>
-                <a:gridCol w="1747346"/>
-                <a:gridCol w="1466997"/>
-                <a:gridCol w="535224"/>
-                <a:gridCol w="2569779"/>
-                <a:gridCol w="2317531"/>
-                <a:gridCol w="1103586"/>
-                <a:gridCol w="775138"/>
-              </a:tblGrid>
-              <a:tr h="945932">
-                <a:tc>
-                  <a:txBody>
-                    <a:bodyPr/>
-                    <a:lstStyle/>
-                    <a:p>
-                      <a:pPr algn="ctr" latinLnBrk="1"/>
-                      <a:r>
-                        <a:rPr lang="en-US" altLang="ko-KR" sz="1400" dirty="0" smtClean="0">
-                          <a:latin typeface="SeoulNamsan" charset="0"/>
-                          <a:ea typeface="SeoulNamsan" charset="0"/>
-                          <a:cs typeface="SeoulNamsan" charset="0"/>
-                        </a:rPr>
-                        <a:t>EAS-RF_01</a:t>
-                      </a:r>
-                    </a:p>
-                    <a:p>
-                      <a:pPr algn="ctr" latinLnBrk="1"/>
-                      <a:r>
-                        <a:rPr lang="en-US" altLang="ko-KR" sz="1400" dirty="0" smtClean="0">
-                          <a:latin typeface="SeoulNamsan" charset="0"/>
-                          <a:ea typeface="SeoulNamsan" charset="0"/>
-                          <a:cs typeface="SeoulNamsan" charset="0"/>
-                        </a:rPr>
-                        <a:t>(</a:t>
-                      </a:r>
-                      <a:r>
-                        <a:rPr lang="ko-KR" altLang="en-US" sz="1400" dirty="0" smtClean="0">
-                          <a:latin typeface="SeoulNamsan" charset="0"/>
-                          <a:ea typeface="SeoulNamsan" charset="0"/>
-                          <a:cs typeface="SeoulNamsan" charset="0"/>
-                        </a:rPr>
-                        <a:t>시스템</a:t>
-                      </a:r>
-                      <a:r>
-                        <a:rPr lang="en-US" altLang="ko-KR" sz="1400" dirty="0" smtClean="0">
-                          <a:latin typeface="SeoulNamsan" charset="0"/>
-                          <a:ea typeface="SeoulNamsan" charset="0"/>
-                          <a:cs typeface="SeoulNamsan" charset="0"/>
-                        </a:rPr>
-                        <a:t>ID_RF_01)</a:t>
-                      </a:r>
-                      <a:endParaRPr lang="ko-KR" altLang="en-US" sz="1400" b="0" dirty="0">
-                        <a:solidFill>
-                          <a:srgbClr val="FF0000"/>
-                        </a:solidFill>
-                        <a:latin typeface="SeoulNamsan" charset="0"/>
-                        <a:ea typeface="SeoulNamsan" charset="0"/>
-                        <a:cs typeface="SeoulNamsan" charset="0"/>
-                      </a:endParaRPr>
-                    </a:p>
-                  </a:txBody>
-                  <a:tcPr marL="105742" marR="105742" marT="52897" marB="52897" anchor="ctr"/>
-                </a:tc>
-                <a:tc>
-                  <a:txBody>
-                    <a:bodyPr/>
-                    <a:lstStyle/>
-                    <a:p>
-                      <a:pPr algn="ctr" latinLnBrk="1"/>
-                      <a:r>
-                        <a:rPr lang="ko-KR" altLang="en-US" sz="1400" dirty="0" smtClean="0">
-                          <a:latin typeface="SeoulNamsan" charset="0"/>
-                          <a:ea typeface="SeoulNamsan" charset="0"/>
-                          <a:cs typeface="SeoulNamsan" charset="0"/>
-                        </a:rPr>
-                        <a:t>지원이력 조회</a:t>
-                      </a:r>
-                      <a:endParaRPr lang="ko-KR" altLang="en-US" sz="1400" b="0" dirty="0">
-                        <a:solidFill>
-                          <a:schemeClr val="tx1"/>
-                        </a:solidFill>
-                        <a:latin typeface="SeoulNamsan" charset="0"/>
-                        <a:ea typeface="SeoulNamsan" charset="0"/>
-                        <a:cs typeface="SeoulNamsan" charset="0"/>
-                      </a:endParaRPr>
-                    </a:p>
-                  </a:txBody>
-                  <a:tcPr marL="105742" marR="105742" marT="52897" marB="52897" anchor="ctr"/>
-                </a:tc>
-                <a:tc>
-                  <a:txBody>
-                    <a:bodyPr/>
-                    <a:lstStyle/>
-                    <a:p>
-                      <a:pPr marL="142875" indent="-142875" algn="ctr" latinLnBrk="1"/>
-                      <a:r>
-                        <a:rPr lang="ko-KR" altLang="en-US" sz="1400" dirty="0" smtClean="0">
-                          <a:latin typeface="SeoulNamsan" charset="0"/>
-                          <a:ea typeface="SeoulNamsan" charset="0"/>
-                          <a:cs typeface="SeoulNamsan" charset="0"/>
-                        </a:rPr>
-                        <a:t>기능</a:t>
-                      </a:r>
-                      <a:endParaRPr lang="ko-KR" altLang="en-US" sz="1400" b="0" dirty="0">
-                        <a:solidFill>
-                          <a:schemeClr val="tx1"/>
-                        </a:solidFill>
-                        <a:latin typeface="SeoulNamsan" charset="0"/>
-                        <a:ea typeface="SeoulNamsan" charset="0"/>
-                        <a:cs typeface="SeoulNamsan" charset="0"/>
-                      </a:endParaRPr>
-                    </a:p>
-                  </a:txBody>
-                  <a:tcPr marL="105742" marR="105742" marT="52897" marB="52897" anchor="ctr"/>
-                </a:tc>
-                <a:tc>
-                  <a:txBody>
-                    <a:bodyPr/>
-                    <a:lstStyle/>
-                    <a:p>
-                      <a:pPr marL="0" indent="0" algn="just" latinLnBrk="1"/>
-                      <a:r>
-                        <a:rPr lang="ko-KR" altLang="en-US" sz="1400" dirty="0" smtClean="0">
-                          <a:latin typeface="SeoulNamsan" charset="0"/>
-                          <a:ea typeface="SeoulNamsan" charset="0"/>
-                          <a:cs typeface="SeoulNamsan" charset="0"/>
-                        </a:rPr>
-                        <a:t>개인이 입사 지원한 이력을 조회할 수 있다</a:t>
-                      </a:r>
-                      <a:r>
-                        <a:rPr lang="en-US" altLang="ko-KR" sz="1400" dirty="0" smtClean="0">
-                          <a:latin typeface="SeoulNamsan" charset="0"/>
-                          <a:ea typeface="SeoulNamsan" charset="0"/>
-                          <a:cs typeface="SeoulNamsan" charset="0"/>
-                        </a:rPr>
-                        <a:t>.</a:t>
-                      </a:r>
-                      <a:endParaRPr lang="ko-KR" altLang="en-US" sz="1400" b="0" dirty="0">
-                        <a:solidFill>
-                          <a:schemeClr val="tx1"/>
-                        </a:solidFill>
-                        <a:latin typeface="SeoulNamsan" charset="0"/>
-                        <a:ea typeface="SeoulNamsan" charset="0"/>
-                        <a:cs typeface="SeoulNamsan" charset="0"/>
-                      </a:endParaRPr>
-                    </a:p>
-                  </a:txBody>
-                  <a:tcPr marL="105742" marR="105742" marT="52897" marB="52897" anchor="ctr"/>
-                </a:tc>
-                <a:tc>
-                  <a:txBody>
-                    <a:bodyPr/>
-                    <a:lstStyle/>
-                    <a:p>
-                      <a:pPr marL="0" indent="0" algn="just" latinLnBrk="1"/>
-                      <a:r>
-                        <a:rPr lang="ko-KR" altLang="en-US" sz="1400" dirty="0" smtClean="0">
-                          <a:latin typeface="SeoulNamsan" charset="0"/>
-                          <a:ea typeface="SeoulNamsan" charset="0"/>
-                          <a:cs typeface="SeoulNamsan" charset="0"/>
-                        </a:rPr>
-                        <a:t>이력조회를 위한 아이디 및 </a:t>
-                      </a:r>
-                      <a:r>
-                        <a:rPr lang="ko-KR" altLang="en-US" sz="1400" dirty="0" err="1" smtClean="0">
-                          <a:latin typeface="SeoulNamsan" charset="0"/>
-                          <a:ea typeface="SeoulNamsan" charset="0"/>
-                          <a:cs typeface="SeoulNamsan" charset="0"/>
-                        </a:rPr>
-                        <a:t>식별자</a:t>
-                      </a:r>
-                      <a:r>
-                        <a:rPr lang="ko-KR" altLang="en-US" sz="1400" dirty="0" smtClean="0">
-                          <a:latin typeface="SeoulNamsan" charset="0"/>
-                          <a:ea typeface="SeoulNamsan" charset="0"/>
-                          <a:cs typeface="SeoulNamsan" charset="0"/>
-                        </a:rPr>
-                        <a:t> 인증 선행</a:t>
-                      </a:r>
-                      <a:endParaRPr lang="ko-KR" altLang="en-US" sz="1400" b="0" dirty="0">
-                        <a:solidFill>
-                          <a:schemeClr val="tx1"/>
-                        </a:solidFill>
-                        <a:latin typeface="SeoulNamsan" charset="0"/>
-                        <a:ea typeface="SeoulNamsan" charset="0"/>
-                        <a:cs typeface="SeoulNamsan" charset="0"/>
-                      </a:endParaRPr>
-                    </a:p>
-                  </a:txBody>
-                  <a:tcPr marL="105742" marR="105742" marT="52897" marB="52897" anchor="ctr"/>
-                </a:tc>
-                <a:tc>
-                  <a:txBody>
-                    <a:bodyPr/>
-                    <a:lstStyle/>
-                    <a:p>
-                      <a:pPr marL="142875" indent="-142875" algn="just" latinLnBrk="1"/>
-                      <a:r>
-                        <a:rPr lang="ko-KR" altLang="en-US" sz="1400" dirty="0" smtClean="0">
-                          <a:latin typeface="SeoulNamsan" charset="0"/>
-                          <a:ea typeface="SeoulNamsan" charset="0"/>
-                          <a:cs typeface="SeoulNamsan" charset="0"/>
-                        </a:rPr>
-                        <a:t>개인회원 가입</a:t>
-                      </a:r>
-                      <a:endParaRPr lang="en-US" altLang="ko-KR" sz="1400" b="0" dirty="0" smtClean="0">
-                        <a:solidFill>
-                          <a:schemeClr val="tx1"/>
-                        </a:solidFill>
-                        <a:latin typeface="SeoulNamsan" charset="0"/>
-                        <a:ea typeface="SeoulNamsan" charset="0"/>
-                        <a:cs typeface="SeoulNamsan" charset="0"/>
-                      </a:endParaRPr>
-                    </a:p>
-                  </a:txBody>
-                  <a:tcPr marL="105742" marR="105742" marT="52897" marB="52897" anchor="ctr"/>
-                </a:tc>
-                <a:tc>
-                  <a:txBody>
-                    <a:bodyPr/>
-                    <a:lstStyle/>
-                    <a:p>
-                      <a:pPr marL="0" indent="0" algn="ctr" latinLnBrk="1"/>
-                      <a:r>
-                        <a:rPr lang="ko-KR" altLang="en-US" sz="1400" dirty="0" smtClean="0">
-                          <a:latin typeface="SeoulNamsan" charset="0"/>
-                          <a:ea typeface="SeoulNamsan" charset="0"/>
-                          <a:cs typeface="SeoulNamsan" charset="0"/>
-                        </a:rPr>
-                        <a:t>상</a:t>
-                      </a:r>
-                      <a:endParaRPr lang="ko-KR" altLang="en-US" sz="1400" b="0" dirty="0">
-                        <a:solidFill>
-                          <a:schemeClr val="tx1"/>
-                        </a:solidFill>
-                        <a:latin typeface="SeoulNamsan" charset="0"/>
-                        <a:ea typeface="SeoulNamsan" charset="0"/>
-                        <a:cs typeface="SeoulNamsan" charset="0"/>
-                      </a:endParaRPr>
-                    </a:p>
-                  </a:txBody>
-                  <a:tcPr marL="105742" marR="105742" marT="52897" marB="52897" anchor="ctr"/>
-                </a:tc>
-              </a:tr>
-            </a:tbl>
-          </a:graphicData>
-        </a:graphic>
-      </p:graphicFrame>
+        </p:nvPicPr>
+        <p:blipFill>
+          <a:blip r:embed="rId2" cstate="print"/>
+          <a:srcRect/>
+          <a:stretch>
+            <a:fillRect/>
+          </a:stretch>
+        </p:blipFill>
+        <p:spPr bwMode="auto">
+          <a:xfrm>
+            <a:off x="1637773" y="1531406"/>
+            <a:ext cx="8858597" cy="4747245"/>
+          </a:xfrm>
+          <a:prstGeom prst="rect">
+            <a:avLst/>
+          </a:prstGeom>
+          <a:noFill/>
+          <a:ln w="9525">
+            <a:noFill/>
+            <a:miter lim="800000"/>
+            <a:headEnd/>
+            <a:tailEnd/>
+          </a:ln>
+        </p:spPr>
+      </p:pic>
     </p:spTree>
     <p:extLst>
       <p:ext uri="{BB962C8B-B14F-4D97-AF65-F5344CB8AC3E}">
-        <p14:creationId xmlns:p14="http://schemas.microsoft.com/office/powerpoint/2010/main" val="2092720083"/>
+        <p14:creationId xmlns:p14="http://schemas.microsoft.com/office/powerpoint/2010/main" val="1316505735"/>
       </p:ext>
     </p:extLst>
   </p:cSld>
@@ -10105,8 +8073,8 @@
         </p:nvSpPr>
         <p:spPr>
           <a:xfrm>
-            <a:off x="5927834" y="520262"/>
-            <a:ext cx="5454870" cy="331073"/>
+            <a:off x="5675586" y="488732"/>
+            <a:ext cx="5707118" cy="362604"/>
           </a:xfrm>
         </p:spPr>
         <p:txBody>
@@ -10149,18 +8117,7 @@
                   </a:schemeClr>
                 </a:solidFill>
               </a:rPr>
-              <a:t> </a:t>
-            </a:r>
-            <a:r>
-              <a:rPr lang="ko-KR" altLang="en-US" spc="0">
-                <a:solidFill>
-                  <a:schemeClr val="tx1">
-                    <a:lumMod val="65000"/>
-                    <a:lumOff val="35000"/>
-                  </a:schemeClr>
-                </a:solidFill>
-              </a:rPr>
-              <a:t>유스케이스 모델</a:t>
+              <a:t> 유스케이스 모델</a:t>
             </a:r>
             <a:r>
               <a:rPr lang="en-US" altLang="ko-KR" spc="0">
@@ -10227,7 +8184,7 @@
       </p:sp>
       <p:pic>
         <p:nvPicPr>
-          <p:cNvPr id="5" name="Picture 2"/>
+          <p:cNvPr id="6" name="Picture 2"/>
           <p:cNvPicPr>
             <a:picLocks noChangeAspect="1" noChangeArrowheads="1"/>
           </p:cNvPicPr>
@@ -10242,8 +8199,8 @@
         </p:blipFill>
         <p:spPr bwMode="auto">
           <a:xfrm>
-            <a:off x="1637773" y="1531406"/>
-            <a:ext cx="8858597" cy="4747245"/>
+            <a:off x="1751659" y="1131984"/>
+            <a:ext cx="8625408" cy="4968552"/>
           </a:xfrm>
           <a:prstGeom prst="rect">
             <a:avLst/>
@@ -10260,7 +8217,7 @@
     </p:spTree>
     <p:extLst>
       <p:ext uri="{BB962C8B-B14F-4D97-AF65-F5344CB8AC3E}">
-        <p14:creationId xmlns:p14="http://schemas.microsoft.com/office/powerpoint/2010/main" val="1316505735"/>
+        <p14:creationId xmlns:p14="http://schemas.microsoft.com/office/powerpoint/2010/main" val="1199420528"/>
       </p:ext>
     </p:extLst>
   </p:cSld>
@@ -10532,7 +8489,7 @@
   <a:extraClrSchemeLst/>
   <a:extLst>
     <a:ext uri="{05A4C25C-085E-4340-85A3-A5531E510DB2}">
-      <thm15:themeFamily xmlns:thm15="http://schemas.microsoft.com/office/thememl/2012/main" name="Office Theme" id="{62F939B6-93AF-4DB8-9C6B-D6C7DFDC589F}" vid="{4A3C46E8-61CC-4603-A589-7422A47A8E4A}"/>
+      <thm15:themeFamily xmlns:thm15="http://schemas.microsoft.com/office/thememl/2012/main" xmlns="" name="Office Theme" id="{62F939B6-93AF-4DB8-9C6B-D6C7DFDC589F}" vid="{4A3C46E8-61CC-4603-A589-7422A47A8E4A}"/>
     </a:ext>
   </a:extLst>
 </a:theme>
@@ -10793,7 +8750,7 @@
   <a:extraClrSchemeLst/>
   <a:extLst>
     <a:ext uri="{05A4C25C-085E-4340-85A3-A5531E510DB2}">
-      <thm15:themeFamily xmlns:thm15="http://schemas.microsoft.com/office/thememl/2012/main" name="Office Theme" id="{62F939B6-93AF-4DB8-9C6B-D6C7DFDC589F}" vid="{4A3C46E8-61CC-4603-A589-7422A47A8E4A}"/>
+      <thm15:themeFamily xmlns:thm15="http://schemas.microsoft.com/office/thememl/2012/main" xmlns="" name="Office Theme" id="{62F939B6-93AF-4DB8-9C6B-D6C7DFDC589F}" vid="{4A3C46E8-61CC-4603-A589-7422A47A8E4A}"/>
     </a:ext>
   </a:extLst>
 </a:theme>
@@ -11054,7 +9011,7 @@
   <a:extraClrSchemeLst/>
   <a:extLst>
     <a:ext uri="{05A4C25C-085E-4340-85A3-A5531E510DB2}">
-      <thm15:themeFamily xmlns:thm15="http://schemas.microsoft.com/office/thememl/2012/main" name="Office Theme" id="{62F939B6-93AF-4DB8-9C6B-D6C7DFDC589F}" vid="{4A3C46E8-61CC-4603-A589-7422A47A8E4A}"/>
+      <thm15:themeFamily xmlns:thm15="http://schemas.microsoft.com/office/thememl/2012/main" xmlns="" name="Office Theme" id="{62F939B6-93AF-4DB8-9C6B-D6C7DFDC589F}" vid="{4A3C46E8-61CC-4603-A589-7422A47A8E4A}"/>
     </a:ext>
   </a:extLst>
 </a:theme>
